--- a/frontend/public/documentation/Flyer.pptx
+++ b/frontend/public/documentation/Flyer.pptx
@@ -6,11 +6,10 @@
   </p:sldMasterIdLst>
   <p:sldIdLst>
     <p:sldId id="256" r:id="rId2"/>
-    <p:sldId id="257" r:id="rId3"/>
-    <p:sldId id="259" r:id="rId4"/>
-    <p:sldId id="262" r:id="rId5"/>
-    <p:sldId id="263" r:id="rId6"/>
-    <p:sldId id="264" r:id="rId7"/>
+    <p:sldId id="259" r:id="rId3"/>
+    <p:sldId id="262" r:id="rId4"/>
+    <p:sldId id="263" r:id="rId5"/>
+    <p:sldId id="264" r:id="rId6"/>
   </p:sldIdLst>
   <p:sldSz cx="6858000" cy="12192000"/>
   <p:notesSz cx="6858000" cy="9144000"/>
@@ -248,7 +247,7 @@
           <a:p>
             <a:fld id="{D4B1C55F-B20C-4CFD-8E60-86901ABAE181}" type="datetimeFigureOut">
               <a:rPr lang="fr-BE" smtClean="0"/>
-              <a:t>27-01-25</a:t>
+              <a:t>26-05-25</a:t>
             </a:fld>
             <a:endParaRPr lang="fr-BE"/>
           </a:p>
@@ -418,7 +417,7 @@
           <a:p>
             <a:fld id="{D4B1C55F-B20C-4CFD-8E60-86901ABAE181}" type="datetimeFigureOut">
               <a:rPr lang="fr-BE" smtClean="0"/>
-              <a:t>27-01-25</a:t>
+              <a:t>26-05-25</a:t>
             </a:fld>
             <a:endParaRPr lang="fr-BE"/>
           </a:p>
@@ -598,7 +597,7 @@
           <a:p>
             <a:fld id="{D4B1C55F-B20C-4CFD-8E60-86901ABAE181}" type="datetimeFigureOut">
               <a:rPr lang="fr-BE" smtClean="0"/>
-              <a:t>27-01-25</a:t>
+              <a:t>26-05-25</a:t>
             </a:fld>
             <a:endParaRPr lang="fr-BE"/>
           </a:p>
@@ -768,7 +767,7 @@
           <a:p>
             <a:fld id="{D4B1C55F-B20C-4CFD-8E60-86901ABAE181}" type="datetimeFigureOut">
               <a:rPr lang="fr-BE" smtClean="0"/>
-              <a:t>27-01-25</a:t>
+              <a:t>26-05-25</a:t>
             </a:fld>
             <a:endParaRPr lang="fr-BE"/>
           </a:p>
@@ -1014,7 +1013,7 @@
           <a:p>
             <a:fld id="{D4B1C55F-B20C-4CFD-8E60-86901ABAE181}" type="datetimeFigureOut">
               <a:rPr lang="fr-BE" smtClean="0"/>
-              <a:t>27-01-25</a:t>
+              <a:t>26-05-25</a:t>
             </a:fld>
             <a:endParaRPr lang="fr-BE"/>
           </a:p>
@@ -1246,7 +1245,7 @@
           <a:p>
             <a:fld id="{D4B1C55F-B20C-4CFD-8E60-86901ABAE181}" type="datetimeFigureOut">
               <a:rPr lang="fr-BE" smtClean="0"/>
-              <a:t>27-01-25</a:t>
+              <a:t>26-05-25</a:t>
             </a:fld>
             <a:endParaRPr lang="fr-BE"/>
           </a:p>
@@ -1613,7 +1612,7 @@
           <a:p>
             <a:fld id="{D4B1C55F-B20C-4CFD-8E60-86901ABAE181}" type="datetimeFigureOut">
               <a:rPr lang="fr-BE" smtClean="0"/>
-              <a:t>27-01-25</a:t>
+              <a:t>26-05-25</a:t>
             </a:fld>
             <a:endParaRPr lang="fr-BE"/>
           </a:p>
@@ -1731,7 +1730,7 @@
           <a:p>
             <a:fld id="{D4B1C55F-B20C-4CFD-8E60-86901ABAE181}" type="datetimeFigureOut">
               <a:rPr lang="fr-BE" smtClean="0"/>
-              <a:t>27-01-25</a:t>
+              <a:t>26-05-25</a:t>
             </a:fld>
             <a:endParaRPr lang="fr-BE"/>
           </a:p>
@@ -1826,7 +1825,7 @@
           <a:p>
             <a:fld id="{D4B1C55F-B20C-4CFD-8E60-86901ABAE181}" type="datetimeFigureOut">
               <a:rPr lang="fr-BE" smtClean="0"/>
-              <a:t>27-01-25</a:t>
+              <a:t>26-05-25</a:t>
             </a:fld>
             <a:endParaRPr lang="fr-BE"/>
           </a:p>
@@ -2103,7 +2102,7 @@
           <a:p>
             <a:fld id="{D4B1C55F-B20C-4CFD-8E60-86901ABAE181}" type="datetimeFigureOut">
               <a:rPr lang="fr-BE" smtClean="0"/>
-              <a:t>27-01-25</a:t>
+              <a:t>26-05-25</a:t>
             </a:fld>
             <a:endParaRPr lang="fr-BE"/>
           </a:p>
@@ -2360,7 +2359,7 @@
           <a:p>
             <a:fld id="{D4B1C55F-B20C-4CFD-8E60-86901ABAE181}" type="datetimeFigureOut">
               <a:rPr lang="fr-BE" smtClean="0"/>
-              <a:t>27-01-25</a:t>
+              <a:t>26-05-25</a:t>
             </a:fld>
             <a:endParaRPr lang="fr-BE"/>
           </a:p>
@@ -2573,7 +2572,7 @@
           <a:p>
             <a:fld id="{D4B1C55F-B20C-4CFD-8E60-86901ABAE181}" type="datetimeFigureOut">
               <a:rPr lang="fr-BE" smtClean="0"/>
-              <a:t>27-01-25</a:t>
+              <a:t>26-05-25</a:t>
             </a:fld>
             <a:endParaRPr lang="fr-BE"/>
           </a:p>
@@ -3099,49 +3098,7 @@
         <p:spPr>
           <a:xfrm>
             <a:off x="3429000" y="3657600"/>
-            <a:ext cx="0" cy="5080000"/>
-          </a:xfrm>
-          <a:prstGeom prst="straightConnector1">
-            <a:avLst/>
-          </a:prstGeom>
-          <a:ln w="38100">
-            <a:headEnd type="diamond"/>
-            <a:tailEnd type="none"/>
-          </a:ln>
-        </p:spPr>
-        <p:style>
-          <a:lnRef idx="2">
-            <a:schemeClr val="accent1"/>
-          </a:lnRef>
-          <a:fillRef idx="0">
-            <a:schemeClr val="accent1"/>
-          </a:fillRef>
-          <a:effectRef idx="1">
-            <a:schemeClr val="accent1"/>
-          </a:effectRef>
-          <a:fontRef idx="minor">
-            <a:schemeClr val="tx1"/>
-          </a:fontRef>
-        </p:style>
-      </p:cxnSp>
-      <p:cxnSp>
-        <p:nvCxnSpPr>
-          <p:cNvPr id="8" name="Straight Arrow Connector 7">
-            <a:extLst>
-              <a:ext uri="{FF2B5EF4-FFF2-40B4-BE49-F238E27FC236}">
-                <a16:creationId xmlns:a16="http://schemas.microsoft.com/office/drawing/2014/main" id="{0C3746B8-FB54-46B2-D46F-6C50A2316589}"/>
-              </a:ext>
-            </a:extLst>
-          </p:cNvPr>
-          <p:cNvCxnSpPr>
-            <a:cxnSpLocks/>
-          </p:cNvCxnSpPr>
-          <p:nvPr/>
-        </p:nvCxnSpPr>
-        <p:spPr>
-          <a:xfrm>
-            <a:off x="3425952" y="9082079"/>
-            <a:ext cx="0" cy="2381788"/>
+            <a:ext cx="0" cy="7721600"/>
           </a:xfrm>
           <a:prstGeom prst="straightConnector1">
             <a:avLst/>
@@ -3355,7 +3312,7 @@
                   <a:schemeClr val="accent1"/>
                 </a:solidFill>
               </a:rPr>
-              <a:t>Developed for EC to facilitate the user acceptance</a:t>
+              <a:t>Developed to facilitate the user acceptance</a:t>
             </a:r>
             <a:endParaRPr lang="en-US" i="1" noProof="0" dirty="0">
               <a:solidFill>
@@ -3406,74 +3363,6 @@
       </p:sp>
       <p:sp>
         <p:nvSpPr>
-          <p:cNvPr id="17" name="TextBox 16">
-            <a:extLst>
-              <a:ext uri="{FF2B5EF4-FFF2-40B4-BE49-F238E27FC236}">
-                <a16:creationId xmlns:a16="http://schemas.microsoft.com/office/drawing/2014/main" id="{C04DCD3D-7D8D-2B68-D50D-ABB5D7BA0836}"/>
-              </a:ext>
-            </a:extLst>
-          </p:cNvPr>
-          <p:cNvSpPr txBox="1"/>
-          <p:nvPr/>
-        </p:nvSpPr>
-        <p:spPr>
-          <a:xfrm>
-            <a:off x="182886" y="4175900"/>
-            <a:ext cx="3012697" cy="1138773"/>
-          </a:xfrm>
-          <a:prstGeom prst="rect">
-            <a:avLst/>
-          </a:prstGeom>
-          <a:noFill/>
-        </p:spPr>
-        <p:txBody>
-          <a:bodyPr wrap="square" rtlCol="0">
-            <a:spAutoFit/>
-          </a:bodyPr>
-          <a:lstStyle/>
-          <a:p>
-            <a:r>
-              <a:rPr lang="fr-BE" dirty="0">
-                <a:solidFill>
-                  <a:schemeClr val="accent1"/>
-                </a:solidFill>
-              </a:rPr>
-              <a:t>Rebecca SHOTSHA</a:t>
-            </a:r>
-          </a:p>
-          <a:p>
-            <a:r>
-              <a:rPr lang="fr-BE" sz="1400" dirty="0">
-                <a:solidFill>
-                  <a:schemeClr val="accent1"/>
-                </a:solidFill>
-              </a:rPr>
-              <a:t>rebecca.shotsha@soprasteria.com</a:t>
-            </a:r>
-            <a:endParaRPr lang="fr-BE" sz="1200" dirty="0">
-              <a:solidFill>
-                <a:schemeClr val="accent1"/>
-              </a:solidFill>
-            </a:endParaRPr>
-          </a:p>
-          <a:p>
-            <a:endParaRPr lang="fr-BE" dirty="0">
-              <a:solidFill>
-                <a:schemeClr val="accent1"/>
-              </a:solidFill>
-            </a:endParaRPr>
-          </a:p>
-          <a:p>
-            <a:endParaRPr lang="fr-BE" dirty="0">
-              <a:solidFill>
-                <a:schemeClr val="accent1"/>
-              </a:solidFill>
-            </a:endParaRPr>
-          </a:p>
-        </p:txBody>
-      </p:sp>
-      <p:sp>
-        <p:nvSpPr>
           <p:cNvPr id="20" name="TextBox 19">
             <a:extLst>
               <a:ext uri="{FF2B5EF4-FFF2-40B4-BE49-F238E27FC236}">
@@ -3486,7 +3375,7 @@
         </p:nvSpPr>
         <p:spPr>
           <a:xfrm>
-            <a:off x="182885" y="4959266"/>
+            <a:off x="269518" y="4225561"/>
             <a:ext cx="3012697" cy="1569660"/>
           </a:xfrm>
           <a:prstGeom prst="rect">
@@ -3599,7 +3488,7 @@
                   <a:schemeClr val="accent1"/>
                 </a:solidFill>
               </a:rPr>
-              <a:t>Birthdate</a:t>
+              <a:t>Launched</a:t>
             </a:r>
             <a:r>
               <a:rPr lang="en-US" noProof="0" dirty="0">
@@ -3622,7 +3511,7 @@
                   <a:schemeClr val="accent1"/>
                 </a:solidFill>
               </a:rPr>
-              <a:t>01/06/2019</a:t>
+              <a:t>05/2025</a:t>
             </a:r>
           </a:p>
           <a:p>
@@ -3648,7 +3537,7 @@
         </p:nvSpPr>
         <p:spPr>
           <a:xfrm>
-            <a:off x="3656320" y="9007393"/>
+            <a:off x="3656320" y="8808666"/>
             <a:ext cx="3195582" cy="1200329"/>
           </a:xfrm>
           <a:prstGeom prst="rect">
@@ -3819,309 +3708,6 @@
       </p:sp>
       <p:sp>
         <p:nvSpPr>
-          <p:cNvPr id="25" name="TextBox 24">
-            <a:extLst>
-              <a:ext uri="{FF2B5EF4-FFF2-40B4-BE49-F238E27FC236}">
-                <a16:creationId xmlns:a16="http://schemas.microsoft.com/office/drawing/2014/main" id="{563F7C9D-9394-C5F2-93D7-A524A816B8BC}"/>
-              </a:ext>
-            </a:extLst>
-          </p:cNvPr>
-          <p:cNvSpPr txBox="1"/>
-          <p:nvPr/>
-        </p:nvSpPr>
-        <p:spPr>
-          <a:xfrm>
-            <a:off x="3656320" y="4481732"/>
-            <a:ext cx="3195582" cy="2031325"/>
-          </a:xfrm>
-          <a:prstGeom prst="rect">
-            <a:avLst/>
-          </a:prstGeom>
-          <a:noFill/>
-        </p:spPr>
-        <p:txBody>
-          <a:bodyPr wrap="square" rtlCol="0">
-            <a:spAutoFit/>
-          </a:bodyPr>
-          <a:lstStyle/>
-          <a:p>
-            <a:r>
-              <a:rPr lang="en-US" b="1" noProof="0" dirty="0">
-                <a:solidFill>
-                  <a:schemeClr val="accent1"/>
-                </a:solidFill>
-              </a:rPr>
-              <a:t>Expertise</a:t>
-            </a:r>
-            <a:r>
-              <a:rPr lang="en-US" noProof="0" dirty="0">
-                <a:solidFill>
-                  <a:schemeClr val="accent1"/>
-                </a:solidFill>
-              </a:rPr>
-              <a:t>:</a:t>
-            </a:r>
-            <a:endParaRPr lang="en-US" sz="1200" noProof="0" dirty="0">
-              <a:solidFill>
-                <a:schemeClr val="accent1"/>
-              </a:solidFill>
-            </a:endParaRPr>
-          </a:p>
-          <a:p>
-            <a:pPr marL="285750" indent="-285750">
-              <a:buFont typeface="Arial" panose="020B0604020202020204" pitchFamily="34" charset="0"/>
-              <a:buChar char="•"/>
-            </a:pPr>
-            <a:r>
-              <a:rPr lang="en-US" noProof="0" dirty="0">
-                <a:solidFill>
-                  <a:schemeClr val="accent1"/>
-                </a:solidFill>
-              </a:rPr>
-              <a:t>Business Tests.</a:t>
-            </a:r>
-          </a:p>
-          <a:p>
-            <a:pPr marL="285750" indent="-285750">
-              <a:buFont typeface="Arial" panose="020B0604020202020204" pitchFamily="34" charset="0"/>
-              <a:buChar char="•"/>
-            </a:pPr>
-            <a:r>
-              <a:rPr lang="en-US" dirty="0">
-                <a:solidFill>
-                  <a:schemeClr val="accent1"/>
-                </a:solidFill>
-              </a:rPr>
-              <a:t>Non-regression tests.</a:t>
-            </a:r>
-          </a:p>
-          <a:p>
-            <a:pPr marL="285750" indent="-285750">
-              <a:buFont typeface="Arial" panose="020B0604020202020204" pitchFamily="34" charset="0"/>
-              <a:buChar char="•"/>
-            </a:pPr>
-            <a:r>
-              <a:rPr lang="en-US" noProof="0" dirty="0">
-                <a:solidFill>
-                  <a:schemeClr val="accent1"/>
-                </a:solidFill>
-              </a:rPr>
-              <a:t>Prepare data.</a:t>
-            </a:r>
-          </a:p>
-          <a:p>
-            <a:pPr marL="285750" indent="-285750">
-              <a:buFont typeface="Arial" panose="020B0604020202020204" pitchFamily="34" charset="0"/>
-              <a:buChar char="•"/>
-            </a:pPr>
-            <a:r>
-              <a:rPr lang="en-US" dirty="0">
-                <a:solidFill>
-                  <a:schemeClr val="accent1"/>
-                </a:solidFill>
-              </a:rPr>
-              <a:t>Facilitate user acceptance</a:t>
-            </a:r>
-            <a:br>
-              <a:rPr lang="en-US" dirty="0">
-                <a:solidFill>
-                  <a:schemeClr val="accent1"/>
-                </a:solidFill>
-              </a:rPr>
-            </a:br>
-            <a:r>
-              <a:rPr lang="en-US" dirty="0">
-                <a:solidFill>
-                  <a:schemeClr val="accent1"/>
-                </a:solidFill>
-              </a:rPr>
-              <a:t>with stakeholder</a:t>
-            </a:r>
-            <a:endParaRPr lang="en-US" noProof="0" dirty="0">
-              <a:solidFill>
-                <a:schemeClr val="accent1"/>
-              </a:solidFill>
-            </a:endParaRPr>
-          </a:p>
-          <a:p>
-            <a:endParaRPr lang="en-US" noProof="0" dirty="0">
-              <a:solidFill>
-                <a:schemeClr val="accent1"/>
-              </a:solidFill>
-            </a:endParaRPr>
-          </a:p>
-        </p:txBody>
-      </p:sp>
-      <p:sp>
-        <p:nvSpPr>
-          <p:cNvPr id="26" name="TextBox 25">
-            <a:extLst>
-              <a:ext uri="{FF2B5EF4-FFF2-40B4-BE49-F238E27FC236}">
-                <a16:creationId xmlns:a16="http://schemas.microsoft.com/office/drawing/2014/main" id="{08F0E178-BB6B-CC8F-5ADB-417FC5A192C3}"/>
-              </a:ext>
-            </a:extLst>
-          </p:cNvPr>
-          <p:cNvSpPr txBox="1"/>
-          <p:nvPr/>
-        </p:nvSpPr>
-        <p:spPr>
-          <a:xfrm>
-            <a:off x="3650224" y="6331576"/>
-            <a:ext cx="3195582" cy="2585323"/>
-          </a:xfrm>
-          <a:prstGeom prst="rect">
-            <a:avLst/>
-          </a:prstGeom>
-          <a:noFill/>
-        </p:spPr>
-        <p:txBody>
-          <a:bodyPr wrap="square" rtlCol="0">
-            <a:spAutoFit/>
-          </a:bodyPr>
-          <a:lstStyle/>
-          <a:p>
-            <a:r>
-              <a:rPr lang="en-US" b="1" noProof="0" dirty="0">
-                <a:solidFill>
-                  <a:schemeClr val="accent1"/>
-                </a:solidFill>
-              </a:rPr>
-              <a:t>Experience</a:t>
-            </a:r>
-            <a:r>
-              <a:rPr lang="en-US" noProof="0" dirty="0">
-                <a:solidFill>
-                  <a:schemeClr val="accent1"/>
-                </a:solidFill>
-              </a:rPr>
-              <a:t>:</a:t>
-            </a:r>
-            <a:endParaRPr lang="en-US" sz="1200" noProof="0" dirty="0">
-              <a:solidFill>
-                <a:schemeClr val="accent1"/>
-              </a:solidFill>
-            </a:endParaRPr>
-          </a:p>
-          <a:p>
-            <a:pPr marL="285750" indent="-285750">
-              <a:buFont typeface="Arial" panose="020B0604020202020204" pitchFamily="34" charset="0"/>
-              <a:buChar char="•"/>
-            </a:pPr>
-            <a:r>
-              <a:rPr lang="en-US" noProof="0" dirty="0">
-                <a:solidFill>
-                  <a:schemeClr val="accent1"/>
-                </a:solidFill>
-              </a:rPr>
-              <a:t>Secretariat General: </a:t>
-            </a:r>
-            <a:r>
-              <a:rPr lang="en-US" i="1" noProof="0" dirty="0">
-                <a:solidFill>
-                  <a:schemeClr val="accent1"/>
-                </a:solidFill>
-              </a:rPr>
-              <a:t>Transparency Register</a:t>
-            </a:r>
-            <a:r>
-              <a:rPr lang="en-US" noProof="0" dirty="0">
-                <a:solidFill>
-                  <a:schemeClr val="accent1"/>
-                </a:solidFill>
-              </a:rPr>
-              <a:t>.</a:t>
-            </a:r>
-          </a:p>
-          <a:p>
-            <a:pPr marL="285750" indent="-285750">
-              <a:buFont typeface="Arial" panose="020B0604020202020204" pitchFamily="34" charset="0"/>
-              <a:buChar char="•"/>
-            </a:pPr>
-            <a:r>
-              <a:rPr lang="en-US" dirty="0">
-                <a:solidFill>
-                  <a:schemeClr val="accent1"/>
-                </a:solidFill>
-              </a:rPr>
-              <a:t>DG INTPA R5:</a:t>
-            </a:r>
-            <a:br>
-              <a:rPr lang="en-US" dirty="0">
-                <a:solidFill>
-                  <a:schemeClr val="accent1"/>
-                </a:solidFill>
-              </a:rPr>
-            </a:br>
-            <a:r>
-              <a:rPr lang="en-US" i="1" dirty="0">
-                <a:solidFill>
-                  <a:schemeClr val="accent1"/>
-                </a:solidFill>
-              </a:rPr>
-              <a:t>Opsys Project</a:t>
-            </a:r>
-            <a:br>
-              <a:rPr lang="en-US" i="1" dirty="0">
-                <a:solidFill>
-                  <a:schemeClr val="accent1"/>
-                </a:solidFill>
-              </a:rPr>
-            </a:br>
-            <a:r>
-              <a:rPr lang="en-US" i="1" dirty="0">
-                <a:solidFill>
-                  <a:schemeClr val="accent1"/>
-                </a:solidFill>
-              </a:rPr>
-              <a:t>Prospect Project</a:t>
-            </a:r>
-            <a:br>
-              <a:rPr lang="en-US" i="1" dirty="0">
-                <a:solidFill>
-                  <a:schemeClr val="accent1"/>
-                </a:solidFill>
-              </a:rPr>
-            </a:br>
-            <a:r>
-              <a:rPr lang="en-US" i="1" dirty="0">
-                <a:solidFill>
-                  <a:schemeClr val="accent1"/>
-                </a:solidFill>
-              </a:rPr>
-              <a:t>Pador Project</a:t>
-            </a:r>
-            <a:br>
-              <a:rPr lang="en-US" i="1" dirty="0">
-                <a:solidFill>
-                  <a:schemeClr val="accent1"/>
-                </a:solidFill>
-              </a:rPr>
-            </a:br>
-            <a:r>
-              <a:rPr lang="en-US" i="1" dirty="0">
-                <a:solidFill>
-                  <a:schemeClr val="accent1"/>
-                </a:solidFill>
-              </a:rPr>
-              <a:t>CRIS Project</a:t>
-            </a:r>
-            <a:endParaRPr lang="en-US" i="1" noProof="0" dirty="0">
-              <a:solidFill>
-                <a:schemeClr val="accent1"/>
-              </a:solidFill>
-            </a:endParaRPr>
-          </a:p>
-          <a:p>
-            <a:endParaRPr lang="en-US" noProof="0" dirty="0">
-              <a:solidFill>
-                <a:schemeClr val="accent1"/>
-              </a:solidFill>
-            </a:endParaRPr>
-          </a:p>
-        </p:txBody>
-      </p:sp>
-      <p:sp>
-        <p:nvSpPr>
           <p:cNvPr id="28" name="TextBox 27">
             <a:extLst>
               <a:ext uri="{FF2B5EF4-FFF2-40B4-BE49-F238E27FC236}">
@@ -4134,7 +3720,7 @@
         </p:nvSpPr>
         <p:spPr>
           <a:xfrm>
-            <a:off x="451355" y="6877737"/>
+            <a:off x="451352" y="5714479"/>
             <a:ext cx="2204185" cy="369332"/>
           </a:xfrm>
           <a:prstGeom prst="rect">
@@ -4173,7 +3759,7 @@
         </p:nvSpPr>
         <p:spPr>
           <a:xfrm>
-            <a:off x="182890" y="7392014"/>
+            <a:off x="182887" y="6228756"/>
             <a:ext cx="3024883" cy="2308324"/>
           </a:xfrm>
           <a:prstGeom prst="rect">
@@ -4340,7 +3926,7 @@
         </p:nvSpPr>
         <p:spPr>
           <a:xfrm>
-            <a:off x="451355" y="9966914"/>
+            <a:off x="451352" y="8803656"/>
             <a:ext cx="2204185" cy="369332"/>
           </a:xfrm>
           <a:prstGeom prst="rect">
@@ -4379,7 +3965,7 @@
         </p:nvSpPr>
         <p:spPr>
           <a:xfrm>
-            <a:off x="257332" y="10422877"/>
+            <a:off x="257329" y="9259619"/>
             <a:ext cx="3024883" cy="1569660"/>
           </a:xfrm>
           <a:prstGeom prst="rect">
@@ -4403,7 +3989,7 @@
                   <a:schemeClr val="accent1"/>
                 </a:solidFill>
               </a:rPr>
-              <a:t>WebDriver</a:t>
+              <a:t>Playwright</a:t>
             </a:r>
           </a:p>
           <a:p>
@@ -4468,6 +4054,235 @@
               <a:buChar char="•"/>
             </a:pPr>
             <a:endParaRPr lang="en-US" sz="1600" noProof="0" dirty="0">
+              <a:solidFill>
+                <a:schemeClr val="accent1"/>
+              </a:solidFill>
+            </a:endParaRPr>
+          </a:p>
+        </p:txBody>
+      </p:sp>
+      <p:sp>
+        <p:nvSpPr>
+          <p:cNvPr id="2" name="TextBox 1">
+            <a:extLst>
+              <a:ext uri="{FF2B5EF4-FFF2-40B4-BE49-F238E27FC236}">
+                <a16:creationId xmlns:a16="http://schemas.microsoft.com/office/drawing/2014/main" id="{8D031125-16D9-E544-DF0A-DD32DC6F4C5C}"/>
+              </a:ext>
+            </a:extLst>
+          </p:cNvPr>
+          <p:cNvSpPr txBox="1"/>
+          <p:nvPr/>
+        </p:nvSpPr>
+        <p:spPr>
+          <a:xfrm>
+            <a:off x="3656320" y="4367432"/>
+            <a:ext cx="3195582" cy="2585323"/>
+          </a:xfrm>
+          <a:prstGeom prst="rect">
+            <a:avLst/>
+          </a:prstGeom>
+          <a:noFill/>
+        </p:spPr>
+        <p:txBody>
+          <a:bodyPr wrap="square" rtlCol="0">
+            <a:spAutoFit/>
+          </a:bodyPr>
+          <a:lstStyle/>
+          <a:p>
+            <a:r>
+              <a:rPr lang="en-US" b="1" noProof="0" dirty="0">
+                <a:solidFill>
+                  <a:schemeClr val="accent1"/>
+                </a:solidFill>
+              </a:rPr>
+              <a:t>History of the Robot</a:t>
+            </a:r>
+            <a:r>
+              <a:rPr lang="en-US" noProof="0" dirty="0">
+                <a:solidFill>
+                  <a:schemeClr val="accent1"/>
+                </a:solidFill>
+              </a:rPr>
+              <a:t>:</a:t>
+            </a:r>
+            <a:endParaRPr lang="en-US" sz="1200" noProof="0" dirty="0">
+              <a:solidFill>
+                <a:schemeClr val="accent1"/>
+              </a:solidFill>
+            </a:endParaRPr>
+          </a:p>
+          <a:p>
+            <a:pPr marL="285750" indent="-285750">
+              <a:buFont typeface="Arial" panose="020B0604020202020204" pitchFamily="34" charset="0"/>
+              <a:buChar char="•"/>
+            </a:pPr>
+            <a:r>
+              <a:rPr lang="en-US" sz="1600" noProof="0" dirty="0">
+                <a:solidFill>
+                  <a:schemeClr val="accent1"/>
+                </a:solidFill>
+              </a:rPr>
+              <a:t>2019-2024, Robot is used at DG INTPA to test a very complex financial application.</a:t>
+            </a:r>
+          </a:p>
+          <a:p>
+            <a:endParaRPr lang="en-US" sz="1600" dirty="0">
+              <a:solidFill>
+                <a:schemeClr val="accent1"/>
+              </a:solidFill>
+            </a:endParaRPr>
+          </a:p>
+          <a:p>
+            <a:pPr marL="285750" indent="-285750">
+              <a:buFont typeface="Arial" panose="020B0604020202020204" pitchFamily="34" charset="0"/>
+              <a:buChar char="•"/>
+            </a:pPr>
+            <a:r>
+              <a:rPr lang="en-US" sz="1600" noProof="0" dirty="0">
+                <a:solidFill>
+                  <a:schemeClr val="accent1"/>
+                </a:solidFill>
+              </a:rPr>
+              <a:t>2024, a version based on</a:t>
+            </a:r>
+            <a:br>
+              <a:rPr lang="en-US" sz="1600" noProof="0" dirty="0">
+                <a:solidFill>
+                  <a:schemeClr val="accent1"/>
+                </a:solidFill>
+              </a:rPr>
+            </a:br>
+            <a:r>
+              <a:rPr lang="en-US" sz="1600" noProof="0" dirty="0">
+                <a:solidFill>
+                  <a:schemeClr val="accent1"/>
+                </a:solidFill>
+              </a:rPr>
+              <a:t> a web interface is created.</a:t>
+            </a:r>
+            <a:br>
+              <a:rPr lang="en-US" sz="1600" noProof="0" dirty="0">
+                <a:solidFill>
+                  <a:schemeClr val="accent1"/>
+                </a:solidFill>
+              </a:rPr>
+            </a:br>
+            <a:endParaRPr lang="en-US" sz="1600" noProof="0" dirty="0">
+              <a:solidFill>
+                <a:schemeClr val="accent1"/>
+              </a:solidFill>
+            </a:endParaRPr>
+          </a:p>
+          <a:p>
+            <a:pPr marL="285750" indent="-285750">
+              <a:buFont typeface="Arial" panose="020B0604020202020204" pitchFamily="34" charset="0"/>
+              <a:buChar char="•"/>
+            </a:pPr>
+            <a:r>
+              <a:rPr lang="en-US" sz="1600" dirty="0">
+                <a:solidFill>
+                  <a:schemeClr val="accent1"/>
+                </a:solidFill>
+              </a:rPr>
+              <a:t>2025, a migration of the backend to Playwright</a:t>
+            </a:r>
+            <a:endParaRPr lang="en-US" sz="1600" noProof="0" dirty="0">
+              <a:solidFill>
+                <a:schemeClr val="accent1"/>
+              </a:solidFill>
+            </a:endParaRPr>
+          </a:p>
+        </p:txBody>
+      </p:sp>
+      <p:sp>
+        <p:nvSpPr>
+          <p:cNvPr id="3" name="TextBox 2">
+            <a:extLst>
+              <a:ext uri="{FF2B5EF4-FFF2-40B4-BE49-F238E27FC236}">
+                <a16:creationId xmlns:a16="http://schemas.microsoft.com/office/drawing/2014/main" id="{2104261F-0A30-E9DF-4B61-62955C0252AE}"/>
+              </a:ext>
+            </a:extLst>
+          </p:cNvPr>
+          <p:cNvSpPr txBox="1"/>
+          <p:nvPr/>
+        </p:nvSpPr>
+        <p:spPr>
+          <a:xfrm>
+            <a:off x="3662418" y="7132611"/>
+            <a:ext cx="3195582" cy="1477328"/>
+          </a:xfrm>
+          <a:prstGeom prst="rect">
+            <a:avLst/>
+          </a:prstGeom>
+          <a:noFill/>
+        </p:spPr>
+        <p:txBody>
+          <a:bodyPr wrap="square" rtlCol="0">
+            <a:spAutoFit/>
+          </a:bodyPr>
+          <a:lstStyle/>
+          <a:p>
+            <a:r>
+              <a:rPr lang="en-US" b="1" noProof="0" dirty="0">
+                <a:solidFill>
+                  <a:schemeClr val="accent1"/>
+                </a:solidFill>
+              </a:rPr>
+              <a:t>Performance</a:t>
+            </a:r>
+            <a:r>
+              <a:rPr lang="en-US" noProof="0" dirty="0">
+                <a:solidFill>
+                  <a:schemeClr val="accent1"/>
+                </a:solidFill>
+              </a:rPr>
+              <a:t>:</a:t>
+            </a:r>
+          </a:p>
+          <a:p>
+            <a:pPr marL="285750" indent="-285750">
+              <a:buFont typeface="Arial" panose="020B0604020202020204" pitchFamily="34" charset="0"/>
+              <a:buChar char="•"/>
+            </a:pPr>
+            <a:r>
+              <a:rPr lang="en-US" dirty="0">
+                <a:solidFill>
+                  <a:schemeClr val="accent1"/>
+                </a:solidFill>
+              </a:rPr>
+              <a:t>Quick tests execution</a:t>
+            </a:r>
+          </a:p>
+          <a:p>
+            <a:pPr marL="285750" indent="-285750">
+              <a:buFont typeface="Arial" panose="020B0604020202020204" pitchFamily="34" charset="0"/>
+              <a:buChar char="•"/>
+            </a:pPr>
+            <a:r>
+              <a:rPr lang="en-US" dirty="0">
+                <a:solidFill>
+                  <a:schemeClr val="accent1"/>
+                </a:solidFill>
+              </a:rPr>
+              <a:t>Multi browsers</a:t>
+            </a:r>
+          </a:p>
+          <a:p>
+            <a:pPr marL="285750" indent="-285750">
+              <a:buFont typeface="Arial" panose="020B0604020202020204" pitchFamily="34" charset="0"/>
+              <a:buChar char="•"/>
+            </a:pPr>
+            <a:r>
+              <a:rPr lang="en-US" noProof="0" dirty="0">
+                <a:solidFill>
+                  <a:schemeClr val="accent1"/>
+                </a:solidFill>
+              </a:rPr>
+              <a:t>Ready for mobile</a:t>
+            </a:r>
+          </a:p>
+          <a:p>
+            <a:endParaRPr lang="en-US" noProof="0" dirty="0">
               <a:solidFill>
                 <a:schemeClr val="accent1"/>
               </a:solidFill>
@@ -4489,1122 +4304,6 @@
 </file>
 
 <file path=ppt/slides/slide2.xml><?xml version="1.0" encoding="utf-8"?>
-<p:sld xmlns:a="http://schemas.openxmlformats.org/drawingml/2006/main" xmlns:r="http://schemas.openxmlformats.org/officeDocument/2006/relationships" xmlns:p="http://schemas.openxmlformats.org/presentationml/2006/main">
-  <p:cSld>
-    <p:spTree>
-      <p:nvGrpSpPr>
-        <p:cNvPr id="1" name="">
-          <a:extLst>
-            <a:ext uri="{FF2B5EF4-FFF2-40B4-BE49-F238E27FC236}">
-              <a16:creationId xmlns:a16="http://schemas.microsoft.com/office/drawing/2014/main" id="{E702D5A4-A68C-2366-EE13-9FB6692F0446}"/>
-            </a:ext>
-          </a:extLst>
-        </p:cNvPr>
-        <p:cNvGrpSpPr/>
-        <p:nvPr/>
-      </p:nvGrpSpPr>
-      <p:grpSpPr>
-        <a:xfrm>
-          <a:off x="0" y="0"/>
-          <a:ext cx="0" cy="0"/>
-          <a:chOff x="0" y="0"/>
-          <a:chExt cx="0" cy="0"/>
-        </a:xfrm>
-      </p:grpSpPr>
-      <p:sp>
-        <p:nvSpPr>
-          <p:cNvPr id="4" name="Rectangle 3">
-            <a:extLst>
-              <a:ext uri="{FF2B5EF4-FFF2-40B4-BE49-F238E27FC236}">
-                <a16:creationId xmlns:a16="http://schemas.microsoft.com/office/drawing/2014/main" id="{0F4B646D-C794-5B3A-C12E-12E6F8B8E223}"/>
-              </a:ext>
-            </a:extLst>
-          </p:cNvPr>
-          <p:cNvSpPr/>
-          <p:nvPr/>
-        </p:nvSpPr>
-        <p:spPr>
-          <a:xfrm>
-            <a:off x="0" y="312821"/>
-            <a:ext cx="6858000" cy="2960731"/>
-          </a:xfrm>
-          <a:prstGeom prst="rect">
-            <a:avLst/>
-          </a:prstGeom>
-          <a:solidFill>
-            <a:srgbClr val="D4EDF8"/>
-          </a:solidFill>
-          <a:ln>
-            <a:noFill/>
-          </a:ln>
-        </p:spPr>
-        <p:style>
-          <a:lnRef idx="2">
-            <a:schemeClr val="accent1">
-              <a:shade val="15000"/>
-            </a:schemeClr>
-          </a:lnRef>
-          <a:fillRef idx="1">
-            <a:schemeClr val="accent1"/>
-          </a:fillRef>
-          <a:effectRef idx="0">
-            <a:schemeClr val="accent1"/>
-          </a:effectRef>
-          <a:fontRef idx="minor">
-            <a:schemeClr val="lt1"/>
-          </a:fontRef>
-        </p:style>
-        <p:txBody>
-          <a:bodyPr rtlCol="0" anchor="ctr"/>
-          <a:lstStyle/>
-          <a:p>
-            <a:pPr algn="ctr"/>
-            <a:endParaRPr lang="fr-BE"/>
-          </a:p>
-        </p:txBody>
-      </p:sp>
-      <p:sp>
-        <p:nvSpPr>
-          <p:cNvPr id="5" name="Rectangle 4">
-            <a:extLst>
-              <a:ext uri="{FF2B5EF4-FFF2-40B4-BE49-F238E27FC236}">
-                <a16:creationId xmlns:a16="http://schemas.microsoft.com/office/drawing/2014/main" id="{A8612F7F-927A-D26E-CE20-4DFF46D2EE40}"/>
-              </a:ext>
-            </a:extLst>
-          </p:cNvPr>
-          <p:cNvSpPr/>
-          <p:nvPr/>
-        </p:nvSpPr>
-        <p:spPr>
-          <a:xfrm>
-            <a:off x="182887" y="3273552"/>
-            <a:ext cx="3012698" cy="8918448"/>
-          </a:xfrm>
-          <a:prstGeom prst="rect">
-            <a:avLst/>
-          </a:prstGeom>
-          <a:solidFill>
-            <a:srgbClr val="B3DFF3"/>
-          </a:solidFill>
-          <a:ln>
-            <a:noFill/>
-          </a:ln>
-        </p:spPr>
-        <p:style>
-          <a:lnRef idx="2">
-            <a:schemeClr val="accent1">
-              <a:shade val="15000"/>
-            </a:schemeClr>
-          </a:lnRef>
-          <a:fillRef idx="1">
-            <a:schemeClr val="accent1"/>
-          </a:fillRef>
-          <a:effectRef idx="0">
-            <a:schemeClr val="accent1"/>
-          </a:effectRef>
-          <a:fontRef idx="minor">
-            <a:schemeClr val="lt1"/>
-          </a:fontRef>
-        </p:style>
-        <p:txBody>
-          <a:bodyPr rtlCol="0" anchor="ctr"/>
-          <a:lstStyle/>
-          <a:p>
-            <a:pPr algn="ctr"/>
-            <a:endParaRPr lang="fr-BE"/>
-          </a:p>
-        </p:txBody>
-      </p:sp>
-      <p:cxnSp>
-        <p:nvCxnSpPr>
-          <p:cNvPr id="7" name="Straight Arrow Connector 6">
-            <a:extLst>
-              <a:ext uri="{FF2B5EF4-FFF2-40B4-BE49-F238E27FC236}">
-                <a16:creationId xmlns:a16="http://schemas.microsoft.com/office/drawing/2014/main" id="{BEA8B835-4C08-B56D-4FDC-7251230EDE3A}"/>
-              </a:ext>
-            </a:extLst>
-          </p:cNvPr>
-          <p:cNvCxnSpPr>
-            <a:cxnSpLocks/>
-          </p:cNvCxnSpPr>
-          <p:nvPr/>
-        </p:nvCxnSpPr>
-        <p:spPr>
-          <a:xfrm>
-            <a:off x="3429000" y="3657600"/>
-            <a:ext cx="0" cy="5419023"/>
-          </a:xfrm>
-          <a:prstGeom prst="straightConnector1">
-            <a:avLst/>
-          </a:prstGeom>
-          <a:ln w="38100">
-            <a:headEnd type="diamond"/>
-            <a:tailEnd type="none"/>
-          </a:ln>
-        </p:spPr>
-        <p:style>
-          <a:lnRef idx="2">
-            <a:schemeClr val="accent1"/>
-          </a:lnRef>
-          <a:fillRef idx="0">
-            <a:schemeClr val="accent1"/>
-          </a:fillRef>
-          <a:effectRef idx="1">
-            <a:schemeClr val="accent1"/>
-          </a:effectRef>
-          <a:fontRef idx="minor">
-            <a:schemeClr val="tx1"/>
-          </a:fontRef>
-        </p:style>
-      </p:cxnSp>
-      <p:cxnSp>
-        <p:nvCxnSpPr>
-          <p:cNvPr id="8" name="Straight Arrow Connector 7">
-            <a:extLst>
-              <a:ext uri="{FF2B5EF4-FFF2-40B4-BE49-F238E27FC236}">
-                <a16:creationId xmlns:a16="http://schemas.microsoft.com/office/drawing/2014/main" id="{8E6D35AE-F830-642E-8B93-9AA7274CE590}"/>
-              </a:ext>
-            </a:extLst>
-          </p:cNvPr>
-          <p:cNvCxnSpPr>
-            <a:cxnSpLocks/>
-          </p:cNvCxnSpPr>
-          <p:nvPr/>
-        </p:nvCxnSpPr>
-        <p:spPr>
-          <a:xfrm>
-            <a:off x="3425952" y="9688474"/>
-            <a:ext cx="0" cy="2168574"/>
-          </a:xfrm>
-          <a:prstGeom prst="straightConnector1">
-            <a:avLst/>
-          </a:prstGeom>
-          <a:ln w="38100">
-            <a:headEnd type="diamond"/>
-            <a:tailEnd type="none"/>
-          </a:ln>
-        </p:spPr>
-        <p:style>
-          <a:lnRef idx="2">
-            <a:schemeClr val="accent1"/>
-          </a:lnRef>
-          <a:fillRef idx="0">
-            <a:schemeClr val="accent1"/>
-          </a:fillRef>
-          <a:effectRef idx="1">
-            <a:schemeClr val="accent1"/>
-          </a:effectRef>
-          <a:fontRef idx="minor">
-            <a:schemeClr val="tx1"/>
-          </a:fontRef>
-        </p:style>
-      </p:cxnSp>
-      <p:sp>
-        <p:nvSpPr>
-          <p:cNvPr id="10" name="Rectangle 9">
-            <a:extLst>
-              <a:ext uri="{FF2B5EF4-FFF2-40B4-BE49-F238E27FC236}">
-                <a16:creationId xmlns:a16="http://schemas.microsoft.com/office/drawing/2014/main" id="{7DC5C922-808B-BC35-B61C-4AF205B48E4E}"/>
-              </a:ext>
-            </a:extLst>
-          </p:cNvPr>
-          <p:cNvSpPr/>
-          <p:nvPr/>
-        </p:nvSpPr>
-        <p:spPr>
-          <a:xfrm>
-            <a:off x="256032" y="0"/>
-            <a:ext cx="2779776" cy="312821"/>
-          </a:xfrm>
-          <a:prstGeom prst="rect">
-            <a:avLst/>
-          </a:prstGeom>
-          <a:solidFill>
-            <a:schemeClr val="bg1">
-              <a:lumMod val="85000"/>
-            </a:schemeClr>
-          </a:solidFill>
-          <a:ln>
-            <a:noFill/>
-          </a:ln>
-        </p:spPr>
-        <p:style>
-          <a:lnRef idx="2">
-            <a:schemeClr val="accent1">
-              <a:shade val="15000"/>
-            </a:schemeClr>
-          </a:lnRef>
-          <a:fillRef idx="1">
-            <a:schemeClr val="accent1"/>
-          </a:fillRef>
-          <a:effectRef idx="0">
-            <a:schemeClr val="accent1"/>
-          </a:effectRef>
-          <a:fontRef idx="minor">
-            <a:schemeClr val="lt1"/>
-          </a:fontRef>
-        </p:style>
-        <p:txBody>
-          <a:bodyPr rtlCol="0" anchor="ctr"/>
-          <a:lstStyle/>
-          <a:p>
-            <a:pPr algn="ctr"/>
-            <a:endParaRPr lang="fr-BE"/>
-          </a:p>
-        </p:txBody>
-      </p:sp>
-      <p:sp>
-        <p:nvSpPr>
-          <p:cNvPr id="13" name="TextBox 12">
-            <a:extLst>
-              <a:ext uri="{FF2B5EF4-FFF2-40B4-BE49-F238E27FC236}">
-                <a16:creationId xmlns:a16="http://schemas.microsoft.com/office/drawing/2014/main" id="{1DA6ADB6-F3D7-01CA-2D20-9131064873A9}"/>
-              </a:ext>
-            </a:extLst>
-          </p:cNvPr>
-          <p:cNvSpPr txBox="1"/>
-          <p:nvPr/>
-        </p:nvSpPr>
-        <p:spPr>
-          <a:xfrm>
-            <a:off x="3035808" y="593710"/>
-            <a:ext cx="3822192" cy="523220"/>
-          </a:xfrm>
-          <a:prstGeom prst="rect">
-            <a:avLst/>
-          </a:prstGeom>
-          <a:noFill/>
-        </p:spPr>
-        <p:txBody>
-          <a:bodyPr wrap="square" rtlCol="0">
-            <a:spAutoFit/>
-          </a:bodyPr>
-          <a:lstStyle/>
-          <a:p>
-            <a:pPr algn="ctr"/>
-            <a:r>
-              <a:rPr lang="en-US" sz="2800" b="1" noProof="0" dirty="0">
-                <a:solidFill>
-                  <a:schemeClr val="accent1"/>
-                </a:solidFill>
-              </a:rPr>
-              <a:t>Philippe Goffin</a:t>
-            </a:r>
-          </a:p>
-        </p:txBody>
-      </p:sp>
-      <p:sp>
-        <p:nvSpPr>
-          <p:cNvPr id="15" name="TextBox 14">
-            <a:extLst>
-              <a:ext uri="{FF2B5EF4-FFF2-40B4-BE49-F238E27FC236}">
-                <a16:creationId xmlns:a16="http://schemas.microsoft.com/office/drawing/2014/main" id="{4AEACCD9-869E-FE18-34D5-61B7FEA8E62C}"/>
-              </a:ext>
-            </a:extLst>
-          </p:cNvPr>
-          <p:cNvSpPr txBox="1"/>
-          <p:nvPr/>
-        </p:nvSpPr>
-        <p:spPr>
-          <a:xfrm>
-            <a:off x="3282215" y="1230692"/>
-            <a:ext cx="3563591" cy="1815882"/>
-          </a:xfrm>
-          <a:prstGeom prst="rect">
-            <a:avLst/>
-          </a:prstGeom>
-          <a:noFill/>
-        </p:spPr>
-        <p:txBody>
-          <a:bodyPr wrap="square" rtlCol="0">
-            <a:spAutoFit/>
-          </a:bodyPr>
-          <a:lstStyle/>
-          <a:p>
-            <a:r>
-              <a:rPr lang="en-US" sz="1600" i="1" noProof="0" dirty="0">
-                <a:solidFill>
-                  <a:schemeClr val="accent1"/>
-                </a:solidFill>
-              </a:rPr>
-              <a:t>I worked </a:t>
-            </a:r>
-            <a:r>
-              <a:rPr lang="en-US" sz="1600" i="1" dirty="0">
-                <a:solidFill>
-                  <a:schemeClr val="accent1"/>
-                </a:solidFill>
-              </a:rPr>
-              <a:t>mainly</a:t>
-            </a:r>
-            <a:r>
-              <a:rPr lang="en-US" sz="1600" i="1" noProof="0" dirty="0">
-                <a:solidFill>
-                  <a:schemeClr val="accent1"/>
-                </a:solidFill>
-              </a:rPr>
-              <a:t> for the Commission. After more than 30 years at Sopra Steria and having held various positions, I am a kind of Swiss knife: Expert in automation tests, Business Analyst, Project Manager, Quality Officer…</a:t>
-            </a:r>
-          </a:p>
-        </p:txBody>
-      </p:sp>
-      <p:sp>
-        <p:nvSpPr>
-          <p:cNvPr id="16" name="TextBox 15">
-            <a:extLst>
-              <a:ext uri="{FF2B5EF4-FFF2-40B4-BE49-F238E27FC236}">
-                <a16:creationId xmlns:a16="http://schemas.microsoft.com/office/drawing/2014/main" id="{6B77E29F-580B-0970-E3EC-3F145D124841}"/>
-              </a:ext>
-            </a:extLst>
-          </p:cNvPr>
-          <p:cNvSpPr txBox="1"/>
-          <p:nvPr/>
-        </p:nvSpPr>
-        <p:spPr>
-          <a:xfrm>
-            <a:off x="425665" y="3657600"/>
-            <a:ext cx="2204185" cy="369332"/>
-          </a:xfrm>
-          <a:prstGeom prst="rect">
-            <a:avLst/>
-          </a:prstGeom>
-          <a:noFill/>
-        </p:spPr>
-        <p:txBody>
-          <a:bodyPr wrap="square" rtlCol="0">
-            <a:spAutoFit/>
-          </a:bodyPr>
-          <a:lstStyle/>
-          <a:p>
-            <a:r>
-              <a:rPr lang="fr-BE" b="1" dirty="0">
-                <a:solidFill>
-                  <a:schemeClr val="accent1"/>
-                </a:solidFill>
-              </a:rPr>
-              <a:t>CONTACT</a:t>
-            </a:r>
-          </a:p>
-        </p:txBody>
-      </p:sp>
-      <p:sp>
-        <p:nvSpPr>
-          <p:cNvPr id="20" name="TextBox 19">
-            <a:extLst>
-              <a:ext uri="{FF2B5EF4-FFF2-40B4-BE49-F238E27FC236}">
-                <a16:creationId xmlns:a16="http://schemas.microsoft.com/office/drawing/2014/main" id="{352C5639-EE5B-3CA4-084C-DCBFF4CA9DE4}"/>
-              </a:ext>
-            </a:extLst>
-          </p:cNvPr>
-          <p:cNvSpPr txBox="1"/>
-          <p:nvPr/>
-        </p:nvSpPr>
-        <p:spPr>
-          <a:xfrm>
-            <a:off x="182887" y="4145177"/>
-            <a:ext cx="3012697" cy="1569660"/>
-          </a:xfrm>
-          <a:prstGeom prst="rect">
-            <a:avLst/>
-          </a:prstGeom>
-          <a:noFill/>
-        </p:spPr>
-        <p:txBody>
-          <a:bodyPr wrap="square" rtlCol="0">
-            <a:spAutoFit/>
-          </a:bodyPr>
-          <a:lstStyle/>
-          <a:p>
-            <a:r>
-              <a:rPr lang="fr-BE" dirty="0">
-                <a:solidFill>
-                  <a:schemeClr val="accent1"/>
-                </a:solidFill>
-              </a:rPr>
-              <a:t>Philippe GOFFIN</a:t>
-            </a:r>
-          </a:p>
-          <a:p>
-            <a:r>
-              <a:rPr lang="fr-BE" sz="1400" dirty="0">
-                <a:solidFill>
-                  <a:schemeClr val="accent1"/>
-                </a:solidFill>
-              </a:rPr>
-              <a:t>philippe.goffin@soprasteria.com</a:t>
-            </a:r>
-          </a:p>
-          <a:p>
-            <a:r>
-              <a:rPr lang="fr-BE" sz="1400" dirty="0">
-                <a:solidFill>
-                  <a:schemeClr val="accent1"/>
-                </a:solidFill>
-              </a:rPr>
-              <a:t>0495/820.961</a:t>
-            </a:r>
-            <a:br>
-              <a:rPr lang="fr-BE" sz="1400" dirty="0">
-                <a:solidFill>
-                  <a:schemeClr val="accent1"/>
-                </a:solidFill>
-              </a:rPr>
-            </a:br>
-            <a:r>
-              <a:rPr lang="fr-BE" sz="1400" dirty="0">
-                <a:solidFill>
-                  <a:schemeClr val="accent1"/>
-                </a:solidFill>
-              </a:rPr>
-              <a:t>Consultant</a:t>
-            </a:r>
-            <a:endParaRPr lang="fr-BE" sz="1200" dirty="0">
-              <a:solidFill>
-                <a:schemeClr val="accent1"/>
-              </a:solidFill>
-            </a:endParaRPr>
-          </a:p>
-          <a:p>
-            <a:endParaRPr lang="fr-BE" dirty="0">
-              <a:solidFill>
-                <a:schemeClr val="accent1"/>
-              </a:solidFill>
-            </a:endParaRPr>
-          </a:p>
-          <a:p>
-            <a:endParaRPr lang="fr-BE" dirty="0">
-              <a:solidFill>
-                <a:schemeClr val="accent1"/>
-              </a:solidFill>
-            </a:endParaRPr>
-          </a:p>
-        </p:txBody>
-      </p:sp>
-      <p:sp>
-        <p:nvSpPr>
-          <p:cNvPr id="21" name="TextBox 20">
-            <a:extLst>
-              <a:ext uri="{FF2B5EF4-FFF2-40B4-BE49-F238E27FC236}">
-                <a16:creationId xmlns:a16="http://schemas.microsoft.com/office/drawing/2014/main" id="{4F38BCAC-3409-C2B2-41DC-6EBE56A1FC4F}"/>
-              </a:ext>
-            </a:extLst>
-          </p:cNvPr>
-          <p:cNvSpPr txBox="1"/>
-          <p:nvPr/>
-        </p:nvSpPr>
-        <p:spPr>
-          <a:xfrm>
-            <a:off x="3662416" y="3609221"/>
-            <a:ext cx="3195582" cy="923330"/>
-          </a:xfrm>
-          <a:prstGeom prst="rect">
-            <a:avLst/>
-          </a:prstGeom>
-          <a:noFill/>
-        </p:spPr>
-        <p:txBody>
-          <a:bodyPr wrap="square" rtlCol="0">
-            <a:spAutoFit/>
-          </a:bodyPr>
-          <a:lstStyle/>
-          <a:p>
-            <a:r>
-              <a:rPr lang="en-US" b="1" noProof="0" dirty="0">
-                <a:solidFill>
-                  <a:schemeClr val="accent1"/>
-                </a:solidFill>
-              </a:rPr>
-              <a:t>Birthdate</a:t>
-            </a:r>
-            <a:r>
-              <a:rPr lang="en-US" noProof="0" dirty="0">
-                <a:solidFill>
-                  <a:schemeClr val="accent1"/>
-                </a:solidFill>
-              </a:rPr>
-              <a:t>:</a:t>
-            </a:r>
-            <a:endParaRPr lang="en-US" sz="1200" noProof="0" dirty="0">
-              <a:solidFill>
-                <a:schemeClr val="accent1"/>
-              </a:solidFill>
-            </a:endParaRPr>
-          </a:p>
-          <a:p>
-            <a:r>
-              <a:rPr lang="en-US" sz="1600" noProof="0" dirty="0">
-                <a:solidFill>
-                  <a:schemeClr val="accent1"/>
-                </a:solidFill>
-              </a:rPr>
-              <a:t>14/02/1963</a:t>
-            </a:r>
-            <a:endParaRPr lang="en-US" noProof="0" dirty="0">
-              <a:solidFill>
-                <a:schemeClr val="accent1"/>
-              </a:solidFill>
-            </a:endParaRPr>
-          </a:p>
-          <a:p>
-            <a:endParaRPr lang="en-US" noProof="0" dirty="0">
-              <a:solidFill>
-                <a:schemeClr val="accent1"/>
-              </a:solidFill>
-            </a:endParaRPr>
-          </a:p>
-        </p:txBody>
-      </p:sp>
-      <p:sp>
-        <p:nvSpPr>
-          <p:cNvPr id="22" name="TextBox 21">
-            <a:extLst>
-              <a:ext uri="{FF2B5EF4-FFF2-40B4-BE49-F238E27FC236}">
-                <a16:creationId xmlns:a16="http://schemas.microsoft.com/office/drawing/2014/main" id="{5706BAD5-D0D4-47A7-F46C-9239D2659264}"/>
-              </a:ext>
-            </a:extLst>
-          </p:cNvPr>
-          <p:cNvSpPr txBox="1"/>
-          <p:nvPr/>
-        </p:nvSpPr>
-        <p:spPr>
-          <a:xfrm>
-            <a:off x="3650224" y="9587877"/>
-            <a:ext cx="3195582" cy="2154436"/>
-          </a:xfrm>
-          <a:prstGeom prst="rect">
-            <a:avLst/>
-          </a:prstGeom>
-          <a:noFill/>
-        </p:spPr>
-        <p:txBody>
-          <a:bodyPr wrap="square" rtlCol="0">
-            <a:spAutoFit/>
-          </a:bodyPr>
-          <a:lstStyle/>
-          <a:p>
-            <a:r>
-              <a:rPr lang="en-US" b="1" noProof="0" dirty="0">
-                <a:solidFill>
-                  <a:schemeClr val="accent1"/>
-                </a:solidFill>
-              </a:rPr>
-              <a:t>Hobbies</a:t>
-            </a:r>
-            <a:r>
-              <a:rPr lang="en-US" noProof="0" dirty="0">
-                <a:solidFill>
-                  <a:schemeClr val="accent1"/>
-                </a:solidFill>
-              </a:rPr>
-              <a:t>:</a:t>
-            </a:r>
-          </a:p>
-          <a:p>
-            <a:pPr marL="285750" indent="-285750">
-              <a:buFont typeface="Arial" panose="020B0604020202020204" pitchFamily="34" charset="0"/>
-              <a:buChar char="•"/>
-            </a:pPr>
-            <a:r>
-              <a:rPr lang="en-US" sz="1600" dirty="0">
-                <a:solidFill>
-                  <a:schemeClr val="accent1"/>
-                </a:solidFill>
-              </a:rPr>
-              <a:t>Artificial intelligence</a:t>
-            </a:r>
-          </a:p>
-          <a:p>
-            <a:pPr marL="285750" indent="-285750">
-              <a:buFont typeface="Arial" panose="020B0604020202020204" pitchFamily="34" charset="0"/>
-              <a:buChar char="•"/>
-            </a:pPr>
-            <a:r>
-              <a:rPr lang="en-US" sz="1600" noProof="0" dirty="0">
-                <a:solidFill>
-                  <a:schemeClr val="accent1"/>
-                </a:solidFill>
-              </a:rPr>
-              <a:t>Robotics</a:t>
-            </a:r>
-          </a:p>
-          <a:p>
-            <a:pPr marL="285750" indent="-285750">
-              <a:buFont typeface="Arial" panose="020B0604020202020204" pitchFamily="34" charset="0"/>
-              <a:buChar char="•"/>
-            </a:pPr>
-            <a:r>
-              <a:rPr lang="en-US" sz="1600" dirty="0">
-                <a:solidFill>
-                  <a:schemeClr val="accent1"/>
-                </a:solidFill>
-              </a:rPr>
-              <a:t>Film maker: Travel, Technology</a:t>
-            </a:r>
-          </a:p>
-          <a:p>
-            <a:pPr marL="285750" indent="-285750">
-              <a:buFont typeface="Arial" panose="020B0604020202020204" pitchFamily="34" charset="0"/>
-              <a:buChar char="•"/>
-            </a:pPr>
-            <a:r>
-              <a:rPr lang="en-US" sz="1600" noProof="0" dirty="0">
-                <a:solidFill>
-                  <a:schemeClr val="accent1"/>
-                </a:solidFill>
-              </a:rPr>
-              <a:t>Drone pilot: A1 / A3 Open</a:t>
-            </a:r>
-          </a:p>
-          <a:p>
-            <a:pPr marL="285750" indent="-285750">
-              <a:buFont typeface="Arial" panose="020B0604020202020204" pitchFamily="34" charset="0"/>
-              <a:buChar char="•"/>
-            </a:pPr>
-            <a:r>
-              <a:rPr lang="en-US" sz="1600" dirty="0">
-                <a:solidFill>
-                  <a:schemeClr val="accent1"/>
-                </a:solidFill>
-              </a:rPr>
-              <a:t>YouTuber: </a:t>
-            </a:r>
-            <a:r>
-              <a:rPr lang="en-US" sz="1400" dirty="0">
-                <a:solidFill>
-                  <a:schemeClr val="accent1"/>
-                </a:solidFill>
-              </a:rPr>
-              <a:t>www.youtube.com/@PhilRoute</a:t>
-            </a:r>
-            <a:endParaRPr lang="en-US" sz="1400" noProof="0" dirty="0">
-              <a:solidFill>
-                <a:schemeClr val="accent1"/>
-              </a:solidFill>
-            </a:endParaRPr>
-          </a:p>
-          <a:p>
-            <a:endParaRPr lang="en-US" noProof="0" dirty="0">
-              <a:solidFill>
-                <a:schemeClr val="accent1"/>
-              </a:solidFill>
-            </a:endParaRPr>
-          </a:p>
-        </p:txBody>
-      </p:sp>
-      <p:sp>
-        <p:nvSpPr>
-          <p:cNvPr id="25" name="TextBox 24">
-            <a:extLst>
-              <a:ext uri="{FF2B5EF4-FFF2-40B4-BE49-F238E27FC236}">
-                <a16:creationId xmlns:a16="http://schemas.microsoft.com/office/drawing/2014/main" id="{CC8B3699-C67E-ABD7-67E2-3362D72A16A4}"/>
-              </a:ext>
-            </a:extLst>
-          </p:cNvPr>
-          <p:cNvSpPr txBox="1"/>
-          <p:nvPr/>
-        </p:nvSpPr>
-        <p:spPr>
-          <a:xfrm>
-            <a:off x="3656320" y="4481732"/>
-            <a:ext cx="3195582" cy="4801314"/>
-          </a:xfrm>
-          <a:prstGeom prst="rect">
-            <a:avLst/>
-          </a:prstGeom>
-          <a:noFill/>
-        </p:spPr>
-        <p:txBody>
-          <a:bodyPr wrap="square" rtlCol="0">
-            <a:spAutoFit/>
-          </a:bodyPr>
-          <a:lstStyle/>
-          <a:p>
-            <a:r>
-              <a:rPr lang="en-US" b="1" noProof="0" dirty="0">
-                <a:solidFill>
-                  <a:schemeClr val="accent1"/>
-                </a:solidFill>
-              </a:rPr>
-              <a:t>History of the Robot</a:t>
-            </a:r>
-            <a:r>
-              <a:rPr lang="en-US" noProof="0" dirty="0">
-                <a:solidFill>
-                  <a:schemeClr val="accent1"/>
-                </a:solidFill>
-              </a:rPr>
-              <a:t>:</a:t>
-            </a:r>
-            <a:endParaRPr lang="en-US" sz="1200" noProof="0" dirty="0">
-              <a:solidFill>
-                <a:schemeClr val="accent1"/>
-              </a:solidFill>
-            </a:endParaRPr>
-          </a:p>
-          <a:p>
-            <a:pPr marL="285750" indent="-285750">
-              <a:buFont typeface="Arial" panose="020B0604020202020204" pitchFamily="34" charset="0"/>
-              <a:buChar char="•"/>
-            </a:pPr>
-            <a:r>
-              <a:rPr lang="en-US" sz="1600" noProof="0" dirty="0">
-                <a:solidFill>
-                  <a:schemeClr val="accent1"/>
-                </a:solidFill>
-              </a:rPr>
-              <a:t>2019, I created a prototype of the Robot (UI: Excel) for the Secretariat General</a:t>
-            </a:r>
-          </a:p>
-          <a:p>
-            <a:endParaRPr lang="en-US" sz="1600" dirty="0">
-              <a:solidFill>
-                <a:schemeClr val="accent1"/>
-              </a:solidFill>
-            </a:endParaRPr>
-          </a:p>
-          <a:p>
-            <a:pPr marL="285750" indent="-285750">
-              <a:buFont typeface="Arial" panose="020B0604020202020204" pitchFamily="34" charset="0"/>
-              <a:buChar char="•"/>
-            </a:pPr>
-            <a:r>
-              <a:rPr lang="en-US" sz="1600" noProof="0" dirty="0">
-                <a:solidFill>
-                  <a:schemeClr val="accent1"/>
-                </a:solidFill>
-              </a:rPr>
-              <a:t>2020, I moved to the DG INTPA.</a:t>
-            </a:r>
-            <a:br>
-              <a:rPr lang="en-US" sz="1600" noProof="0" dirty="0">
-                <a:solidFill>
-                  <a:schemeClr val="accent1"/>
-                </a:solidFill>
-              </a:rPr>
-            </a:br>
-            <a:r>
-              <a:rPr lang="en-US" sz="1600" noProof="0" dirty="0">
-                <a:solidFill>
-                  <a:schemeClr val="accent1"/>
-                </a:solidFill>
-              </a:rPr>
-              <a:t>We agreed to use the Robot to automate the tests on OPSYS.</a:t>
-            </a:r>
-          </a:p>
-          <a:p>
-            <a:pPr marL="285750" indent="-285750">
-              <a:buFont typeface="Arial" panose="020B0604020202020204" pitchFamily="34" charset="0"/>
-              <a:buChar char="•"/>
-            </a:pPr>
-            <a:endParaRPr lang="en-US" sz="1600" dirty="0">
-              <a:solidFill>
-                <a:schemeClr val="accent1"/>
-              </a:solidFill>
-            </a:endParaRPr>
-          </a:p>
-          <a:p>
-            <a:pPr marL="285750" indent="-285750">
-              <a:buFont typeface="Arial" panose="020B0604020202020204" pitchFamily="34" charset="0"/>
-              <a:buChar char="•"/>
-            </a:pPr>
-            <a:r>
-              <a:rPr lang="en-US" sz="1600" noProof="0" dirty="0">
-                <a:solidFill>
-                  <a:schemeClr val="accent1"/>
-                </a:solidFill>
-              </a:rPr>
-              <a:t>2021, I trained a second person to manage the project CRIS.</a:t>
-            </a:r>
-          </a:p>
-          <a:p>
-            <a:endParaRPr lang="en-US" sz="1600" dirty="0">
-              <a:solidFill>
-                <a:schemeClr val="accent1"/>
-              </a:solidFill>
-            </a:endParaRPr>
-          </a:p>
-          <a:p>
-            <a:pPr marL="285750" indent="-285750">
-              <a:buFont typeface="Arial" panose="020B0604020202020204" pitchFamily="34" charset="0"/>
-              <a:buChar char="•"/>
-            </a:pPr>
-            <a:r>
-              <a:rPr lang="en-US" sz="1600" noProof="0" dirty="0">
-                <a:solidFill>
-                  <a:schemeClr val="accent1"/>
-                </a:solidFill>
-              </a:rPr>
-              <a:t>2024, I created a new version based on a web interface.</a:t>
-            </a:r>
-            <a:br>
-              <a:rPr lang="en-US" sz="1600" noProof="0" dirty="0">
-                <a:solidFill>
-                  <a:schemeClr val="accent1"/>
-                </a:solidFill>
-              </a:rPr>
-            </a:br>
-            <a:r>
-              <a:rPr lang="en-US" sz="1600" noProof="0" dirty="0">
-                <a:solidFill>
-                  <a:schemeClr val="accent1"/>
-                </a:solidFill>
-              </a:rPr>
-              <a:t>The new Robot was tested successfully on the project Prospect.</a:t>
-            </a:r>
-          </a:p>
-          <a:p>
-            <a:endParaRPr lang="en-US" sz="1600" noProof="0" dirty="0">
-              <a:solidFill>
-                <a:schemeClr val="accent1"/>
-              </a:solidFill>
-            </a:endParaRPr>
-          </a:p>
-        </p:txBody>
-      </p:sp>
-      <p:sp>
-        <p:nvSpPr>
-          <p:cNvPr id="28" name="TextBox 27">
-            <a:extLst>
-              <a:ext uri="{FF2B5EF4-FFF2-40B4-BE49-F238E27FC236}">
-                <a16:creationId xmlns:a16="http://schemas.microsoft.com/office/drawing/2014/main" id="{2974438B-8F96-B94A-128A-BD9541F1998A}"/>
-              </a:ext>
-            </a:extLst>
-          </p:cNvPr>
-          <p:cNvSpPr txBox="1"/>
-          <p:nvPr/>
-        </p:nvSpPr>
-        <p:spPr>
-          <a:xfrm>
-            <a:off x="425665" y="5607991"/>
-            <a:ext cx="2204185" cy="369332"/>
-          </a:xfrm>
-          <a:prstGeom prst="rect">
-            <a:avLst/>
-          </a:prstGeom>
-          <a:noFill/>
-        </p:spPr>
-        <p:txBody>
-          <a:bodyPr wrap="square" rtlCol="0">
-            <a:spAutoFit/>
-          </a:bodyPr>
-          <a:lstStyle/>
-          <a:p>
-            <a:r>
-              <a:rPr lang="fr-BE" b="1" dirty="0">
-                <a:solidFill>
-                  <a:schemeClr val="accent1"/>
-                </a:solidFill>
-              </a:rPr>
-              <a:t>SKILLS</a:t>
-            </a:r>
-          </a:p>
-        </p:txBody>
-      </p:sp>
-      <p:sp>
-        <p:nvSpPr>
-          <p:cNvPr id="29" name="TextBox 28">
-            <a:extLst>
-              <a:ext uri="{FF2B5EF4-FFF2-40B4-BE49-F238E27FC236}">
-                <a16:creationId xmlns:a16="http://schemas.microsoft.com/office/drawing/2014/main" id="{E1DB059D-2846-41B9-D2FD-B088013E8C8A}"/>
-              </a:ext>
-            </a:extLst>
-          </p:cNvPr>
-          <p:cNvSpPr txBox="1"/>
-          <p:nvPr/>
-        </p:nvSpPr>
-        <p:spPr>
-          <a:xfrm>
-            <a:off x="157199" y="6122268"/>
-            <a:ext cx="3024883" cy="1569660"/>
-          </a:xfrm>
-          <a:prstGeom prst="rect">
-            <a:avLst/>
-          </a:prstGeom>
-          <a:noFill/>
-        </p:spPr>
-        <p:txBody>
-          <a:bodyPr wrap="square" rtlCol="0">
-            <a:spAutoFit/>
-          </a:bodyPr>
-          <a:lstStyle/>
-          <a:p>
-            <a:pPr marL="285750" indent="-285750">
-              <a:buFont typeface="Arial" panose="020B0604020202020204" pitchFamily="34" charset="0"/>
-              <a:buChar char="•"/>
-            </a:pPr>
-            <a:r>
-              <a:rPr lang="en-US" sz="1600" noProof="0" dirty="0">
-                <a:solidFill>
-                  <a:schemeClr val="accent1"/>
-                </a:solidFill>
-              </a:rPr>
-              <a:t>Automation Tests Expert</a:t>
-            </a:r>
-          </a:p>
-          <a:p>
-            <a:pPr marL="285750" indent="-285750">
-              <a:buFont typeface="Arial" panose="020B0604020202020204" pitchFamily="34" charset="0"/>
-              <a:buChar char="•"/>
-            </a:pPr>
-            <a:r>
-              <a:rPr lang="en-US" sz="1600" dirty="0">
-                <a:solidFill>
-                  <a:schemeClr val="accent1"/>
-                </a:solidFill>
-              </a:rPr>
-              <a:t>Business Analyst</a:t>
-            </a:r>
-          </a:p>
-          <a:p>
-            <a:pPr marL="285750" indent="-285750">
-              <a:buFont typeface="Arial" panose="020B0604020202020204" pitchFamily="34" charset="0"/>
-              <a:buChar char="•"/>
-            </a:pPr>
-            <a:r>
-              <a:rPr lang="en-US" sz="1600" dirty="0">
-                <a:solidFill>
-                  <a:schemeClr val="accent1"/>
-                </a:solidFill>
-              </a:rPr>
-              <a:t>Project Manager</a:t>
-            </a:r>
-          </a:p>
-          <a:p>
-            <a:pPr marL="285750" indent="-285750">
-              <a:buFont typeface="Arial" panose="020B0604020202020204" pitchFamily="34" charset="0"/>
-              <a:buChar char="•"/>
-            </a:pPr>
-            <a:r>
-              <a:rPr lang="en-US" sz="1600" dirty="0">
-                <a:solidFill>
-                  <a:schemeClr val="accent1"/>
-                </a:solidFill>
-              </a:rPr>
-              <a:t>Quality Officer</a:t>
-            </a:r>
-          </a:p>
-          <a:p>
-            <a:pPr marL="285750" indent="-285750">
-              <a:buFont typeface="Arial" panose="020B0604020202020204" pitchFamily="34" charset="0"/>
-              <a:buChar char="•"/>
-            </a:pPr>
-            <a:r>
-              <a:rPr lang="en-US" sz="1600" dirty="0">
-                <a:solidFill>
-                  <a:schemeClr val="accent1"/>
-                </a:solidFill>
-              </a:rPr>
-              <a:t>Trainer on the Robot</a:t>
-            </a:r>
-          </a:p>
-          <a:p>
-            <a:pPr marL="285750" indent="-285750">
-              <a:buFont typeface="Arial" panose="020B0604020202020204" pitchFamily="34" charset="0"/>
-              <a:buChar char="•"/>
-            </a:pPr>
-            <a:endParaRPr lang="en-US" sz="1600" noProof="0" dirty="0">
-              <a:solidFill>
-                <a:schemeClr val="accent1"/>
-              </a:solidFill>
-            </a:endParaRPr>
-          </a:p>
-        </p:txBody>
-      </p:sp>
-      <p:pic>
-        <p:nvPicPr>
-          <p:cNvPr id="3" name="Picture 2">
-            <a:extLst>
-              <a:ext uri="{FF2B5EF4-FFF2-40B4-BE49-F238E27FC236}">
-                <a16:creationId xmlns:a16="http://schemas.microsoft.com/office/drawing/2014/main" id="{25ADE523-A7DB-DAFC-3F4A-F0D196BE17D9}"/>
-              </a:ext>
-            </a:extLst>
-          </p:cNvPr>
-          <p:cNvPicPr>
-            <a:picLocks noChangeAspect="1"/>
-          </p:cNvPicPr>
-          <p:nvPr/>
-        </p:nvPicPr>
-        <p:blipFill>
-          <a:blip r:embed="rId2"/>
-          <a:srcRect l="6234" t="3229"/>
-          <a:stretch/>
-        </p:blipFill>
-        <p:spPr>
-          <a:xfrm>
-            <a:off x="297351" y="472013"/>
-            <a:ext cx="2358189" cy="2359990"/>
-          </a:xfrm>
-          <a:prstGeom prst="ellipse">
-            <a:avLst/>
-          </a:prstGeom>
-        </p:spPr>
-      </p:pic>
-      <p:sp>
-        <p:nvSpPr>
-          <p:cNvPr id="6" name="Oval 5">
-            <a:extLst>
-              <a:ext uri="{FF2B5EF4-FFF2-40B4-BE49-F238E27FC236}">
-                <a16:creationId xmlns:a16="http://schemas.microsoft.com/office/drawing/2014/main" id="{8F93497E-8287-E598-9CC9-8783862B4689}"/>
-              </a:ext>
-            </a:extLst>
-          </p:cNvPr>
-          <p:cNvSpPr/>
-          <p:nvPr/>
-        </p:nvSpPr>
-        <p:spPr>
-          <a:xfrm>
-            <a:off x="297351" y="502746"/>
-            <a:ext cx="2332499" cy="2332499"/>
-          </a:xfrm>
-          <a:prstGeom prst="ellipse">
-            <a:avLst/>
-          </a:prstGeom>
-          <a:noFill/>
-          <a:ln w="38100">
-            <a:solidFill>
-              <a:srgbClr val="C00000"/>
-            </a:solidFill>
-          </a:ln>
-        </p:spPr>
-        <p:style>
-          <a:lnRef idx="2">
-            <a:schemeClr val="accent1">
-              <a:shade val="15000"/>
-            </a:schemeClr>
-          </a:lnRef>
-          <a:fillRef idx="1">
-            <a:schemeClr val="accent1"/>
-          </a:fillRef>
-          <a:effectRef idx="0">
-            <a:schemeClr val="accent1"/>
-          </a:effectRef>
-          <a:fontRef idx="minor">
-            <a:schemeClr val="lt1"/>
-          </a:fontRef>
-        </p:style>
-        <p:txBody>
-          <a:bodyPr rtlCol="0" anchor="ctr"/>
-          <a:lstStyle/>
-          <a:p>
-            <a:pPr algn="ctr"/>
-            <a:endParaRPr lang="fr-BE"/>
-          </a:p>
-        </p:txBody>
-      </p:sp>
-    </p:spTree>
-    <p:extLst>
-      <p:ext uri="{BB962C8B-B14F-4D97-AF65-F5344CB8AC3E}">
-        <p14:creationId xmlns:p14="http://schemas.microsoft.com/office/powerpoint/2010/main" val="2051591999"/>
-      </p:ext>
-    </p:extLst>
-  </p:cSld>
-  <p:clrMapOvr>
-    <a:masterClrMapping/>
-  </p:clrMapOvr>
-</p:sld>
-</file>
-
-<file path=ppt/slides/slide3.xml><?xml version="1.0" encoding="utf-8"?>
 <p:sld xmlns:a="http://schemas.openxmlformats.org/drawingml/2006/main" xmlns:r="http://schemas.openxmlformats.org/officeDocument/2006/relationships" xmlns:p="http://schemas.openxmlformats.org/presentationml/2006/main">
   <p:cSld>
     <p:spTree>
@@ -6060,7 +4759,7 @@
 </p:sld>
 </file>
 
-<file path=ppt/slides/slide4.xml><?xml version="1.0" encoding="utf-8"?>
+<file path=ppt/slides/slide3.xml><?xml version="1.0" encoding="utf-8"?>
 <p:sld xmlns:a="http://schemas.openxmlformats.org/drawingml/2006/main" xmlns:r="http://schemas.openxmlformats.org/officeDocument/2006/relationships" xmlns:p="http://schemas.openxmlformats.org/presentationml/2006/main">
   <p:cSld>
     <p:spTree>
@@ -6516,7 +5215,7 @@
 </p:sld>
 </file>
 
-<file path=ppt/slides/slide5.xml><?xml version="1.0" encoding="utf-8"?>
+<file path=ppt/slides/slide4.xml><?xml version="1.0" encoding="utf-8"?>
 <p:sld xmlns:a="http://schemas.openxmlformats.org/drawingml/2006/main" xmlns:r="http://schemas.openxmlformats.org/officeDocument/2006/relationships" xmlns:p="http://schemas.openxmlformats.org/presentationml/2006/main">
   <p:cSld>
     <p:spTree>
@@ -6972,7 +5671,7 @@
 </p:sld>
 </file>
 
-<file path=ppt/slides/slide6.xml><?xml version="1.0" encoding="utf-8"?>
+<file path=ppt/slides/slide5.xml><?xml version="1.0" encoding="utf-8"?>
 <p:sld xmlns:a="http://schemas.openxmlformats.org/drawingml/2006/main" xmlns:r="http://schemas.openxmlformats.org/officeDocument/2006/relationships" xmlns:p="http://schemas.openxmlformats.org/presentationml/2006/main">
   <p:cSld>
     <p:spTree>
@@ -7764,4 +6463,10 @@
     </a:ext>
   </a:extLst>
 </a:theme>
+</file>
+
+<file path=docMetadata/LabelInfo.xml><?xml version="1.0" encoding="utf-8"?>
+<clbl:labelList xmlns:clbl="http://schemas.microsoft.com/office/2020/mipLabelMetadata">
+  <clbl:label id="{619ffa58-9d1c-42f8-b0e6-79cea428c945}" enabled="1" method="Privileged" siteId="{8b87af7d-8647-4dc7-8df4-5f69a2011bb5}" contentBits="0" removed="0"/>
+</clbl:labelList>
 </file>
--- a/frontend/public/documentation/Flyer.pptx
+++ b/frontend/public/documentation/Flyer.pptx
@@ -6,10 +6,11 @@
   </p:sldMasterIdLst>
   <p:sldIdLst>
     <p:sldId id="256" r:id="rId2"/>
-    <p:sldId id="259" r:id="rId3"/>
-    <p:sldId id="262" r:id="rId4"/>
-    <p:sldId id="263" r:id="rId5"/>
-    <p:sldId id="264" r:id="rId6"/>
+    <p:sldId id="265" r:id="rId3"/>
+    <p:sldId id="259" r:id="rId4"/>
+    <p:sldId id="262" r:id="rId5"/>
+    <p:sldId id="263" r:id="rId6"/>
+    <p:sldId id="264" r:id="rId7"/>
   </p:sldIdLst>
   <p:sldSz cx="6858000" cy="12192000"/>
   <p:notesSz cx="6858000" cy="9144000"/>
@@ -247,7 +248,7 @@
           <a:p>
             <a:fld id="{D4B1C55F-B20C-4CFD-8E60-86901ABAE181}" type="datetimeFigureOut">
               <a:rPr lang="fr-BE" smtClean="0"/>
-              <a:t>26-05-25</a:t>
+              <a:t>02-06-25</a:t>
             </a:fld>
             <a:endParaRPr lang="fr-BE"/>
           </a:p>
@@ -417,7 +418,7 @@
           <a:p>
             <a:fld id="{D4B1C55F-B20C-4CFD-8E60-86901ABAE181}" type="datetimeFigureOut">
               <a:rPr lang="fr-BE" smtClean="0"/>
-              <a:t>26-05-25</a:t>
+              <a:t>02-06-25</a:t>
             </a:fld>
             <a:endParaRPr lang="fr-BE"/>
           </a:p>
@@ -597,7 +598,7 @@
           <a:p>
             <a:fld id="{D4B1C55F-B20C-4CFD-8E60-86901ABAE181}" type="datetimeFigureOut">
               <a:rPr lang="fr-BE" smtClean="0"/>
-              <a:t>26-05-25</a:t>
+              <a:t>02-06-25</a:t>
             </a:fld>
             <a:endParaRPr lang="fr-BE"/>
           </a:p>
@@ -767,7 +768,7 @@
           <a:p>
             <a:fld id="{D4B1C55F-B20C-4CFD-8E60-86901ABAE181}" type="datetimeFigureOut">
               <a:rPr lang="fr-BE" smtClean="0"/>
-              <a:t>26-05-25</a:t>
+              <a:t>02-06-25</a:t>
             </a:fld>
             <a:endParaRPr lang="fr-BE"/>
           </a:p>
@@ -1013,7 +1014,7 @@
           <a:p>
             <a:fld id="{D4B1C55F-B20C-4CFD-8E60-86901ABAE181}" type="datetimeFigureOut">
               <a:rPr lang="fr-BE" smtClean="0"/>
-              <a:t>26-05-25</a:t>
+              <a:t>02-06-25</a:t>
             </a:fld>
             <a:endParaRPr lang="fr-BE"/>
           </a:p>
@@ -1245,7 +1246,7 @@
           <a:p>
             <a:fld id="{D4B1C55F-B20C-4CFD-8E60-86901ABAE181}" type="datetimeFigureOut">
               <a:rPr lang="fr-BE" smtClean="0"/>
-              <a:t>26-05-25</a:t>
+              <a:t>02-06-25</a:t>
             </a:fld>
             <a:endParaRPr lang="fr-BE"/>
           </a:p>
@@ -1612,7 +1613,7 @@
           <a:p>
             <a:fld id="{D4B1C55F-B20C-4CFD-8E60-86901ABAE181}" type="datetimeFigureOut">
               <a:rPr lang="fr-BE" smtClean="0"/>
-              <a:t>26-05-25</a:t>
+              <a:t>02-06-25</a:t>
             </a:fld>
             <a:endParaRPr lang="fr-BE"/>
           </a:p>
@@ -1730,7 +1731,7 @@
           <a:p>
             <a:fld id="{D4B1C55F-B20C-4CFD-8E60-86901ABAE181}" type="datetimeFigureOut">
               <a:rPr lang="fr-BE" smtClean="0"/>
-              <a:t>26-05-25</a:t>
+              <a:t>02-06-25</a:t>
             </a:fld>
             <a:endParaRPr lang="fr-BE"/>
           </a:p>
@@ -1825,7 +1826,7 @@
           <a:p>
             <a:fld id="{D4B1C55F-B20C-4CFD-8E60-86901ABAE181}" type="datetimeFigureOut">
               <a:rPr lang="fr-BE" smtClean="0"/>
-              <a:t>26-05-25</a:t>
+              <a:t>02-06-25</a:t>
             </a:fld>
             <a:endParaRPr lang="fr-BE"/>
           </a:p>
@@ -2102,7 +2103,7 @@
           <a:p>
             <a:fld id="{D4B1C55F-B20C-4CFD-8E60-86901ABAE181}" type="datetimeFigureOut">
               <a:rPr lang="fr-BE" smtClean="0"/>
-              <a:t>26-05-25</a:t>
+              <a:t>02-06-25</a:t>
             </a:fld>
             <a:endParaRPr lang="fr-BE"/>
           </a:p>
@@ -2359,7 +2360,7 @@
           <a:p>
             <a:fld id="{D4B1C55F-B20C-4CFD-8E60-86901ABAE181}" type="datetimeFigureOut">
               <a:rPr lang="fr-BE" smtClean="0"/>
-              <a:t>26-05-25</a:t>
+              <a:t>02-06-25</a:t>
             </a:fld>
             <a:endParaRPr lang="fr-BE"/>
           </a:p>
@@ -2572,7 +2573,7 @@
           <a:p>
             <a:fld id="{D4B1C55F-B20C-4CFD-8E60-86901ABAE181}" type="datetimeFigureOut">
               <a:rPr lang="fr-BE" smtClean="0"/>
-              <a:t>26-05-25</a:t>
+              <a:t>02-06-25</a:t>
             </a:fld>
             <a:endParaRPr lang="fr-BE"/>
           </a:p>
@@ -3043,8 +3044,8 @@
         </p:nvSpPr>
         <p:spPr>
           <a:xfrm>
-            <a:off x="182887" y="3273552"/>
-            <a:ext cx="3012698" cy="8918448"/>
+            <a:off x="182887" y="3439263"/>
+            <a:ext cx="3012698" cy="8439916"/>
           </a:xfrm>
           <a:prstGeom prst="rect">
             <a:avLst/>
@@ -3177,12 +3178,1099 @@
           </a:p>
         </p:txBody>
       </p:sp>
+      <p:sp>
+        <p:nvSpPr>
+          <p:cNvPr id="13" name="TextBox 12">
+            <a:extLst>
+              <a:ext uri="{FF2B5EF4-FFF2-40B4-BE49-F238E27FC236}">
+                <a16:creationId xmlns:a16="http://schemas.microsoft.com/office/drawing/2014/main" id="{631A0AFC-EC4D-7CC8-9B53-78BDEE5A45C6}"/>
+              </a:ext>
+            </a:extLst>
+          </p:cNvPr>
+          <p:cNvSpPr txBox="1"/>
+          <p:nvPr/>
+        </p:nvSpPr>
+        <p:spPr>
+          <a:xfrm>
+            <a:off x="3035808" y="593710"/>
+            <a:ext cx="3822192" cy="954107"/>
+          </a:xfrm>
+          <a:prstGeom prst="rect">
+            <a:avLst/>
+          </a:prstGeom>
+          <a:noFill/>
+        </p:spPr>
+        <p:txBody>
+          <a:bodyPr wrap="square" rtlCol="0">
+            <a:spAutoFit/>
+          </a:bodyPr>
+          <a:lstStyle/>
+          <a:p>
+            <a:pPr algn="ctr"/>
+            <a:r>
+              <a:rPr lang="en-US" sz="2800" b="1" noProof="0" dirty="0">
+                <a:solidFill>
+                  <a:schemeClr val="accent1"/>
+                </a:solidFill>
+              </a:rPr>
+              <a:t>Automated </a:t>
+            </a:r>
+            <a:br>
+              <a:rPr lang="en-US" sz="2800" b="1" noProof="0" dirty="0">
+                <a:solidFill>
+                  <a:schemeClr val="accent1"/>
+                </a:solidFill>
+              </a:rPr>
+            </a:br>
+            <a:r>
+              <a:rPr lang="en-US" sz="2800" b="1" noProof="0" dirty="0">
+                <a:solidFill>
+                  <a:schemeClr val="accent1"/>
+                </a:solidFill>
+              </a:rPr>
+              <a:t>Testing Tool</a:t>
+            </a:r>
+          </a:p>
+        </p:txBody>
+      </p:sp>
+      <p:sp>
+        <p:nvSpPr>
+          <p:cNvPr id="15" name="TextBox 14">
+            <a:extLst>
+              <a:ext uri="{FF2B5EF4-FFF2-40B4-BE49-F238E27FC236}">
+                <a16:creationId xmlns:a16="http://schemas.microsoft.com/office/drawing/2014/main" id="{EFDB131D-B273-2472-D7EB-B3B493C72A52}"/>
+              </a:ext>
+            </a:extLst>
+          </p:cNvPr>
+          <p:cNvSpPr txBox="1"/>
+          <p:nvPr/>
+        </p:nvSpPr>
+        <p:spPr>
+          <a:xfrm>
+            <a:off x="3282215" y="1634750"/>
+            <a:ext cx="3407343" cy="1477328"/>
+          </a:xfrm>
+          <a:prstGeom prst="rect">
+            <a:avLst/>
+          </a:prstGeom>
+          <a:noFill/>
+        </p:spPr>
+        <p:txBody>
+          <a:bodyPr wrap="square" rtlCol="0">
+            <a:spAutoFit/>
+          </a:bodyPr>
+          <a:lstStyle/>
+          <a:p>
+            <a:r>
+              <a:rPr lang="en-US" i="1" noProof="0" dirty="0">
+                <a:solidFill>
+                  <a:schemeClr val="accent1"/>
+                </a:solidFill>
+              </a:rPr>
+              <a:t>A tool designed specifically for the business tests.</a:t>
+            </a:r>
+            <a:br>
+              <a:rPr lang="en-US" i="1" noProof="0" dirty="0">
+                <a:solidFill>
+                  <a:schemeClr val="accent1"/>
+                </a:solidFill>
+              </a:rPr>
+            </a:br>
+            <a:r>
+              <a:rPr lang="en-US" i="1" noProof="0" dirty="0">
+                <a:solidFill>
+                  <a:schemeClr val="accent1"/>
+                </a:solidFill>
+              </a:rPr>
+              <a:t>No technical skill required!</a:t>
+            </a:r>
+          </a:p>
+          <a:p>
+            <a:r>
+              <a:rPr lang="en-US" i="1" dirty="0">
+                <a:solidFill>
+                  <a:schemeClr val="accent1"/>
+                </a:solidFill>
+              </a:rPr>
+              <a:t>Developed to facilitate the stakeholder's acceptance</a:t>
+            </a:r>
+            <a:endParaRPr lang="en-US" i="1" noProof="0" dirty="0">
+              <a:solidFill>
+                <a:schemeClr val="accent1"/>
+              </a:solidFill>
+            </a:endParaRPr>
+          </a:p>
+        </p:txBody>
+      </p:sp>
+      <p:sp>
+        <p:nvSpPr>
+          <p:cNvPr id="16" name="TextBox 15">
+            <a:extLst>
+              <a:ext uri="{FF2B5EF4-FFF2-40B4-BE49-F238E27FC236}">
+                <a16:creationId xmlns:a16="http://schemas.microsoft.com/office/drawing/2014/main" id="{7B12D713-3F3E-3F19-4925-C437900CF8D7}"/>
+              </a:ext>
+            </a:extLst>
+          </p:cNvPr>
+          <p:cNvSpPr txBox="1"/>
+          <p:nvPr/>
+        </p:nvSpPr>
+        <p:spPr>
+          <a:xfrm>
+            <a:off x="451355" y="3657600"/>
+            <a:ext cx="2204185" cy="369332"/>
+          </a:xfrm>
+          <a:prstGeom prst="rect">
+            <a:avLst/>
+          </a:prstGeom>
+          <a:noFill/>
+        </p:spPr>
+        <p:txBody>
+          <a:bodyPr wrap="square" rtlCol="0">
+            <a:spAutoFit/>
+          </a:bodyPr>
+          <a:lstStyle/>
+          <a:p>
+            <a:r>
+              <a:rPr lang="fr-BE" b="1" dirty="0">
+                <a:solidFill>
+                  <a:schemeClr val="accent1"/>
+                </a:solidFill>
+              </a:rPr>
+              <a:t>CONTACTS</a:t>
+            </a:r>
+          </a:p>
+        </p:txBody>
+      </p:sp>
+      <p:sp>
+        <p:nvSpPr>
+          <p:cNvPr id="20" name="TextBox 19">
+            <a:extLst>
+              <a:ext uri="{FF2B5EF4-FFF2-40B4-BE49-F238E27FC236}">
+                <a16:creationId xmlns:a16="http://schemas.microsoft.com/office/drawing/2014/main" id="{04A049DA-0874-753F-D23B-DCAF4039A318}"/>
+              </a:ext>
+            </a:extLst>
+          </p:cNvPr>
+          <p:cNvSpPr txBox="1"/>
+          <p:nvPr/>
+        </p:nvSpPr>
+        <p:spPr>
+          <a:xfrm>
+            <a:off x="269518" y="4225561"/>
+            <a:ext cx="3012697" cy="1600438"/>
+          </a:xfrm>
+          <a:prstGeom prst="rect">
+            <a:avLst/>
+          </a:prstGeom>
+          <a:noFill/>
+        </p:spPr>
+        <p:txBody>
+          <a:bodyPr wrap="square" rtlCol="0">
+            <a:spAutoFit/>
+          </a:bodyPr>
+          <a:lstStyle/>
+          <a:p>
+            <a:r>
+              <a:rPr lang="fr-BE" dirty="0">
+                <a:solidFill>
+                  <a:schemeClr val="accent1"/>
+                </a:solidFill>
+              </a:rPr>
+              <a:t>Philippe GOFFIN</a:t>
+            </a:r>
+          </a:p>
+          <a:p>
+            <a:r>
+              <a:rPr lang="fr-BE" sz="1400" dirty="0">
+                <a:solidFill>
+                  <a:schemeClr val="accent1"/>
+                </a:solidFill>
+              </a:rPr>
+              <a:t>philippe.goffin@soprasteria.com</a:t>
+            </a:r>
+          </a:p>
+          <a:p>
+            <a:r>
+              <a:rPr lang="fr-BE" sz="1400" dirty="0">
+                <a:solidFill>
+                  <a:schemeClr val="accent1"/>
+                </a:solidFill>
+              </a:rPr>
+              <a:t>0495/820.961</a:t>
+            </a:r>
+            <a:br>
+              <a:rPr lang="fr-BE" sz="1400" dirty="0">
+                <a:solidFill>
+                  <a:schemeClr val="accent1"/>
+                </a:solidFill>
+              </a:rPr>
+            </a:br>
+            <a:r>
+              <a:rPr lang="fr-BE" sz="1600" dirty="0">
+                <a:solidFill>
+                  <a:schemeClr val="accent1"/>
+                </a:solidFill>
+              </a:rPr>
+              <a:t>Consultant at Sopra Steria</a:t>
+            </a:r>
+          </a:p>
+          <a:p>
+            <a:endParaRPr lang="fr-BE" dirty="0">
+              <a:solidFill>
+                <a:schemeClr val="accent1"/>
+              </a:solidFill>
+            </a:endParaRPr>
+          </a:p>
+          <a:p>
+            <a:endParaRPr lang="fr-BE" dirty="0">
+              <a:solidFill>
+                <a:schemeClr val="accent1"/>
+              </a:solidFill>
+            </a:endParaRPr>
+          </a:p>
+        </p:txBody>
+      </p:sp>
+      <p:sp>
+        <p:nvSpPr>
+          <p:cNvPr id="21" name="TextBox 20">
+            <a:extLst>
+              <a:ext uri="{FF2B5EF4-FFF2-40B4-BE49-F238E27FC236}">
+                <a16:creationId xmlns:a16="http://schemas.microsoft.com/office/drawing/2014/main" id="{7E9C42F3-45DB-133F-135B-AFA41335FCAD}"/>
+              </a:ext>
+            </a:extLst>
+          </p:cNvPr>
+          <p:cNvSpPr txBox="1"/>
+          <p:nvPr/>
+        </p:nvSpPr>
+        <p:spPr>
+          <a:xfrm>
+            <a:off x="3662416" y="3609221"/>
+            <a:ext cx="3195582" cy="923330"/>
+          </a:xfrm>
+          <a:prstGeom prst="rect">
+            <a:avLst/>
+          </a:prstGeom>
+          <a:noFill/>
+        </p:spPr>
+        <p:txBody>
+          <a:bodyPr wrap="square" rtlCol="0">
+            <a:spAutoFit/>
+          </a:bodyPr>
+          <a:lstStyle/>
+          <a:p>
+            <a:r>
+              <a:rPr lang="en-US" b="1" noProof="0" dirty="0">
+                <a:solidFill>
+                  <a:schemeClr val="accent1"/>
+                </a:solidFill>
+              </a:rPr>
+              <a:t>Launched</a:t>
+            </a:r>
+            <a:r>
+              <a:rPr lang="en-US" noProof="0" dirty="0">
+                <a:solidFill>
+                  <a:schemeClr val="accent1"/>
+                </a:solidFill>
+              </a:rPr>
+              <a:t>:</a:t>
+            </a:r>
+            <a:endParaRPr lang="en-US" sz="1200" noProof="0" dirty="0">
+              <a:solidFill>
+                <a:schemeClr val="accent1"/>
+              </a:solidFill>
+            </a:endParaRPr>
+          </a:p>
+          <a:p>
+            <a:r>
+              <a:rPr lang="en-US" noProof="0" dirty="0">
+                <a:solidFill>
+                  <a:schemeClr val="accent1"/>
+                </a:solidFill>
+              </a:rPr>
+              <a:t>05/2025</a:t>
+            </a:r>
+          </a:p>
+          <a:p>
+            <a:endParaRPr lang="en-US" noProof="0" dirty="0">
+              <a:solidFill>
+                <a:schemeClr val="accent1"/>
+              </a:solidFill>
+            </a:endParaRPr>
+          </a:p>
+        </p:txBody>
+      </p:sp>
+      <p:sp>
+        <p:nvSpPr>
+          <p:cNvPr id="22" name="TextBox 21">
+            <a:extLst>
+              <a:ext uri="{FF2B5EF4-FFF2-40B4-BE49-F238E27FC236}">
+                <a16:creationId xmlns:a16="http://schemas.microsoft.com/office/drawing/2014/main" id="{BFD3A8C1-D005-BE08-49CE-FD3AD5EB2F47}"/>
+              </a:ext>
+            </a:extLst>
+          </p:cNvPr>
+          <p:cNvSpPr txBox="1"/>
+          <p:nvPr/>
+        </p:nvSpPr>
+        <p:spPr>
+          <a:xfrm>
+            <a:off x="3656320" y="8808666"/>
+            <a:ext cx="3195582" cy="1200329"/>
+          </a:xfrm>
+          <a:prstGeom prst="rect">
+            <a:avLst/>
+          </a:prstGeom>
+          <a:noFill/>
+        </p:spPr>
+        <p:txBody>
+          <a:bodyPr wrap="square" rtlCol="0">
+            <a:spAutoFit/>
+          </a:bodyPr>
+          <a:lstStyle/>
+          <a:p>
+            <a:r>
+              <a:rPr lang="en-US" b="1" noProof="0" dirty="0">
+                <a:solidFill>
+                  <a:schemeClr val="accent1"/>
+                </a:solidFill>
+              </a:rPr>
+              <a:t>Rules Engine</a:t>
+            </a:r>
+            <a:r>
+              <a:rPr lang="en-US" noProof="0" dirty="0">
+                <a:solidFill>
+                  <a:schemeClr val="accent1"/>
+                </a:solidFill>
+              </a:rPr>
+              <a:t>:</a:t>
+            </a:r>
+          </a:p>
+          <a:p>
+            <a:pPr marL="285750" indent="-285750">
+              <a:buFont typeface="Arial" panose="020B0604020202020204" pitchFamily="34" charset="0"/>
+              <a:buChar char="•"/>
+            </a:pPr>
+            <a:r>
+              <a:rPr lang="en-US" dirty="0">
+                <a:solidFill>
+                  <a:schemeClr val="accent1"/>
+                </a:solidFill>
+              </a:rPr>
+              <a:t>Make decision</a:t>
+            </a:r>
+          </a:p>
+          <a:p>
+            <a:pPr marL="285750" indent="-285750">
+              <a:buFont typeface="Arial" panose="020B0604020202020204" pitchFamily="34" charset="0"/>
+              <a:buChar char="•"/>
+            </a:pPr>
+            <a:r>
+              <a:rPr lang="en-US" noProof="0" dirty="0">
+                <a:solidFill>
+                  <a:schemeClr val="accent1"/>
+                </a:solidFill>
+              </a:rPr>
+              <a:t>sub scenario</a:t>
+            </a:r>
+          </a:p>
+          <a:p>
+            <a:endParaRPr lang="en-US" noProof="0" dirty="0">
+              <a:solidFill>
+                <a:schemeClr val="accent1"/>
+              </a:solidFill>
+            </a:endParaRPr>
+          </a:p>
+        </p:txBody>
+      </p:sp>
+      <p:sp>
+        <p:nvSpPr>
+          <p:cNvPr id="23" name="TextBox 22">
+            <a:extLst>
+              <a:ext uri="{FF2B5EF4-FFF2-40B4-BE49-F238E27FC236}">
+                <a16:creationId xmlns:a16="http://schemas.microsoft.com/office/drawing/2014/main" id="{0EE67A7B-ABF9-E39D-F4BB-CF669CF150A8}"/>
+              </a:ext>
+            </a:extLst>
+          </p:cNvPr>
+          <p:cNvSpPr txBox="1"/>
+          <p:nvPr/>
+        </p:nvSpPr>
+        <p:spPr>
+          <a:xfrm>
+            <a:off x="3656320" y="10207722"/>
+            <a:ext cx="3195582" cy="1477328"/>
+          </a:xfrm>
+          <a:prstGeom prst="rect">
+            <a:avLst/>
+          </a:prstGeom>
+          <a:noFill/>
+        </p:spPr>
+        <p:txBody>
+          <a:bodyPr wrap="square" rtlCol="0">
+            <a:spAutoFit/>
+          </a:bodyPr>
+          <a:lstStyle/>
+          <a:p>
+            <a:r>
+              <a:rPr lang="en-US" b="1" noProof="0" dirty="0">
+                <a:solidFill>
+                  <a:schemeClr val="accent1"/>
+                </a:solidFill>
+              </a:rPr>
+              <a:t>Artificial Intelligence</a:t>
+            </a:r>
+            <a:r>
+              <a:rPr lang="en-US" noProof="0" dirty="0">
+                <a:solidFill>
+                  <a:schemeClr val="accent1"/>
+                </a:solidFill>
+              </a:rPr>
+              <a:t>:</a:t>
+            </a:r>
+          </a:p>
+          <a:p>
+            <a:pPr marL="285750" indent="-285750">
+              <a:buFont typeface="Arial" panose="020B0604020202020204" pitchFamily="34" charset="0"/>
+              <a:buChar char="•"/>
+            </a:pPr>
+            <a:r>
+              <a:rPr lang="en-US" dirty="0">
+                <a:solidFill>
+                  <a:schemeClr val="accent1"/>
+                </a:solidFill>
+              </a:rPr>
+              <a:t>Detect fields</a:t>
+            </a:r>
+          </a:p>
+          <a:p>
+            <a:pPr marL="285750" indent="-285750">
+              <a:buFont typeface="Arial" panose="020B0604020202020204" pitchFamily="34" charset="0"/>
+              <a:buChar char="•"/>
+            </a:pPr>
+            <a:r>
+              <a:rPr lang="en-US" noProof="0" dirty="0">
+                <a:solidFill>
+                  <a:schemeClr val="accent1"/>
+                </a:solidFill>
+              </a:rPr>
+              <a:t>Training tool</a:t>
+            </a:r>
+          </a:p>
+          <a:p>
+            <a:pPr marL="285750" indent="-285750">
+              <a:buFont typeface="Arial" panose="020B0604020202020204" pitchFamily="34" charset="0"/>
+              <a:buChar char="•"/>
+            </a:pPr>
+            <a:r>
+              <a:rPr lang="en-US" dirty="0">
+                <a:solidFill>
+                  <a:schemeClr val="accent1"/>
+                </a:solidFill>
+              </a:rPr>
+              <a:t>Natural language (proto)</a:t>
+            </a:r>
+            <a:endParaRPr lang="en-US" noProof="0" dirty="0">
+              <a:solidFill>
+                <a:schemeClr val="accent1"/>
+              </a:solidFill>
+            </a:endParaRPr>
+          </a:p>
+          <a:p>
+            <a:endParaRPr lang="en-US" noProof="0" dirty="0">
+              <a:solidFill>
+                <a:schemeClr val="accent1"/>
+              </a:solidFill>
+            </a:endParaRPr>
+          </a:p>
+        </p:txBody>
+      </p:sp>
+      <p:sp>
+        <p:nvSpPr>
+          <p:cNvPr id="28" name="TextBox 27">
+            <a:extLst>
+              <a:ext uri="{FF2B5EF4-FFF2-40B4-BE49-F238E27FC236}">
+                <a16:creationId xmlns:a16="http://schemas.microsoft.com/office/drawing/2014/main" id="{68BC168D-281C-A2F9-E357-285BEF9477DB}"/>
+              </a:ext>
+            </a:extLst>
+          </p:cNvPr>
+          <p:cNvSpPr txBox="1"/>
+          <p:nvPr/>
+        </p:nvSpPr>
+        <p:spPr>
+          <a:xfrm>
+            <a:off x="451352" y="5714479"/>
+            <a:ext cx="2204185" cy="369332"/>
+          </a:xfrm>
+          <a:prstGeom prst="rect">
+            <a:avLst/>
+          </a:prstGeom>
+          <a:noFill/>
+        </p:spPr>
+        <p:txBody>
+          <a:bodyPr wrap="square" rtlCol="0">
+            <a:spAutoFit/>
+          </a:bodyPr>
+          <a:lstStyle/>
+          <a:p>
+            <a:r>
+              <a:rPr lang="fr-BE" b="1" dirty="0">
+                <a:solidFill>
+                  <a:schemeClr val="accent1"/>
+                </a:solidFill>
+              </a:rPr>
+              <a:t>FEATURES</a:t>
+            </a:r>
+          </a:p>
+        </p:txBody>
+      </p:sp>
+      <p:sp>
+        <p:nvSpPr>
+          <p:cNvPr id="29" name="TextBox 28">
+            <a:extLst>
+              <a:ext uri="{FF2B5EF4-FFF2-40B4-BE49-F238E27FC236}">
+                <a16:creationId xmlns:a16="http://schemas.microsoft.com/office/drawing/2014/main" id="{FBC154E1-41AA-E68A-D4AC-F1A0E92563B2}"/>
+              </a:ext>
+            </a:extLst>
+          </p:cNvPr>
+          <p:cNvSpPr txBox="1"/>
+          <p:nvPr/>
+        </p:nvSpPr>
+        <p:spPr>
+          <a:xfrm>
+            <a:off x="182887" y="6228756"/>
+            <a:ext cx="3024883" cy="2308324"/>
+          </a:xfrm>
+          <a:prstGeom prst="rect">
+            <a:avLst/>
+          </a:prstGeom>
+          <a:noFill/>
+        </p:spPr>
+        <p:txBody>
+          <a:bodyPr wrap="square" rtlCol="0">
+            <a:spAutoFit/>
+          </a:bodyPr>
+          <a:lstStyle/>
+          <a:p>
+            <a:pPr marL="285750" indent="-285750">
+              <a:buFont typeface="Arial" panose="020B0604020202020204" pitchFamily="34" charset="0"/>
+              <a:buChar char="•"/>
+            </a:pPr>
+            <a:r>
+              <a:rPr lang="en-US" sz="1600" noProof="0" dirty="0">
+                <a:solidFill>
+                  <a:schemeClr val="accent1"/>
+                </a:solidFill>
+              </a:rPr>
+              <a:t>No technical skill required</a:t>
+            </a:r>
+          </a:p>
+          <a:p>
+            <a:pPr marL="285750" indent="-285750">
+              <a:buFont typeface="Arial" panose="020B0604020202020204" pitchFamily="34" charset="0"/>
+              <a:buChar char="•"/>
+            </a:pPr>
+            <a:r>
+              <a:rPr lang="en-US" sz="1600" dirty="0">
+                <a:solidFill>
+                  <a:schemeClr val="accent1"/>
+                </a:solidFill>
+              </a:rPr>
+              <a:t>Very powerful</a:t>
+            </a:r>
+          </a:p>
+          <a:p>
+            <a:pPr marL="285750" indent="-285750">
+              <a:buFont typeface="Arial" panose="020B0604020202020204" pitchFamily="34" charset="0"/>
+              <a:buChar char="•"/>
+            </a:pPr>
+            <a:r>
+              <a:rPr lang="en-US" sz="1600" dirty="0">
+                <a:solidFill>
+                  <a:schemeClr val="accent1"/>
+                </a:solidFill>
+              </a:rPr>
+              <a:t>Data driven method</a:t>
+            </a:r>
+          </a:p>
+          <a:p>
+            <a:pPr marL="285750" indent="-285750">
+              <a:buFont typeface="Arial" panose="020B0604020202020204" pitchFamily="34" charset="0"/>
+              <a:buChar char="•"/>
+            </a:pPr>
+            <a:r>
+              <a:rPr lang="en-US" sz="1600" dirty="0">
+                <a:solidFill>
+                  <a:schemeClr val="accent1"/>
+                </a:solidFill>
+              </a:rPr>
+              <a:t>Roles: Tester, Designer, Admin</a:t>
+            </a:r>
+          </a:p>
+          <a:p>
+            <a:pPr marL="285750" indent="-285750">
+              <a:buFont typeface="Arial" panose="020B0604020202020204" pitchFamily="34" charset="0"/>
+              <a:buChar char="•"/>
+            </a:pPr>
+            <a:r>
+              <a:rPr lang="en-US" sz="1600" dirty="0">
+                <a:solidFill>
+                  <a:schemeClr val="accent1"/>
+                </a:solidFill>
+              </a:rPr>
+              <a:t>Ready for ECAS login</a:t>
+            </a:r>
+          </a:p>
+          <a:p>
+            <a:pPr marL="285750" indent="-285750">
+              <a:buFont typeface="Arial" panose="020B0604020202020204" pitchFamily="34" charset="0"/>
+              <a:buChar char="•"/>
+            </a:pPr>
+            <a:r>
+              <a:rPr lang="en-US" sz="1600" dirty="0">
+                <a:solidFill>
+                  <a:schemeClr val="accent1"/>
+                </a:solidFill>
+              </a:rPr>
+              <a:t>Export in Excel/.</a:t>
+            </a:r>
+            <a:r>
+              <a:rPr lang="en-US" sz="1600" dirty="0" err="1">
+                <a:solidFill>
+                  <a:schemeClr val="accent1"/>
+                </a:solidFill>
+              </a:rPr>
+              <a:t>json</a:t>
+            </a:r>
+            <a:endParaRPr lang="en-US" sz="1600" dirty="0">
+              <a:solidFill>
+                <a:schemeClr val="accent1"/>
+              </a:solidFill>
+            </a:endParaRPr>
+          </a:p>
+          <a:p>
+            <a:pPr marL="285750" indent="-285750">
+              <a:buFont typeface="Arial" panose="020B0604020202020204" pitchFamily="34" charset="0"/>
+              <a:buChar char="•"/>
+            </a:pPr>
+            <a:r>
+              <a:rPr lang="en-US" sz="1600" dirty="0">
+                <a:solidFill>
+                  <a:schemeClr val="accent1"/>
+                </a:solidFill>
+              </a:rPr>
+              <a:t>Batch/</a:t>
+            </a:r>
+            <a:r>
+              <a:rPr lang="en-US" sz="1600" dirty="0" err="1">
+                <a:solidFill>
+                  <a:schemeClr val="accent1"/>
+                </a:solidFill>
+              </a:rPr>
+              <a:t>cron</a:t>
+            </a:r>
+            <a:r>
+              <a:rPr lang="en-US" sz="1600" dirty="0">
+                <a:solidFill>
+                  <a:schemeClr val="accent1"/>
+                </a:solidFill>
+              </a:rPr>
+              <a:t> mode</a:t>
+            </a:r>
+          </a:p>
+          <a:p>
+            <a:pPr marL="285750" indent="-285750">
+              <a:buFont typeface="Arial" panose="020B0604020202020204" pitchFamily="34" charset="0"/>
+              <a:buChar char="•"/>
+            </a:pPr>
+            <a:endParaRPr lang="en-US" sz="1600" noProof="0" dirty="0">
+              <a:solidFill>
+                <a:schemeClr val="accent1"/>
+              </a:solidFill>
+            </a:endParaRPr>
+          </a:p>
+        </p:txBody>
+      </p:sp>
+      <p:sp>
+        <p:nvSpPr>
+          <p:cNvPr id="31" name="TextBox 30">
+            <a:extLst>
+              <a:ext uri="{FF2B5EF4-FFF2-40B4-BE49-F238E27FC236}">
+                <a16:creationId xmlns:a16="http://schemas.microsoft.com/office/drawing/2014/main" id="{EACFCE79-4979-6BD6-4461-F132798533D4}"/>
+              </a:ext>
+            </a:extLst>
+          </p:cNvPr>
+          <p:cNvSpPr txBox="1"/>
+          <p:nvPr/>
+        </p:nvSpPr>
+        <p:spPr>
+          <a:xfrm>
+            <a:off x="451352" y="8803656"/>
+            <a:ext cx="2204185" cy="369332"/>
+          </a:xfrm>
+          <a:prstGeom prst="rect">
+            <a:avLst/>
+          </a:prstGeom>
+          <a:noFill/>
+        </p:spPr>
+        <p:txBody>
+          <a:bodyPr wrap="square" rtlCol="0">
+            <a:spAutoFit/>
+          </a:bodyPr>
+          <a:lstStyle/>
+          <a:p>
+            <a:r>
+              <a:rPr lang="fr-BE" b="1" dirty="0">
+                <a:solidFill>
+                  <a:schemeClr val="accent1"/>
+                </a:solidFill>
+              </a:rPr>
+              <a:t>TECHNICAL</a:t>
+            </a:r>
+          </a:p>
+        </p:txBody>
+      </p:sp>
+      <p:sp>
+        <p:nvSpPr>
+          <p:cNvPr id="32" name="TextBox 31">
+            <a:extLst>
+              <a:ext uri="{FF2B5EF4-FFF2-40B4-BE49-F238E27FC236}">
+                <a16:creationId xmlns:a16="http://schemas.microsoft.com/office/drawing/2014/main" id="{9CABE1ED-BC79-2834-8AB5-7FEFF158267A}"/>
+              </a:ext>
+            </a:extLst>
+          </p:cNvPr>
+          <p:cNvSpPr txBox="1"/>
+          <p:nvPr/>
+        </p:nvSpPr>
+        <p:spPr>
+          <a:xfrm>
+            <a:off x="257329" y="9259619"/>
+            <a:ext cx="3024883" cy="1569660"/>
+          </a:xfrm>
+          <a:prstGeom prst="rect">
+            <a:avLst/>
+          </a:prstGeom>
+          <a:noFill/>
+        </p:spPr>
+        <p:txBody>
+          <a:bodyPr wrap="square" rtlCol="0">
+            <a:spAutoFit/>
+          </a:bodyPr>
+          <a:lstStyle/>
+          <a:p>
+            <a:pPr marL="285750" indent="-285750">
+              <a:buFont typeface="Arial" panose="020B0604020202020204" pitchFamily="34" charset="0"/>
+              <a:buChar char="•"/>
+            </a:pPr>
+            <a:r>
+              <a:rPr lang="en-US" sz="1600" noProof="0" dirty="0">
+                <a:solidFill>
+                  <a:schemeClr val="accent1"/>
+                </a:solidFill>
+              </a:rPr>
+              <a:t>Playwright</a:t>
+            </a:r>
+          </a:p>
+          <a:p>
+            <a:pPr marL="285750" indent="-285750">
+              <a:buFont typeface="Arial" panose="020B0604020202020204" pitchFamily="34" charset="0"/>
+              <a:buChar char="•"/>
+            </a:pPr>
+            <a:r>
+              <a:rPr lang="en-US" sz="1600" dirty="0">
+                <a:solidFill>
+                  <a:schemeClr val="accent1"/>
+                </a:solidFill>
+              </a:rPr>
+              <a:t>JavaScript/Node.js</a:t>
+            </a:r>
+          </a:p>
+          <a:p>
+            <a:pPr marL="285750" indent="-285750">
+              <a:buFont typeface="Arial" panose="020B0604020202020204" pitchFamily="34" charset="0"/>
+              <a:buChar char="•"/>
+            </a:pPr>
+            <a:r>
+              <a:rPr lang="en-US" sz="1600" dirty="0">
+                <a:solidFill>
+                  <a:schemeClr val="accent1"/>
+                </a:solidFill>
+              </a:rPr>
+              <a:t>Vue 3 (user interface)</a:t>
+            </a:r>
+          </a:p>
+          <a:p>
+            <a:pPr marL="285750" indent="-285750">
+              <a:buFont typeface="Arial" panose="020B0604020202020204" pitchFamily="34" charset="0"/>
+              <a:buChar char="•"/>
+            </a:pPr>
+            <a:r>
+              <a:rPr lang="en-US" sz="1600" dirty="0">
+                <a:solidFill>
+                  <a:schemeClr val="accent1"/>
+                </a:solidFill>
+              </a:rPr>
+              <a:t>REST API Server</a:t>
+            </a:r>
+          </a:p>
+          <a:p>
+            <a:pPr marL="285750" indent="-285750">
+              <a:buFont typeface="Arial" panose="020B0604020202020204" pitchFamily="34" charset="0"/>
+              <a:buChar char="•"/>
+            </a:pPr>
+            <a:r>
+              <a:rPr lang="en-US" sz="1600" dirty="0">
+                <a:solidFill>
+                  <a:schemeClr val="accent1"/>
+                </a:solidFill>
+              </a:rPr>
+              <a:t>Database: MySQL</a:t>
+            </a:r>
+          </a:p>
+          <a:p>
+            <a:pPr marL="285750" indent="-285750">
+              <a:buFont typeface="Arial" panose="020B0604020202020204" pitchFamily="34" charset="0"/>
+              <a:buChar char="•"/>
+            </a:pPr>
+            <a:endParaRPr lang="en-US" sz="1600" noProof="0" dirty="0">
+              <a:solidFill>
+                <a:schemeClr val="accent1"/>
+              </a:solidFill>
+            </a:endParaRPr>
+          </a:p>
+        </p:txBody>
+      </p:sp>
+      <p:sp>
+        <p:nvSpPr>
+          <p:cNvPr id="2" name="TextBox 1">
+            <a:extLst>
+              <a:ext uri="{FF2B5EF4-FFF2-40B4-BE49-F238E27FC236}">
+                <a16:creationId xmlns:a16="http://schemas.microsoft.com/office/drawing/2014/main" id="{8D031125-16D9-E544-DF0A-DD32DC6F4C5C}"/>
+              </a:ext>
+            </a:extLst>
+          </p:cNvPr>
+          <p:cNvSpPr txBox="1"/>
+          <p:nvPr/>
+        </p:nvSpPr>
+        <p:spPr>
+          <a:xfrm>
+            <a:off x="3656320" y="4367432"/>
+            <a:ext cx="3195582" cy="2585323"/>
+          </a:xfrm>
+          <a:prstGeom prst="rect">
+            <a:avLst/>
+          </a:prstGeom>
+          <a:noFill/>
+        </p:spPr>
+        <p:txBody>
+          <a:bodyPr wrap="square" rtlCol="0">
+            <a:spAutoFit/>
+          </a:bodyPr>
+          <a:lstStyle/>
+          <a:p>
+            <a:r>
+              <a:rPr lang="en-US" b="1" noProof="0" dirty="0">
+                <a:solidFill>
+                  <a:schemeClr val="accent1"/>
+                </a:solidFill>
+              </a:rPr>
+              <a:t>History of the Robot</a:t>
+            </a:r>
+            <a:r>
+              <a:rPr lang="en-US" noProof="0" dirty="0">
+                <a:solidFill>
+                  <a:schemeClr val="accent1"/>
+                </a:solidFill>
+              </a:rPr>
+              <a:t>:</a:t>
+            </a:r>
+            <a:endParaRPr lang="en-US" sz="1200" noProof="0" dirty="0">
+              <a:solidFill>
+                <a:schemeClr val="accent1"/>
+              </a:solidFill>
+            </a:endParaRPr>
+          </a:p>
+          <a:p>
+            <a:pPr marL="285750" indent="-285750">
+              <a:buFont typeface="Arial" panose="020B0604020202020204" pitchFamily="34" charset="0"/>
+              <a:buChar char="•"/>
+            </a:pPr>
+            <a:r>
+              <a:rPr lang="en-US" sz="1600" noProof="0" dirty="0">
+                <a:solidFill>
+                  <a:schemeClr val="accent1"/>
+                </a:solidFill>
+              </a:rPr>
+              <a:t>2019-2024, Robot is used at DG INTPA to test a very complex financial application.</a:t>
+            </a:r>
+          </a:p>
+          <a:p>
+            <a:endParaRPr lang="en-US" sz="1600" dirty="0">
+              <a:solidFill>
+                <a:schemeClr val="accent1"/>
+              </a:solidFill>
+            </a:endParaRPr>
+          </a:p>
+          <a:p>
+            <a:pPr marL="285750" indent="-285750">
+              <a:buFont typeface="Arial" panose="020B0604020202020204" pitchFamily="34" charset="0"/>
+              <a:buChar char="•"/>
+            </a:pPr>
+            <a:r>
+              <a:rPr lang="en-US" sz="1600" noProof="0" dirty="0">
+                <a:solidFill>
+                  <a:schemeClr val="accent1"/>
+                </a:solidFill>
+              </a:rPr>
+              <a:t>2024, a version based on</a:t>
+            </a:r>
+            <a:br>
+              <a:rPr lang="en-US" sz="1600" noProof="0" dirty="0">
+                <a:solidFill>
+                  <a:schemeClr val="accent1"/>
+                </a:solidFill>
+              </a:rPr>
+            </a:br>
+            <a:r>
+              <a:rPr lang="en-US" sz="1600" noProof="0" dirty="0">
+                <a:solidFill>
+                  <a:schemeClr val="accent1"/>
+                </a:solidFill>
+              </a:rPr>
+              <a:t> a web interface is created.</a:t>
+            </a:r>
+            <a:br>
+              <a:rPr lang="en-US" sz="1600" noProof="0" dirty="0">
+                <a:solidFill>
+                  <a:schemeClr val="accent1"/>
+                </a:solidFill>
+              </a:rPr>
+            </a:br>
+            <a:endParaRPr lang="en-US" sz="1600" noProof="0" dirty="0">
+              <a:solidFill>
+                <a:schemeClr val="accent1"/>
+              </a:solidFill>
+            </a:endParaRPr>
+          </a:p>
+          <a:p>
+            <a:pPr marL="285750" indent="-285750">
+              <a:buFont typeface="Arial" panose="020B0604020202020204" pitchFamily="34" charset="0"/>
+              <a:buChar char="•"/>
+            </a:pPr>
+            <a:r>
+              <a:rPr lang="en-US" sz="1600" dirty="0">
+                <a:solidFill>
+                  <a:schemeClr val="accent1"/>
+                </a:solidFill>
+              </a:rPr>
+              <a:t>2025, a migration of the backend to Playwright</a:t>
+            </a:r>
+            <a:endParaRPr lang="en-US" sz="1600" noProof="0" dirty="0">
+              <a:solidFill>
+                <a:schemeClr val="accent1"/>
+              </a:solidFill>
+            </a:endParaRPr>
+          </a:p>
+        </p:txBody>
+      </p:sp>
+      <p:sp>
+        <p:nvSpPr>
+          <p:cNvPr id="3" name="TextBox 2">
+            <a:extLst>
+              <a:ext uri="{FF2B5EF4-FFF2-40B4-BE49-F238E27FC236}">
+                <a16:creationId xmlns:a16="http://schemas.microsoft.com/office/drawing/2014/main" id="{2104261F-0A30-E9DF-4B61-62955C0252AE}"/>
+              </a:ext>
+            </a:extLst>
+          </p:cNvPr>
+          <p:cNvSpPr txBox="1"/>
+          <p:nvPr/>
+        </p:nvSpPr>
+        <p:spPr>
+          <a:xfrm>
+            <a:off x="3662418" y="7132611"/>
+            <a:ext cx="3195582" cy="1477328"/>
+          </a:xfrm>
+          <a:prstGeom prst="rect">
+            <a:avLst/>
+          </a:prstGeom>
+          <a:noFill/>
+        </p:spPr>
+        <p:txBody>
+          <a:bodyPr wrap="square" rtlCol="0">
+            <a:spAutoFit/>
+          </a:bodyPr>
+          <a:lstStyle/>
+          <a:p>
+            <a:r>
+              <a:rPr lang="en-US" b="1" noProof="0" dirty="0">
+                <a:solidFill>
+                  <a:schemeClr val="accent1"/>
+                </a:solidFill>
+              </a:rPr>
+              <a:t>Performance</a:t>
+            </a:r>
+            <a:r>
+              <a:rPr lang="en-US" noProof="0" dirty="0">
+                <a:solidFill>
+                  <a:schemeClr val="accent1"/>
+                </a:solidFill>
+              </a:rPr>
+              <a:t>:</a:t>
+            </a:r>
+          </a:p>
+          <a:p>
+            <a:pPr marL="285750" indent="-285750">
+              <a:buFont typeface="Arial" panose="020B0604020202020204" pitchFamily="34" charset="0"/>
+              <a:buChar char="•"/>
+            </a:pPr>
+            <a:r>
+              <a:rPr lang="en-US" dirty="0">
+                <a:solidFill>
+                  <a:schemeClr val="accent1"/>
+                </a:solidFill>
+              </a:rPr>
+              <a:t>Quick tests execution</a:t>
+            </a:r>
+          </a:p>
+          <a:p>
+            <a:pPr marL="285750" indent="-285750">
+              <a:buFont typeface="Arial" panose="020B0604020202020204" pitchFamily="34" charset="0"/>
+              <a:buChar char="•"/>
+            </a:pPr>
+            <a:r>
+              <a:rPr lang="en-US" dirty="0">
+                <a:solidFill>
+                  <a:schemeClr val="accent1"/>
+                </a:solidFill>
+              </a:rPr>
+              <a:t>Multi browsers</a:t>
+            </a:r>
+          </a:p>
+          <a:p>
+            <a:pPr marL="285750" indent="-285750">
+              <a:buFont typeface="Arial" panose="020B0604020202020204" pitchFamily="34" charset="0"/>
+              <a:buChar char="•"/>
+            </a:pPr>
+            <a:r>
+              <a:rPr lang="en-US" noProof="0" dirty="0">
+                <a:solidFill>
+                  <a:schemeClr val="accent1"/>
+                </a:solidFill>
+              </a:rPr>
+              <a:t>Ready for mobile</a:t>
+            </a:r>
+          </a:p>
+          <a:p>
+            <a:endParaRPr lang="en-US" noProof="0" dirty="0">
+              <a:solidFill>
+                <a:schemeClr val="accent1"/>
+              </a:solidFill>
+            </a:endParaRPr>
+          </a:p>
+        </p:txBody>
+      </p:sp>
       <p:pic>
         <p:nvPicPr>
-          <p:cNvPr id="12" name="Picture 11" descr="A white robot with black eyes and hands&#10;&#10;Description automatically generated">
+          <p:cNvPr id="6" name="Picture 5">
             <a:extLst>
               <a:ext uri="{FF2B5EF4-FFF2-40B4-BE49-F238E27FC236}">
-                <a16:creationId xmlns:a16="http://schemas.microsoft.com/office/drawing/2014/main" id="{4277516A-F9F0-3DB5-216F-8790EAC3269D}"/>
+                <a16:creationId xmlns:a16="http://schemas.microsoft.com/office/drawing/2014/main" id="{2CE7404A-48C5-124E-5DD2-D947AEDC0A0A}"/>
               </a:ext>
             </a:extLst>
           </p:cNvPr>
@@ -3192,1104 +4280,21 @@
           <p:nvPr/>
         </p:nvPicPr>
         <p:blipFill>
-          <a:blip r:embed="rId2">
-            <a:extLst>
-              <a:ext uri="{28A0092B-C50C-407E-A947-70E740481C1C}">
-                <a14:useLocalDpi xmlns:a14="http://schemas.microsoft.com/office/drawing/2010/main" val="0"/>
-              </a:ext>
-            </a:extLst>
-          </a:blip>
+          <a:blip r:embed="rId2"/>
           <a:stretch>
             <a:fillRect/>
           </a:stretch>
         </p:blipFill>
         <p:spPr>
           <a:xfrm>
-            <a:off x="451356" y="593710"/>
-            <a:ext cx="2389127" cy="2391252"/>
+            <a:off x="123068" y="429792"/>
+            <a:ext cx="2860751" cy="2585323"/>
           </a:xfrm>
           <a:prstGeom prst="rect">
             <a:avLst/>
           </a:prstGeom>
         </p:spPr>
       </p:pic>
-      <p:sp>
-        <p:nvSpPr>
-          <p:cNvPr id="13" name="TextBox 12">
-            <a:extLst>
-              <a:ext uri="{FF2B5EF4-FFF2-40B4-BE49-F238E27FC236}">
-                <a16:creationId xmlns:a16="http://schemas.microsoft.com/office/drawing/2014/main" id="{631A0AFC-EC4D-7CC8-9B53-78BDEE5A45C6}"/>
-              </a:ext>
-            </a:extLst>
-          </p:cNvPr>
-          <p:cNvSpPr txBox="1"/>
-          <p:nvPr/>
-        </p:nvSpPr>
-        <p:spPr>
-          <a:xfrm>
-            <a:off x="3035808" y="593710"/>
-            <a:ext cx="3822192" cy="523220"/>
-          </a:xfrm>
-          <a:prstGeom prst="rect">
-            <a:avLst/>
-          </a:prstGeom>
-          <a:noFill/>
-        </p:spPr>
-        <p:txBody>
-          <a:bodyPr wrap="square" rtlCol="0">
-            <a:spAutoFit/>
-          </a:bodyPr>
-          <a:lstStyle/>
-          <a:p>
-            <a:pPr algn="ctr"/>
-            <a:r>
-              <a:rPr lang="en-US" sz="2800" b="1" noProof="0" dirty="0">
-                <a:solidFill>
-                  <a:schemeClr val="accent1"/>
-                </a:solidFill>
-              </a:rPr>
-              <a:t>Automated Tests Tool</a:t>
-            </a:r>
-          </a:p>
-        </p:txBody>
-      </p:sp>
-      <p:sp>
-        <p:nvSpPr>
-          <p:cNvPr id="15" name="TextBox 14">
-            <a:extLst>
-              <a:ext uri="{FF2B5EF4-FFF2-40B4-BE49-F238E27FC236}">
-                <a16:creationId xmlns:a16="http://schemas.microsoft.com/office/drawing/2014/main" id="{EFDB131D-B273-2472-D7EB-B3B493C72A52}"/>
-              </a:ext>
-            </a:extLst>
-          </p:cNvPr>
-          <p:cNvSpPr txBox="1"/>
-          <p:nvPr/>
-        </p:nvSpPr>
-        <p:spPr>
-          <a:xfrm>
-            <a:off x="3282215" y="1357162"/>
-            <a:ext cx="3407343" cy="1477328"/>
-          </a:xfrm>
-          <a:prstGeom prst="rect">
-            <a:avLst/>
-          </a:prstGeom>
-          <a:noFill/>
-        </p:spPr>
-        <p:txBody>
-          <a:bodyPr wrap="square" rtlCol="0">
-            <a:spAutoFit/>
-          </a:bodyPr>
-          <a:lstStyle/>
-          <a:p>
-            <a:r>
-              <a:rPr lang="en-US" i="1" noProof="0" dirty="0">
-                <a:solidFill>
-                  <a:schemeClr val="accent1"/>
-                </a:solidFill>
-              </a:rPr>
-              <a:t>A tool designed specifically for the business tests.</a:t>
-            </a:r>
-            <a:br>
-              <a:rPr lang="en-US" i="1" noProof="0" dirty="0">
-                <a:solidFill>
-                  <a:schemeClr val="accent1"/>
-                </a:solidFill>
-              </a:rPr>
-            </a:br>
-            <a:r>
-              <a:rPr lang="en-US" i="1" noProof="0" dirty="0">
-                <a:solidFill>
-                  <a:schemeClr val="accent1"/>
-                </a:solidFill>
-              </a:rPr>
-              <a:t>No technical skill required!</a:t>
-            </a:r>
-          </a:p>
-          <a:p>
-            <a:r>
-              <a:rPr lang="en-US" i="1" dirty="0">
-                <a:solidFill>
-                  <a:schemeClr val="accent1"/>
-                </a:solidFill>
-              </a:rPr>
-              <a:t>Developed to facilitate the user acceptance</a:t>
-            </a:r>
-            <a:endParaRPr lang="en-US" i="1" noProof="0" dirty="0">
-              <a:solidFill>
-                <a:schemeClr val="accent1"/>
-              </a:solidFill>
-            </a:endParaRPr>
-          </a:p>
-        </p:txBody>
-      </p:sp>
-      <p:sp>
-        <p:nvSpPr>
-          <p:cNvPr id="16" name="TextBox 15">
-            <a:extLst>
-              <a:ext uri="{FF2B5EF4-FFF2-40B4-BE49-F238E27FC236}">
-                <a16:creationId xmlns:a16="http://schemas.microsoft.com/office/drawing/2014/main" id="{7B12D713-3F3E-3F19-4925-C437900CF8D7}"/>
-              </a:ext>
-            </a:extLst>
-          </p:cNvPr>
-          <p:cNvSpPr txBox="1"/>
-          <p:nvPr/>
-        </p:nvSpPr>
-        <p:spPr>
-          <a:xfrm>
-            <a:off x="451355" y="3657600"/>
-            <a:ext cx="2204185" cy="369332"/>
-          </a:xfrm>
-          <a:prstGeom prst="rect">
-            <a:avLst/>
-          </a:prstGeom>
-          <a:noFill/>
-        </p:spPr>
-        <p:txBody>
-          <a:bodyPr wrap="square" rtlCol="0">
-            <a:spAutoFit/>
-          </a:bodyPr>
-          <a:lstStyle/>
-          <a:p>
-            <a:r>
-              <a:rPr lang="fr-BE" b="1" dirty="0">
-                <a:solidFill>
-                  <a:schemeClr val="accent1"/>
-                </a:solidFill>
-              </a:rPr>
-              <a:t>CONTACTS</a:t>
-            </a:r>
-          </a:p>
-        </p:txBody>
-      </p:sp>
-      <p:sp>
-        <p:nvSpPr>
-          <p:cNvPr id="20" name="TextBox 19">
-            <a:extLst>
-              <a:ext uri="{FF2B5EF4-FFF2-40B4-BE49-F238E27FC236}">
-                <a16:creationId xmlns:a16="http://schemas.microsoft.com/office/drawing/2014/main" id="{04A049DA-0874-753F-D23B-DCAF4039A318}"/>
-              </a:ext>
-            </a:extLst>
-          </p:cNvPr>
-          <p:cNvSpPr txBox="1"/>
-          <p:nvPr/>
-        </p:nvSpPr>
-        <p:spPr>
-          <a:xfrm>
-            <a:off x="269518" y="4225561"/>
-            <a:ext cx="3012697" cy="1569660"/>
-          </a:xfrm>
-          <a:prstGeom prst="rect">
-            <a:avLst/>
-          </a:prstGeom>
-          <a:noFill/>
-        </p:spPr>
-        <p:txBody>
-          <a:bodyPr wrap="square" rtlCol="0">
-            <a:spAutoFit/>
-          </a:bodyPr>
-          <a:lstStyle/>
-          <a:p>
-            <a:r>
-              <a:rPr lang="fr-BE" dirty="0">
-                <a:solidFill>
-                  <a:schemeClr val="accent1"/>
-                </a:solidFill>
-              </a:rPr>
-              <a:t>Philippe GOFFIN</a:t>
-            </a:r>
-          </a:p>
-          <a:p>
-            <a:r>
-              <a:rPr lang="fr-BE" sz="1400" dirty="0">
-                <a:solidFill>
-                  <a:schemeClr val="accent1"/>
-                </a:solidFill>
-              </a:rPr>
-              <a:t>philippe.goffin@soprasteria.com</a:t>
-            </a:r>
-          </a:p>
-          <a:p>
-            <a:r>
-              <a:rPr lang="fr-BE" sz="1400" dirty="0">
-                <a:solidFill>
-                  <a:schemeClr val="accent1"/>
-                </a:solidFill>
-              </a:rPr>
-              <a:t>0495/820.961</a:t>
-            </a:r>
-            <a:br>
-              <a:rPr lang="fr-BE" sz="1400" dirty="0">
-                <a:solidFill>
-                  <a:schemeClr val="accent1"/>
-                </a:solidFill>
-              </a:rPr>
-            </a:br>
-            <a:r>
-              <a:rPr lang="fr-BE" sz="1400" dirty="0">
-                <a:solidFill>
-                  <a:schemeClr val="accent1"/>
-                </a:solidFill>
-              </a:rPr>
-              <a:t>Consultant</a:t>
-            </a:r>
-            <a:endParaRPr lang="fr-BE" sz="1200" dirty="0">
-              <a:solidFill>
-                <a:schemeClr val="accent1"/>
-              </a:solidFill>
-            </a:endParaRPr>
-          </a:p>
-          <a:p>
-            <a:endParaRPr lang="fr-BE" dirty="0">
-              <a:solidFill>
-                <a:schemeClr val="accent1"/>
-              </a:solidFill>
-            </a:endParaRPr>
-          </a:p>
-          <a:p>
-            <a:endParaRPr lang="fr-BE" dirty="0">
-              <a:solidFill>
-                <a:schemeClr val="accent1"/>
-              </a:solidFill>
-            </a:endParaRPr>
-          </a:p>
-        </p:txBody>
-      </p:sp>
-      <p:sp>
-        <p:nvSpPr>
-          <p:cNvPr id="21" name="TextBox 20">
-            <a:extLst>
-              <a:ext uri="{FF2B5EF4-FFF2-40B4-BE49-F238E27FC236}">
-                <a16:creationId xmlns:a16="http://schemas.microsoft.com/office/drawing/2014/main" id="{7E9C42F3-45DB-133F-135B-AFA41335FCAD}"/>
-              </a:ext>
-            </a:extLst>
-          </p:cNvPr>
-          <p:cNvSpPr txBox="1"/>
-          <p:nvPr/>
-        </p:nvSpPr>
-        <p:spPr>
-          <a:xfrm>
-            <a:off x="3662416" y="3609221"/>
-            <a:ext cx="3195582" cy="923330"/>
-          </a:xfrm>
-          <a:prstGeom prst="rect">
-            <a:avLst/>
-          </a:prstGeom>
-          <a:noFill/>
-        </p:spPr>
-        <p:txBody>
-          <a:bodyPr wrap="square" rtlCol="0">
-            <a:spAutoFit/>
-          </a:bodyPr>
-          <a:lstStyle/>
-          <a:p>
-            <a:r>
-              <a:rPr lang="en-US" b="1" noProof="0" dirty="0">
-                <a:solidFill>
-                  <a:schemeClr val="accent1"/>
-                </a:solidFill>
-              </a:rPr>
-              <a:t>Launched</a:t>
-            </a:r>
-            <a:r>
-              <a:rPr lang="en-US" noProof="0" dirty="0">
-                <a:solidFill>
-                  <a:schemeClr val="accent1"/>
-                </a:solidFill>
-              </a:rPr>
-              <a:t>:</a:t>
-            </a:r>
-            <a:endParaRPr lang="en-US" sz="1200" noProof="0" dirty="0">
-              <a:solidFill>
-                <a:schemeClr val="accent1"/>
-              </a:solidFill>
-            </a:endParaRPr>
-          </a:p>
-          <a:p>
-            <a:r>
-              <a:rPr lang="en-US" noProof="0" dirty="0">
-                <a:solidFill>
-                  <a:schemeClr val="accent1"/>
-                </a:solidFill>
-              </a:rPr>
-              <a:t>05/2025</a:t>
-            </a:r>
-          </a:p>
-          <a:p>
-            <a:endParaRPr lang="en-US" noProof="0" dirty="0">
-              <a:solidFill>
-                <a:schemeClr val="accent1"/>
-              </a:solidFill>
-            </a:endParaRPr>
-          </a:p>
-        </p:txBody>
-      </p:sp>
-      <p:sp>
-        <p:nvSpPr>
-          <p:cNvPr id="22" name="TextBox 21">
-            <a:extLst>
-              <a:ext uri="{FF2B5EF4-FFF2-40B4-BE49-F238E27FC236}">
-                <a16:creationId xmlns:a16="http://schemas.microsoft.com/office/drawing/2014/main" id="{BFD3A8C1-D005-BE08-49CE-FD3AD5EB2F47}"/>
-              </a:ext>
-            </a:extLst>
-          </p:cNvPr>
-          <p:cNvSpPr txBox="1"/>
-          <p:nvPr/>
-        </p:nvSpPr>
-        <p:spPr>
-          <a:xfrm>
-            <a:off x="3656320" y="8808666"/>
-            <a:ext cx="3195582" cy="1200329"/>
-          </a:xfrm>
-          <a:prstGeom prst="rect">
-            <a:avLst/>
-          </a:prstGeom>
-          <a:noFill/>
-        </p:spPr>
-        <p:txBody>
-          <a:bodyPr wrap="square" rtlCol="0">
-            <a:spAutoFit/>
-          </a:bodyPr>
-          <a:lstStyle/>
-          <a:p>
-            <a:r>
-              <a:rPr lang="en-US" b="1" noProof="0" dirty="0">
-                <a:solidFill>
-                  <a:schemeClr val="accent1"/>
-                </a:solidFill>
-              </a:rPr>
-              <a:t>Rules Engine</a:t>
-            </a:r>
-            <a:r>
-              <a:rPr lang="en-US" noProof="0" dirty="0">
-                <a:solidFill>
-                  <a:schemeClr val="accent1"/>
-                </a:solidFill>
-              </a:rPr>
-              <a:t>:</a:t>
-            </a:r>
-          </a:p>
-          <a:p>
-            <a:pPr marL="285750" indent="-285750">
-              <a:buFont typeface="Arial" panose="020B0604020202020204" pitchFamily="34" charset="0"/>
-              <a:buChar char="•"/>
-            </a:pPr>
-            <a:r>
-              <a:rPr lang="en-US" dirty="0">
-                <a:solidFill>
-                  <a:schemeClr val="accent1"/>
-                </a:solidFill>
-              </a:rPr>
-              <a:t>Make decision</a:t>
-            </a:r>
-          </a:p>
-          <a:p>
-            <a:pPr marL="285750" indent="-285750">
-              <a:buFont typeface="Arial" panose="020B0604020202020204" pitchFamily="34" charset="0"/>
-              <a:buChar char="•"/>
-            </a:pPr>
-            <a:r>
-              <a:rPr lang="en-US" noProof="0" dirty="0">
-                <a:solidFill>
-                  <a:schemeClr val="accent1"/>
-                </a:solidFill>
-              </a:rPr>
-              <a:t>sub scenario</a:t>
-            </a:r>
-          </a:p>
-          <a:p>
-            <a:endParaRPr lang="en-US" noProof="0" dirty="0">
-              <a:solidFill>
-                <a:schemeClr val="accent1"/>
-              </a:solidFill>
-            </a:endParaRPr>
-          </a:p>
-        </p:txBody>
-      </p:sp>
-      <p:sp>
-        <p:nvSpPr>
-          <p:cNvPr id="23" name="TextBox 22">
-            <a:extLst>
-              <a:ext uri="{FF2B5EF4-FFF2-40B4-BE49-F238E27FC236}">
-                <a16:creationId xmlns:a16="http://schemas.microsoft.com/office/drawing/2014/main" id="{0EE67A7B-ABF9-E39D-F4BB-CF669CF150A8}"/>
-              </a:ext>
-            </a:extLst>
-          </p:cNvPr>
-          <p:cNvSpPr txBox="1"/>
-          <p:nvPr/>
-        </p:nvSpPr>
-        <p:spPr>
-          <a:xfrm>
-            <a:off x="3656320" y="10207722"/>
-            <a:ext cx="3195582" cy="1477328"/>
-          </a:xfrm>
-          <a:prstGeom prst="rect">
-            <a:avLst/>
-          </a:prstGeom>
-          <a:noFill/>
-        </p:spPr>
-        <p:txBody>
-          <a:bodyPr wrap="square" rtlCol="0">
-            <a:spAutoFit/>
-          </a:bodyPr>
-          <a:lstStyle/>
-          <a:p>
-            <a:r>
-              <a:rPr lang="en-US" b="1" noProof="0" dirty="0">
-                <a:solidFill>
-                  <a:schemeClr val="accent1"/>
-                </a:solidFill>
-              </a:rPr>
-              <a:t>Artificial Intelligence</a:t>
-            </a:r>
-            <a:r>
-              <a:rPr lang="en-US" noProof="0" dirty="0">
-                <a:solidFill>
-                  <a:schemeClr val="accent1"/>
-                </a:solidFill>
-              </a:rPr>
-              <a:t>:</a:t>
-            </a:r>
-          </a:p>
-          <a:p>
-            <a:pPr marL="285750" indent="-285750">
-              <a:buFont typeface="Arial" panose="020B0604020202020204" pitchFamily="34" charset="0"/>
-              <a:buChar char="•"/>
-            </a:pPr>
-            <a:r>
-              <a:rPr lang="en-US" dirty="0">
-                <a:solidFill>
-                  <a:schemeClr val="accent1"/>
-                </a:solidFill>
-              </a:rPr>
-              <a:t>Detect fields</a:t>
-            </a:r>
-          </a:p>
-          <a:p>
-            <a:pPr marL="285750" indent="-285750">
-              <a:buFont typeface="Arial" panose="020B0604020202020204" pitchFamily="34" charset="0"/>
-              <a:buChar char="•"/>
-            </a:pPr>
-            <a:r>
-              <a:rPr lang="en-US" noProof="0" dirty="0">
-                <a:solidFill>
-                  <a:schemeClr val="accent1"/>
-                </a:solidFill>
-              </a:rPr>
-              <a:t>Training tool</a:t>
-            </a:r>
-          </a:p>
-          <a:p>
-            <a:pPr marL="285750" indent="-285750">
-              <a:buFont typeface="Arial" panose="020B0604020202020204" pitchFamily="34" charset="0"/>
-              <a:buChar char="•"/>
-            </a:pPr>
-            <a:r>
-              <a:rPr lang="en-US" dirty="0">
-                <a:solidFill>
-                  <a:schemeClr val="accent1"/>
-                </a:solidFill>
-              </a:rPr>
-              <a:t>Natural language (proto)</a:t>
-            </a:r>
-            <a:endParaRPr lang="en-US" noProof="0" dirty="0">
-              <a:solidFill>
-                <a:schemeClr val="accent1"/>
-              </a:solidFill>
-            </a:endParaRPr>
-          </a:p>
-          <a:p>
-            <a:endParaRPr lang="en-US" noProof="0" dirty="0">
-              <a:solidFill>
-                <a:schemeClr val="accent1"/>
-              </a:solidFill>
-            </a:endParaRPr>
-          </a:p>
-        </p:txBody>
-      </p:sp>
-      <p:sp>
-        <p:nvSpPr>
-          <p:cNvPr id="28" name="TextBox 27">
-            <a:extLst>
-              <a:ext uri="{FF2B5EF4-FFF2-40B4-BE49-F238E27FC236}">
-                <a16:creationId xmlns:a16="http://schemas.microsoft.com/office/drawing/2014/main" id="{68BC168D-281C-A2F9-E357-285BEF9477DB}"/>
-              </a:ext>
-            </a:extLst>
-          </p:cNvPr>
-          <p:cNvSpPr txBox="1"/>
-          <p:nvPr/>
-        </p:nvSpPr>
-        <p:spPr>
-          <a:xfrm>
-            <a:off x="451352" y="5714479"/>
-            <a:ext cx="2204185" cy="369332"/>
-          </a:xfrm>
-          <a:prstGeom prst="rect">
-            <a:avLst/>
-          </a:prstGeom>
-          <a:noFill/>
-        </p:spPr>
-        <p:txBody>
-          <a:bodyPr wrap="square" rtlCol="0">
-            <a:spAutoFit/>
-          </a:bodyPr>
-          <a:lstStyle/>
-          <a:p>
-            <a:r>
-              <a:rPr lang="fr-BE" b="1" dirty="0">
-                <a:solidFill>
-                  <a:schemeClr val="accent1"/>
-                </a:solidFill>
-              </a:rPr>
-              <a:t>FEATURES</a:t>
-            </a:r>
-          </a:p>
-        </p:txBody>
-      </p:sp>
-      <p:sp>
-        <p:nvSpPr>
-          <p:cNvPr id="29" name="TextBox 28">
-            <a:extLst>
-              <a:ext uri="{FF2B5EF4-FFF2-40B4-BE49-F238E27FC236}">
-                <a16:creationId xmlns:a16="http://schemas.microsoft.com/office/drawing/2014/main" id="{FBC154E1-41AA-E68A-D4AC-F1A0E92563B2}"/>
-              </a:ext>
-            </a:extLst>
-          </p:cNvPr>
-          <p:cNvSpPr txBox="1"/>
-          <p:nvPr/>
-        </p:nvSpPr>
-        <p:spPr>
-          <a:xfrm>
-            <a:off x="182887" y="6228756"/>
-            <a:ext cx="3024883" cy="2308324"/>
-          </a:xfrm>
-          <a:prstGeom prst="rect">
-            <a:avLst/>
-          </a:prstGeom>
-          <a:noFill/>
-        </p:spPr>
-        <p:txBody>
-          <a:bodyPr wrap="square" rtlCol="0">
-            <a:spAutoFit/>
-          </a:bodyPr>
-          <a:lstStyle/>
-          <a:p>
-            <a:pPr marL="285750" indent="-285750">
-              <a:buFont typeface="Arial" panose="020B0604020202020204" pitchFamily="34" charset="0"/>
-              <a:buChar char="•"/>
-            </a:pPr>
-            <a:r>
-              <a:rPr lang="en-US" sz="1600" noProof="0" dirty="0">
-                <a:solidFill>
-                  <a:schemeClr val="accent1"/>
-                </a:solidFill>
-              </a:rPr>
-              <a:t>No technical skill required</a:t>
-            </a:r>
-          </a:p>
-          <a:p>
-            <a:pPr marL="285750" indent="-285750">
-              <a:buFont typeface="Arial" panose="020B0604020202020204" pitchFamily="34" charset="0"/>
-              <a:buChar char="•"/>
-            </a:pPr>
-            <a:r>
-              <a:rPr lang="en-US" sz="1600" dirty="0">
-                <a:solidFill>
-                  <a:schemeClr val="accent1"/>
-                </a:solidFill>
-              </a:rPr>
-              <a:t>Very powerful</a:t>
-            </a:r>
-          </a:p>
-          <a:p>
-            <a:pPr marL="285750" indent="-285750">
-              <a:buFont typeface="Arial" panose="020B0604020202020204" pitchFamily="34" charset="0"/>
-              <a:buChar char="•"/>
-            </a:pPr>
-            <a:r>
-              <a:rPr lang="en-US" sz="1600" dirty="0">
-                <a:solidFill>
-                  <a:schemeClr val="accent1"/>
-                </a:solidFill>
-              </a:rPr>
-              <a:t>Data driven method</a:t>
-            </a:r>
-          </a:p>
-          <a:p>
-            <a:pPr marL="285750" indent="-285750">
-              <a:buFont typeface="Arial" panose="020B0604020202020204" pitchFamily="34" charset="0"/>
-              <a:buChar char="•"/>
-            </a:pPr>
-            <a:r>
-              <a:rPr lang="en-US" sz="1600" dirty="0">
-                <a:solidFill>
-                  <a:schemeClr val="accent1"/>
-                </a:solidFill>
-              </a:rPr>
-              <a:t>Roles: Tester, Designer, Admin</a:t>
-            </a:r>
-          </a:p>
-          <a:p>
-            <a:pPr marL="285750" indent="-285750">
-              <a:buFont typeface="Arial" panose="020B0604020202020204" pitchFamily="34" charset="0"/>
-              <a:buChar char="•"/>
-            </a:pPr>
-            <a:r>
-              <a:rPr lang="en-US" sz="1600" dirty="0">
-                <a:solidFill>
-                  <a:schemeClr val="accent1"/>
-                </a:solidFill>
-              </a:rPr>
-              <a:t>Ready for ECAS login</a:t>
-            </a:r>
-          </a:p>
-          <a:p>
-            <a:pPr marL="285750" indent="-285750">
-              <a:buFont typeface="Arial" panose="020B0604020202020204" pitchFamily="34" charset="0"/>
-              <a:buChar char="•"/>
-            </a:pPr>
-            <a:r>
-              <a:rPr lang="en-US" sz="1600" dirty="0">
-                <a:solidFill>
-                  <a:schemeClr val="accent1"/>
-                </a:solidFill>
-              </a:rPr>
-              <a:t>Export in Excel/.</a:t>
-            </a:r>
-            <a:r>
-              <a:rPr lang="en-US" sz="1600" dirty="0" err="1">
-                <a:solidFill>
-                  <a:schemeClr val="accent1"/>
-                </a:solidFill>
-              </a:rPr>
-              <a:t>json</a:t>
-            </a:r>
-            <a:endParaRPr lang="en-US" sz="1600" dirty="0">
-              <a:solidFill>
-                <a:schemeClr val="accent1"/>
-              </a:solidFill>
-            </a:endParaRPr>
-          </a:p>
-          <a:p>
-            <a:pPr marL="285750" indent="-285750">
-              <a:buFont typeface="Arial" panose="020B0604020202020204" pitchFamily="34" charset="0"/>
-              <a:buChar char="•"/>
-            </a:pPr>
-            <a:r>
-              <a:rPr lang="en-US" sz="1600" dirty="0">
-                <a:solidFill>
-                  <a:schemeClr val="accent1"/>
-                </a:solidFill>
-              </a:rPr>
-              <a:t>Batch/</a:t>
-            </a:r>
-            <a:r>
-              <a:rPr lang="en-US" sz="1600" dirty="0" err="1">
-                <a:solidFill>
-                  <a:schemeClr val="accent1"/>
-                </a:solidFill>
-              </a:rPr>
-              <a:t>cron</a:t>
-            </a:r>
-            <a:r>
-              <a:rPr lang="en-US" sz="1600" dirty="0">
-                <a:solidFill>
-                  <a:schemeClr val="accent1"/>
-                </a:solidFill>
-              </a:rPr>
-              <a:t> mode</a:t>
-            </a:r>
-          </a:p>
-          <a:p>
-            <a:pPr marL="285750" indent="-285750">
-              <a:buFont typeface="Arial" panose="020B0604020202020204" pitchFamily="34" charset="0"/>
-              <a:buChar char="•"/>
-            </a:pPr>
-            <a:endParaRPr lang="en-US" sz="1600" noProof="0" dirty="0">
-              <a:solidFill>
-                <a:schemeClr val="accent1"/>
-              </a:solidFill>
-            </a:endParaRPr>
-          </a:p>
-        </p:txBody>
-      </p:sp>
-      <p:sp>
-        <p:nvSpPr>
-          <p:cNvPr id="31" name="TextBox 30">
-            <a:extLst>
-              <a:ext uri="{FF2B5EF4-FFF2-40B4-BE49-F238E27FC236}">
-                <a16:creationId xmlns:a16="http://schemas.microsoft.com/office/drawing/2014/main" id="{EACFCE79-4979-6BD6-4461-F132798533D4}"/>
-              </a:ext>
-            </a:extLst>
-          </p:cNvPr>
-          <p:cNvSpPr txBox="1"/>
-          <p:nvPr/>
-        </p:nvSpPr>
-        <p:spPr>
-          <a:xfrm>
-            <a:off x="451352" y="8803656"/>
-            <a:ext cx="2204185" cy="369332"/>
-          </a:xfrm>
-          <a:prstGeom prst="rect">
-            <a:avLst/>
-          </a:prstGeom>
-          <a:noFill/>
-        </p:spPr>
-        <p:txBody>
-          <a:bodyPr wrap="square" rtlCol="0">
-            <a:spAutoFit/>
-          </a:bodyPr>
-          <a:lstStyle/>
-          <a:p>
-            <a:r>
-              <a:rPr lang="fr-BE" b="1" dirty="0">
-                <a:solidFill>
-                  <a:schemeClr val="accent1"/>
-                </a:solidFill>
-              </a:rPr>
-              <a:t>TECHNICAL</a:t>
-            </a:r>
-          </a:p>
-        </p:txBody>
-      </p:sp>
-      <p:sp>
-        <p:nvSpPr>
-          <p:cNvPr id="32" name="TextBox 31">
-            <a:extLst>
-              <a:ext uri="{FF2B5EF4-FFF2-40B4-BE49-F238E27FC236}">
-                <a16:creationId xmlns:a16="http://schemas.microsoft.com/office/drawing/2014/main" id="{9CABE1ED-BC79-2834-8AB5-7FEFF158267A}"/>
-              </a:ext>
-            </a:extLst>
-          </p:cNvPr>
-          <p:cNvSpPr txBox="1"/>
-          <p:nvPr/>
-        </p:nvSpPr>
-        <p:spPr>
-          <a:xfrm>
-            <a:off x="257329" y="9259619"/>
-            <a:ext cx="3024883" cy="1569660"/>
-          </a:xfrm>
-          <a:prstGeom prst="rect">
-            <a:avLst/>
-          </a:prstGeom>
-          <a:noFill/>
-        </p:spPr>
-        <p:txBody>
-          <a:bodyPr wrap="square" rtlCol="0">
-            <a:spAutoFit/>
-          </a:bodyPr>
-          <a:lstStyle/>
-          <a:p>
-            <a:pPr marL="285750" indent="-285750">
-              <a:buFont typeface="Arial" panose="020B0604020202020204" pitchFamily="34" charset="0"/>
-              <a:buChar char="•"/>
-            </a:pPr>
-            <a:r>
-              <a:rPr lang="en-US" sz="1600" noProof="0" dirty="0">
-                <a:solidFill>
-                  <a:schemeClr val="accent1"/>
-                </a:solidFill>
-              </a:rPr>
-              <a:t>Playwright</a:t>
-            </a:r>
-          </a:p>
-          <a:p>
-            <a:pPr marL="285750" indent="-285750">
-              <a:buFont typeface="Arial" panose="020B0604020202020204" pitchFamily="34" charset="0"/>
-              <a:buChar char="•"/>
-            </a:pPr>
-            <a:r>
-              <a:rPr lang="en-US" sz="1600" dirty="0">
-                <a:solidFill>
-                  <a:schemeClr val="accent1"/>
-                </a:solidFill>
-              </a:rPr>
-              <a:t>JavaScript/Node.js</a:t>
-            </a:r>
-          </a:p>
-          <a:p>
-            <a:pPr marL="285750" indent="-285750">
-              <a:buFont typeface="Arial" panose="020B0604020202020204" pitchFamily="34" charset="0"/>
-              <a:buChar char="•"/>
-            </a:pPr>
-            <a:r>
-              <a:rPr lang="en-US" sz="1600" dirty="0">
-                <a:solidFill>
-                  <a:schemeClr val="accent1"/>
-                </a:solidFill>
-              </a:rPr>
-              <a:t>Vue 3 (user interface)</a:t>
-            </a:r>
-          </a:p>
-          <a:p>
-            <a:pPr marL="285750" indent="-285750">
-              <a:buFont typeface="Arial" panose="020B0604020202020204" pitchFamily="34" charset="0"/>
-              <a:buChar char="•"/>
-            </a:pPr>
-            <a:r>
-              <a:rPr lang="en-US" sz="1600" dirty="0">
-                <a:solidFill>
-                  <a:schemeClr val="accent1"/>
-                </a:solidFill>
-              </a:rPr>
-              <a:t>API Server</a:t>
-            </a:r>
-          </a:p>
-          <a:p>
-            <a:pPr marL="285750" indent="-285750">
-              <a:buFont typeface="Arial" panose="020B0604020202020204" pitchFamily="34" charset="0"/>
-              <a:buChar char="•"/>
-            </a:pPr>
-            <a:r>
-              <a:rPr lang="en-US" sz="1600" dirty="0">
-                <a:solidFill>
-                  <a:schemeClr val="accent1"/>
-                </a:solidFill>
-              </a:rPr>
-              <a:t>Database: MySQL</a:t>
-            </a:r>
-          </a:p>
-          <a:p>
-            <a:pPr marL="285750" indent="-285750">
-              <a:buFont typeface="Arial" panose="020B0604020202020204" pitchFamily="34" charset="0"/>
-              <a:buChar char="•"/>
-            </a:pPr>
-            <a:endParaRPr lang="en-US" sz="1600" noProof="0" dirty="0">
-              <a:solidFill>
-                <a:schemeClr val="accent1"/>
-              </a:solidFill>
-            </a:endParaRPr>
-          </a:p>
-        </p:txBody>
-      </p:sp>
-      <p:sp>
-        <p:nvSpPr>
-          <p:cNvPr id="2" name="TextBox 1">
-            <a:extLst>
-              <a:ext uri="{FF2B5EF4-FFF2-40B4-BE49-F238E27FC236}">
-                <a16:creationId xmlns:a16="http://schemas.microsoft.com/office/drawing/2014/main" id="{8D031125-16D9-E544-DF0A-DD32DC6F4C5C}"/>
-              </a:ext>
-            </a:extLst>
-          </p:cNvPr>
-          <p:cNvSpPr txBox="1"/>
-          <p:nvPr/>
-        </p:nvSpPr>
-        <p:spPr>
-          <a:xfrm>
-            <a:off x="3656320" y="4367432"/>
-            <a:ext cx="3195582" cy="2585323"/>
-          </a:xfrm>
-          <a:prstGeom prst="rect">
-            <a:avLst/>
-          </a:prstGeom>
-          <a:noFill/>
-        </p:spPr>
-        <p:txBody>
-          <a:bodyPr wrap="square" rtlCol="0">
-            <a:spAutoFit/>
-          </a:bodyPr>
-          <a:lstStyle/>
-          <a:p>
-            <a:r>
-              <a:rPr lang="en-US" b="1" noProof="0" dirty="0">
-                <a:solidFill>
-                  <a:schemeClr val="accent1"/>
-                </a:solidFill>
-              </a:rPr>
-              <a:t>History of the Robot</a:t>
-            </a:r>
-            <a:r>
-              <a:rPr lang="en-US" noProof="0" dirty="0">
-                <a:solidFill>
-                  <a:schemeClr val="accent1"/>
-                </a:solidFill>
-              </a:rPr>
-              <a:t>:</a:t>
-            </a:r>
-            <a:endParaRPr lang="en-US" sz="1200" noProof="0" dirty="0">
-              <a:solidFill>
-                <a:schemeClr val="accent1"/>
-              </a:solidFill>
-            </a:endParaRPr>
-          </a:p>
-          <a:p>
-            <a:pPr marL="285750" indent="-285750">
-              <a:buFont typeface="Arial" panose="020B0604020202020204" pitchFamily="34" charset="0"/>
-              <a:buChar char="•"/>
-            </a:pPr>
-            <a:r>
-              <a:rPr lang="en-US" sz="1600" noProof="0" dirty="0">
-                <a:solidFill>
-                  <a:schemeClr val="accent1"/>
-                </a:solidFill>
-              </a:rPr>
-              <a:t>2019-2024, Robot is used at DG INTPA to test a very complex financial application.</a:t>
-            </a:r>
-          </a:p>
-          <a:p>
-            <a:endParaRPr lang="en-US" sz="1600" dirty="0">
-              <a:solidFill>
-                <a:schemeClr val="accent1"/>
-              </a:solidFill>
-            </a:endParaRPr>
-          </a:p>
-          <a:p>
-            <a:pPr marL="285750" indent="-285750">
-              <a:buFont typeface="Arial" panose="020B0604020202020204" pitchFamily="34" charset="0"/>
-              <a:buChar char="•"/>
-            </a:pPr>
-            <a:r>
-              <a:rPr lang="en-US" sz="1600" noProof="0" dirty="0">
-                <a:solidFill>
-                  <a:schemeClr val="accent1"/>
-                </a:solidFill>
-              </a:rPr>
-              <a:t>2024, a version based on</a:t>
-            </a:r>
-            <a:br>
-              <a:rPr lang="en-US" sz="1600" noProof="0" dirty="0">
-                <a:solidFill>
-                  <a:schemeClr val="accent1"/>
-                </a:solidFill>
-              </a:rPr>
-            </a:br>
-            <a:r>
-              <a:rPr lang="en-US" sz="1600" noProof="0" dirty="0">
-                <a:solidFill>
-                  <a:schemeClr val="accent1"/>
-                </a:solidFill>
-              </a:rPr>
-              <a:t> a web interface is created.</a:t>
-            </a:r>
-            <a:br>
-              <a:rPr lang="en-US" sz="1600" noProof="0" dirty="0">
-                <a:solidFill>
-                  <a:schemeClr val="accent1"/>
-                </a:solidFill>
-              </a:rPr>
-            </a:br>
-            <a:endParaRPr lang="en-US" sz="1600" noProof="0" dirty="0">
-              <a:solidFill>
-                <a:schemeClr val="accent1"/>
-              </a:solidFill>
-            </a:endParaRPr>
-          </a:p>
-          <a:p>
-            <a:pPr marL="285750" indent="-285750">
-              <a:buFont typeface="Arial" panose="020B0604020202020204" pitchFamily="34" charset="0"/>
-              <a:buChar char="•"/>
-            </a:pPr>
-            <a:r>
-              <a:rPr lang="en-US" sz="1600" dirty="0">
-                <a:solidFill>
-                  <a:schemeClr val="accent1"/>
-                </a:solidFill>
-              </a:rPr>
-              <a:t>2025, a migration of the backend to Playwright</a:t>
-            </a:r>
-            <a:endParaRPr lang="en-US" sz="1600" noProof="0" dirty="0">
-              <a:solidFill>
-                <a:schemeClr val="accent1"/>
-              </a:solidFill>
-            </a:endParaRPr>
-          </a:p>
-        </p:txBody>
-      </p:sp>
-      <p:sp>
-        <p:nvSpPr>
-          <p:cNvPr id="3" name="TextBox 2">
-            <a:extLst>
-              <a:ext uri="{FF2B5EF4-FFF2-40B4-BE49-F238E27FC236}">
-                <a16:creationId xmlns:a16="http://schemas.microsoft.com/office/drawing/2014/main" id="{2104261F-0A30-E9DF-4B61-62955C0252AE}"/>
-              </a:ext>
-            </a:extLst>
-          </p:cNvPr>
-          <p:cNvSpPr txBox="1"/>
-          <p:nvPr/>
-        </p:nvSpPr>
-        <p:spPr>
-          <a:xfrm>
-            <a:off x="3662418" y="7132611"/>
-            <a:ext cx="3195582" cy="1477328"/>
-          </a:xfrm>
-          <a:prstGeom prst="rect">
-            <a:avLst/>
-          </a:prstGeom>
-          <a:noFill/>
-        </p:spPr>
-        <p:txBody>
-          <a:bodyPr wrap="square" rtlCol="0">
-            <a:spAutoFit/>
-          </a:bodyPr>
-          <a:lstStyle/>
-          <a:p>
-            <a:r>
-              <a:rPr lang="en-US" b="1" noProof="0" dirty="0">
-                <a:solidFill>
-                  <a:schemeClr val="accent1"/>
-                </a:solidFill>
-              </a:rPr>
-              <a:t>Performance</a:t>
-            </a:r>
-            <a:r>
-              <a:rPr lang="en-US" noProof="0" dirty="0">
-                <a:solidFill>
-                  <a:schemeClr val="accent1"/>
-                </a:solidFill>
-              </a:rPr>
-              <a:t>:</a:t>
-            </a:r>
-          </a:p>
-          <a:p>
-            <a:pPr marL="285750" indent="-285750">
-              <a:buFont typeface="Arial" panose="020B0604020202020204" pitchFamily="34" charset="0"/>
-              <a:buChar char="•"/>
-            </a:pPr>
-            <a:r>
-              <a:rPr lang="en-US" dirty="0">
-                <a:solidFill>
-                  <a:schemeClr val="accent1"/>
-                </a:solidFill>
-              </a:rPr>
-              <a:t>Quick tests execution</a:t>
-            </a:r>
-          </a:p>
-          <a:p>
-            <a:pPr marL="285750" indent="-285750">
-              <a:buFont typeface="Arial" panose="020B0604020202020204" pitchFamily="34" charset="0"/>
-              <a:buChar char="•"/>
-            </a:pPr>
-            <a:r>
-              <a:rPr lang="en-US" dirty="0">
-                <a:solidFill>
-                  <a:schemeClr val="accent1"/>
-                </a:solidFill>
-              </a:rPr>
-              <a:t>Multi browsers</a:t>
-            </a:r>
-          </a:p>
-          <a:p>
-            <a:pPr marL="285750" indent="-285750">
-              <a:buFont typeface="Arial" panose="020B0604020202020204" pitchFamily="34" charset="0"/>
-              <a:buChar char="•"/>
-            </a:pPr>
-            <a:r>
-              <a:rPr lang="en-US" noProof="0" dirty="0">
-                <a:solidFill>
-                  <a:schemeClr val="accent1"/>
-                </a:solidFill>
-              </a:rPr>
-              <a:t>Ready for mobile</a:t>
-            </a:r>
-          </a:p>
-          <a:p>
-            <a:endParaRPr lang="en-US" noProof="0" dirty="0">
-              <a:solidFill>
-                <a:schemeClr val="accent1"/>
-              </a:solidFill>
-            </a:endParaRPr>
-          </a:p>
-        </p:txBody>
-      </p:sp>
     </p:spTree>
     <p:extLst>
       <p:ext uri="{BB962C8B-B14F-4D97-AF65-F5344CB8AC3E}">
@@ -4304,6 +4309,551 @@
 </file>
 
 <file path=ppt/slides/slide2.xml><?xml version="1.0" encoding="utf-8"?>
+<p:sld xmlns:a="http://schemas.openxmlformats.org/drawingml/2006/main" xmlns:r="http://schemas.openxmlformats.org/officeDocument/2006/relationships" xmlns:p="http://schemas.openxmlformats.org/presentationml/2006/main">
+  <p:cSld>
+    <p:spTree>
+      <p:nvGrpSpPr>
+        <p:cNvPr id="1" name="">
+          <a:extLst>
+            <a:ext uri="{FF2B5EF4-FFF2-40B4-BE49-F238E27FC236}">
+              <a16:creationId xmlns:a16="http://schemas.microsoft.com/office/drawing/2014/main" id="{1AEBF311-5626-DDE1-711D-8DE170331C4C}"/>
+            </a:ext>
+          </a:extLst>
+        </p:cNvPr>
+        <p:cNvGrpSpPr/>
+        <p:nvPr/>
+      </p:nvGrpSpPr>
+      <p:grpSpPr>
+        <a:xfrm>
+          <a:off x="0" y="0"/>
+          <a:ext cx="0" cy="0"/>
+          <a:chOff x="0" y="0"/>
+          <a:chExt cx="0" cy="0"/>
+        </a:xfrm>
+      </p:grpSpPr>
+      <p:sp>
+        <p:nvSpPr>
+          <p:cNvPr id="4" name="Rectangle 3">
+            <a:extLst>
+              <a:ext uri="{FF2B5EF4-FFF2-40B4-BE49-F238E27FC236}">
+                <a16:creationId xmlns:a16="http://schemas.microsoft.com/office/drawing/2014/main" id="{2F11C8CD-A277-B07A-5114-8BEC9BC6C440}"/>
+              </a:ext>
+            </a:extLst>
+          </p:cNvPr>
+          <p:cNvSpPr/>
+          <p:nvPr/>
+        </p:nvSpPr>
+        <p:spPr>
+          <a:xfrm>
+            <a:off x="0" y="312821"/>
+            <a:ext cx="6858000" cy="2960731"/>
+          </a:xfrm>
+          <a:prstGeom prst="rect">
+            <a:avLst/>
+          </a:prstGeom>
+          <a:solidFill>
+            <a:srgbClr val="D4EDF8"/>
+          </a:solidFill>
+          <a:ln>
+            <a:noFill/>
+          </a:ln>
+        </p:spPr>
+        <p:style>
+          <a:lnRef idx="2">
+            <a:schemeClr val="accent1">
+              <a:shade val="15000"/>
+            </a:schemeClr>
+          </a:lnRef>
+          <a:fillRef idx="1">
+            <a:schemeClr val="accent1"/>
+          </a:fillRef>
+          <a:effectRef idx="0">
+            <a:schemeClr val="accent1"/>
+          </a:effectRef>
+          <a:fontRef idx="minor">
+            <a:schemeClr val="lt1"/>
+          </a:fontRef>
+        </p:style>
+        <p:txBody>
+          <a:bodyPr rtlCol="0" anchor="ctr"/>
+          <a:lstStyle/>
+          <a:p>
+            <a:pPr algn="ctr"/>
+            <a:endParaRPr lang="fr-BE"/>
+          </a:p>
+        </p:txBody>
+      </p:sp>
+      <p:sp>
+        <p:nvSpPr>
+          <p:cNvPr id="10" name="Rectangle 9">
+            <a:extLst>
+              <a:ext uri="{FF2B5EF4-FFF2-40B4-BE49-F238E27FC236}">
+                <a16:creationId xmlns:a16="http://schemas.microsoft.com/office/drawing/2014/main" id="{825C5CD7-F846-311F-4E65-204EADBDC3F5}"/>
+              </a:ext>
+            </a:extLst>
+          </p:cNvPr>
+          <p:cNvSpPr/>
+          <p:nvPr/>
+        </p:nvSpPr>
+        <p:spPr>
+          <a:xfrm>
+            <a:off x="256032" y="0"/>
+            <a:ext cx="2779776" cy="312821"/>
+          </a:xfrm>
+          <a:prstGeom prst="rect">
+            <a:avLst/>
+          </a:prstGeom>
+          <a:solidFill>
+            <a:schemeClr val="bg1">
+              <a:lumMod val="85000"/>
+            </a:schemeClr>
+          </a:solidFill>
+          <a:ln>
+            <a:noFill/>
+          </a:ln>
+        </p:spPr>
+        <p:style>
+          <a:lnRef idx="2">
+            <a:schemeClr val="accent1">
+              <a:shade val="15000"/>
+            </a:schemeClr>
+          </a:lnRef>
+          <a:fillRef idx="1">
+            <a:schemeClr val="accent1"/>
+          </a:fillRef>
+          <a:effectRef idx="0">
+            <a:schemeClr val="accent1"/>
+          </a:effectRef>
+          <a:fontRef idx="minor">
+            <a:schemeClr val="lt1"/>
+          </a:fontRef>
+        </p:style>
+        <p:txBody>
+          <a:bodyPr rtlCol="0" anchor="ctr"/>
+          <a:lstStyle/>
+          <a:p>
+            <a:pPr algn="ctr"/>
+            <a:endParaRPr lang="fr-BE"/>
+          </a:p>
+        </p:txBody>
+      </p:sp>
+      <p:sp>
+        <p:nvSpPr>
+          <p:cNvPr id="13" name="TextBox 12">
+            <a:extLst>
+              <a:ext uri="{FF2B5EF4-FFF2-40B4-BE49-F238E27FC236}">
+                <a16:creationId xmlns:a16="http://schemas.microsoft.com/office/drawing/2014/main" id="{38378816-62F6-144C-D4AD-FB3244C3DFB4}"/>
+              </a:ext>
+            </a:extLst>
+          </p:cNvPr>
+          <p:cNvSpPr txBox="1"/>
+          <p:nvPr/>
+        </p:nvSpPr>
+        <p:spPr>
+          <a:xfrm>
+            <a:off x="3035808" y="593710"/>
+            <a:ext cx="3822192" cy="523220"/>
+          </a:xfrm>
+          <a:prstGeom prst="rect">
+            <a:avLst/>
+          </a:prstGeom>
+          <a:noFill/>
+        </p:spPr>
+        <p:txBody>
+          <a:bodyPr wrap="square" rtlCol="0">
+            <a:spAutoFit/>
+          </a:bodyPr>
+          <a:lstStyle/>
+          <a:p>
+            <a:pPr algn="ctr"/>
+            <a:r>
+              <a:rPr lang="en-US" sz="2800" b="1" noProof="0" dirty="0">
+                <a:solidFill>
+                  <a:schemeClr val="accent1"/>
+                </a:solidFill>
+              </a:rPr>
+              <a:t>Automated Tests Tool</a:t>
+            </a:r>
+          </a:p>
+        </p:txBody>
+      </p:sp>
+      <p:sp>
+        <p:nvSpPr>
+          <p:cNvPr id="15" name="TextBox 14">
+            <a:extLst>
+              <a:ext uri="{FF2B5EF4-FFF2-40B4-BE49-F238E27FC236}">
+                <a16:creationId xmlns:a16="http://schemas.microsoft.com/office/drawing/2014/main" id="{F1A40E64-34F1-16AD-3511-D7F3B2DD0014}"/>
+              </a:ext>
+            </a:extLst>
+          </p:cNvPr>
+          <p:cNvSpPr txBox="1"/>
+          <p:nvPr/>
+        </p:nvSpPr>
+        <p:spPr>
+          <a:xfrm>
+            <a:off x="3291839" y="1197567"/>
+            <a:ext cx="3407343" cy="923330"/>
+          </a:xfrm>
+          <a:prstGeom prst="rect">
+            <a:avLst/>
+          </a:prstGeom>
+          <a:noFill/>
+        </p:spPr>
+        <p:txBody>
+          <a:bodyPr wrap="square" rtlCol="0">
+            <a:spAutoFit/>
+          </a:bodyPr>
+          <a:lstStyle/>
+          <a:p>
+            <a:r>
+              <a:rPr lang="en-US" i="1" noProof="0" dirty="0">
+                <a:solidFill>
+                  <a:schemeClr val="accent1"/>
+                </a:solidFill>
+              </a:rPr>
+              <a:t>What is the added-value of this new version powered by Playwright ?</a:t>
+            </a:r>
+          </a:p>
+        </p:txBody>
+      </p:sp>
+      <p:sp>
+        <p:nvSpPr>
+          <p:cNvPr id="2" name="TextBox 1">
+            <a:extLst>
+              <a:ext uri="{FF2B5EF4-FFF2-40B4-BE49-F238E27FC236}">
+                <a16:creationId xmlns:a16="http://schemas.microsoft.com/office/drawing/2014/main" id="{6B346E3C-5471-DEBF-3863-92BB32C203FD}"/>
+              </a:ext>
+            </a:extLst>
+          </p:cNvPr>
+          <p:cNvSpPr txBox="1"/>
+          <p:nvPr/>
+        </p:nvSpPr>
+        <p:spPr>
+          <a:xfrm>
+            <a:off x="256032" y="3755571"/>
+            <a:ext cx="6275397" cy="7571303"/>
+          </a:xfrm>
+          <a:prstGeom prst="rect">
+            <a:avLst/>
+          </a:prstGeom>
+          <a:noFill/>
+        </p:spPr>
+        <p:txBody>
+          <a:bodyPr wrap="square" rtlCol="0">
+            <a:spAutoFit/>
+          </a:bodyPr>
+          <a:lstStyle/>
+          <a:p>
+            <a:r>
+              <a:rPr lang="en-US" b="1" i="0" dirty="0">
+                <a:solidFill>
+                  <a:srgbClr val="0070C0"/>
+                </a:solidFill>
+                <a:effectLst/>
+                <a:latin typeface="Google Sans Text"/>
+              </a:rPr>
+              <a:t>Playwright</a:t>
+            </a:r>
+            <a:r>
+              <a:rPr lang="en-US" b="0" i="0" dirty="0">
+                <a:solidFill>
+                  <a:srgbClr val="1A1C1E"/>
+                </a:solidFill>
+                <a:effectLst/>
+                <a:latin typeface="Google Sans Text"/>
+              </a:rPr>
+              <a:t> offers several advantages, making it a more modern and efficient choice for web automation and testing. </a:t>
+            </a:r>
+            <a:br>
+              <a:rPr lang="en-US" b="0" i="0" dirty="0">
+                <a:solidFill>
+                  <a:srgbClr val="1A1C1E"/>
+                </a:solidFill>
+                <a:effectLst/>
+                <a:latin typeface="Google Sans Text"/>
+              </a:rPr>
+            </a:br>
+            <a:r>
+              <a:rPr lang="en-US" b="0" i="0" dirty="0">
+                <a:solidFill>
+                  <a:srgbClr val="1A1C1E"/>
+                </a:solidFill>
+                <a:effectLst/>
+                <a:latin typeface="Google Sans Text"/>
+              </a:rPr>
+              <a:t>It excels in speed, reliability, ease of use, and advanced features like auto-waiting, robust locators, and tracing. </a:t>
+            </a:r>
+          </a:p>
+          <a:p>
+            <a:endParaRPr lang="en-US" dirty="0">
+              <a:solidFill>
+                <a:srgbClr val="1A1C1E"/>
+              </a:solidFill>
+              <a:latin typeface="Google Sans Text"/>
+            </a:endParaRPr>
+          </a:p>
+          <a:p>
+            <a:r>
+              <a:rPr lang="en-US" b="1" dirty="0">
+                <a:solidFill>
+                  <a:srgbClr val="1A1C1E"/>
+                </a:solidFill>
+                <a:latin typeface="Google Sans Text"/>
+              </a:rPr>
+              <a:t>Installation</a:t>
+            </a:r>
+            <a:r>
+              <a:rPr lang="en-US" dirty="0">
+                <a:solidFill>
+                  <a:srgbClr val="1A1C1E"/>
+                </a:solidFill>
+                <a:latin typeface="Google Sans Text"/>
+              </a:rPr>
+              <a:t>:</a:t>
+            </a:r>
+          </a:p>
+          <a:p>
+            <a:r>
+              <a:rPr lang="en-US" dirty="0">
+                <a:solidFill>
+                  <a:srgbClr val="1A1C1E"/>
+                </a:solidFill>
+                <a:latin typeface="Google Sans Text"/>
+              </a:rPr>
+              <a:t>Only node.js libraries, no external drivers (so less issues with the corporate security of the customer)</a:t>
+            </a:r>
+          </a:p>
+          <a:p>
+            <a:endParaRPr lang="en-US" dirty="0">
+              <a:solidFill>
+                <a:srgbClr val="1A1C1E"/>
+              </a:solidFill>
+              <a:latin typeface="Google Sans Text"/>
+            </a:endParaRPr>
+          </a:p>
+          <a:p>
+            <a:r>
+              <a:rPr lang="en-US" b="1" dirty="0">
+                <a:solidFill>
+                  <a:srgbClr val="1A1C1E"/>
+                </a:solidFill>
+                <a:latin typeface="Google Sans Text"/>
+              </a:rPr>
+              <a:t>Speed</a:t>
+            </a:r>
+            <a:r>
+              <a:rPr lang="en-US" dirty="0">
+                <a:solidFill>
+                  <a:srgbClr val="1A1C1E"/>
+                </a:solidFill>
+                <a:latin typeface="Google Sans Text"/>
+              </a:rPr>
+              <a:t>:</a:t>
+            </a:r>
+          </a:p>
+          <a:p>
+            <a:r>
+              <a:rPr lang="en-US" dirty="0">
+                <a:solidFill>
+                  <a:srgbClr val="1A1C1E"/>
+                </a:solidFill>
+                <a:latin typeface="Google Sans Text"/>
+              </a:rPr>
+              <a:t>Compared to the previous version, we gain 87% of performance.</a:t>
+            </a:r>
+            <a:br>
+              <a:rPr lang="en-US" dirty="0">
+                <a:solidFill>
+                  <a:srgbClr val="1A1C1E"/>
+                </a:solidFill>
+                <a:latin typeface="Google Sans Text"/>
+              </a:rPr>
+            </a:br>
+            <a:r>
+              <a:rPr lang="en-US" dirty="0">
+                <a:solidFill>
+                  <a:srgbClr val="1A1C1E"/>
+                </a:solidFill>
+                <a:latin typeface="Google Sans Text"/>
+              </a:rPr>
+              <a:t>This is very important, when you want to use the tool to generate data ready to be used for the business (or stakeholders)</a:t>
+            </a:r>
+          </a:p>
+          <a:p>
+            <a:endParaRPr lang="en-US" dirty="0">
+              <a:solidFill>
+                <a:srgbClr val="1A1C1E"/>
+              </a:solidFill>
+              <a:latin typeface="Google Sans Text"/>
+            </a:endParaRPr>
+          </a:p>
+          <a:p>
+            <a:r>
+              <a:rPr lang="en-US" b="1" i="0" dirty="0">
+                <a:solidFill>
+                  <a:srgbClr val="1A1C1E"/>
+                </a:solidFill>
+                <a:effectLst/>
+                <a:latin typeface="Google Sans Text"/>
+              </a:rPr>
+              <a:t>Cross-Browser &amp; Devices</a:t>
+            </a:r>
+            <a:r>
+              <a:rPr lang="en-US" i="0" dirty="0">
+                <a:solidFill>
+                  <a:srgbClr val="1A1C1E"/>
+                </a:solidFill>
+                <a:effectLst/>
+                <a:latin typeface="Google Sans Text"/>
+              </a:rPr>
+              <a:t>:</a:t>
+            </a:r>
+          </a:p>
+          <a:p>
+            <a:r>
+              <a:rPr lang="en-US" dirty="0">
+                <a:solidFill>
+                  <a:srgbClr val="1A1C1E"/>
+                </a:solidFill>
+                <a:latin typeface="Google Sans Text"/>
+              </a:rPr>
+              <a:t>It’s very easy to change the browser for the execution (just a reference). It’s also possible to simulate a device (smartphone, tablet….). You can also run the tests in headless mode.</a:t>
+            </a:r>
+          </a:p>
+          <a:p>
+            <a:endParaRPr lang="en-US" dirty="0">
+              <a:solidFill>
+                <a:srgbClr val="1A1C1E"/>
+              </a:solidFill>
+              <a:latin typeface="Google Sans Text"/>
+            </a:endParaRPr>
+          </a:p>
+          <a:p>
+            <a:r>
+              <a:rPr lang="en-US" b="1" i="0" dirty="0">
+                <a:solidFill>
+                  <a:srgbClr val="1A1C1E"/>
+                </a:solidFill>
+                <a:effectLst/>
+                <a:latin typeface="Google Sans Text"/>
+              </a:rPr>
+              <a:t>Reliability</a:t>
+            </a:r>
+            <a:r>
+              <a:rPr lang="en-US" i="0" dirty="0">
+                <a:solidFill>
+                  <a:srgbClr val="1A1C1E"/>
+                </a:solidFill>
+                <a:effectLst/>
+                <a:latin typeface="Google Sans Text"/>
+              </a:rPr>
+              <a:t>:</a:t>
+            </a:r>
+          </a:p>
+          <a:p>
+            <a:r>
+              <a:rPr lang="en-US" b="0" i="0" dirty="0">
+                <a:solidFill>
+                  <a:srgbClr val="1A1C1E"/>
+                </a:solidFill>
+                <a:effectLst/>
+                <a:latin typeface="Google Sans Text"/>
+              </a:rPr>
+              <a:t>More reliable, especially with auto-waiting and robust locators.</a:t>
+            </a:r>
+            <a:endParaRPr lang="en-US" b="0" dirty="0">
+              <a:solidFill>
+                <a:srgbClr val="1A1C1E"/>
+              </a:solidFill>
+              <a:latin typeface="Google Sans Text"/>
+            </a:endParaRPr>
+          </a:p>
+          <a:p>
+            <a:endParaRPr lang="en-US" dirty="0">
+              <a:solidFill>
+                <a:srgbClr val="1A1C1E"/>
+              </a:solidFill>
+              <a:latin typeface="Google Sans Text"/>
+            </a:endParaRPr>
+          </a:p>
+          <a:p>
+            <a:r>
+              <a:rPr lang="en-US" b="1" dirty="0">
+                <a:solidFill>
+                  <a:srgbClr val="1A1C1E"/>
+                </a:solidFill>
+                <a:latin typeface="Google Sans Text"/>
+              </a:rPr>
+              <a:t>Fully compliant with the previous behaviors</a:t>
+            </a:r>
+            <a:r>
+              <a:rPr lang="en-US" dirty="0">
+                <a:solidFill>
+                  <a:srgbClr val="1A1C1E"/>
+                </a:solidFill>
+                <a:latin typeface="Google Sans Text"/>
+              </a:rPr>
+              <a:t>:</a:t>
+            </a:r>
+          </a:p>
+          <a:p>
+            <a:r>
+              <a:rPr lang="en-US" dirty="0">
+                <a:solidFill>
+                  <a:srgbClr val="1A1C1E"/>
+                </a:solidFill>
+                <a:latin typeface="Google Sans Text"/>
+              </a:rPr>
+              <a:t>Only the back-end has been migrated, the powerful behaviors are still there: rules engine, dataset, dictionary, able to process very complex scenarios….</a:t>
+            </a:r>
+            <a:endParaRPr lang="en-BE" dirty="0"/>
+          </a:p>
+        </p:txBody>
+      </p:sp>
+      <p:pic>
+        <p:nvPicPr>
+          <p:cNvPr id="3" name="Picture 2">
+            <a:extLst>
+              <a:ext uri="{FF2B5EF4-FFF2-40B4-BE49-F238E27FC236}">
+                <a16:creationId xmlns:a16="http://schemas.microsoft.com/office/drawing/2014/main" id="{DE3D45E4-ED4C-E1C9-A109-4ED7011877F2}"/>
+              </a:ext>
+            </a:extLst>
+          </p:cNvPr>
+          <p:cNvPicPr>
+            <a:picLocks noChangeAspect="1"/>
+          </p:cNvPicPr>
+          <p:nvPr/>
+        </p:nvPicPr>
+        <p:blipFill>
+          <a:blip r:embed="rId2"/>
+          <a:stretch>
+            <a:fillRect/>
+          </a:stretch>
+        </p:blipFill>
+        <p:spPr>
+          <a:xfrm>
+            <a:off x="123068" y="429792"/>
+            <a:ext cx="2860751" cy="2585323"/>
+          </a:xfrm>
+          <a:prstGeom prst="rect">
+            <a:avLst/>
+          </a:prstGeom>
+        </p:spPr>
+      </p:pic>
+    </p:spTree>
+    <p:extLst>
+      <p:ext uri="{BB962C8B-B14F-4D97-AF65-F5344CB8AC3E}">
+        <p14:creationId xmlns:p14="http://schemas.microsoft.com/office/powerpoint/2010/main" val="2357912014"/>
+      </p:ext>
+    </p:extLst>
+  </p:cSld>
+  <p:clrMapOvr>
+    <a:masterClrMapping/>
+  </p:clrMapOvr>
+</p:sld>
+</file>
+
+<file path=ppt/slides/slide3.xml><?xml version="1.0" encoding="utf-8"?>
 <p:sld xmlns:a="http://schemas.openxmlformats.org/drawingml/2006/main" xmlns:r="http://schemas.openxmlformats.org/officeDocument/2006/relationships" xmlns:p="http://schemas.openxmlformats.org/presentationml/2006/main">
   <p:cSld>
     <p:spTree>
@@ -4432,12 +4982,230 @@
           </a:p>
         </p:txBody>
       </p:sp>
+      <p:sp>
+        <p:nvSpPr>
+          <p:cNvPr id="13" name="TextBox 12">
+            <a:extLst>
+              <a:ext uri="{FF2B5EF4-FFF2-40B4-BE49-F238E27FC236}">
+                <a16:creationId xmlns:a16="http://schemas.microsoft.com/office/drawing/2014/main" id="{33A5EFDF-FE52-FD85-9FFA-4C73D6A82F7E}"/>
+              </a:ext>
+            </a:extLst>
+          </p:cNvPr>
+          <p:cNvSpPr txBox="1"/>
+          <p:nvPr/>
+        </p:nvSpPr>
+        <p:spPr>
+          <a:xfrm>
+            <a:off x="3035808" y="593710"/>
+            <a:ext cx="3822192" cy="523220"/>
+          </a:xfrm>
+          <a:prstGeom prst="rect">
+            <a:avLst/>
+          </a:prstGeom>
+          <a:noFill/>
+        </p:spPr>
+        <p:txBody>
+          <a:bodyPr wrap="square" rtlCol="0">
+            <a:spAutoFit/>
+          </a:bodyPr>
+          <a:lstStyle/>
+          <a:p>
+            <a:pPr algn="ctr"/>
+            <a:r>
+              <a:rPr lang="en-US" sz="2800" b="1" noProof="0" dirty="0">
+                <a:solidFill>
+                  <a:schemeClr val="accent1"/>
+                </a:solidFill>
+              </a:rPr>
+              <a:t>Automated Tests Tool</a:t>
+            </a:r>
+          </a:p>
+        </p:txBody>
+      </p:sp>
+      <p:sp>
+        <p:nvSpPr>
+          <p:cNvPr id="15" name="TextBox 14">
+            <a:extLst>
+              <a:ext uri="{FF2B5EF4-FFF2-40B4-BE49-F238E27FC236}">
+                <a16:creationId xmlns:a16="http://schemas.microsoft.com/office/drawing/2014/main" id="{A62BDCC4-629D-2AEF-84D9-76F6BC1E9EE3}"/>
+              </a:ext>
+            </a:extLst>
+          </p:cNvPr>
+          <p:cNvSpPr txBox="1"/>
+          <p:nvPr/>
+        </p:nvSpPr>
+        <p:spPr>
+          <a:xfrm>
+            <a:off x="3291839" y="1197567"/>
+            <a:ext cx="3407343" cy="1754326"/>
+          </a:xfrm>
+          <a:prstGeom prst="rect">
+            <a:avLst/>
+          </a:prstGeom>
+          <a:noFill/>
+        </p:spPr>
+        <p:txBody>
+          <a:bodyPr wrap="square" rtlCol="0">
+            <a:spAutoFit/>
+          </a:bodyPr>
+          <a:lstStyle/>
+          <a:p>
+            <a:r>
+              <a:rPr lang="en-US" i="1" noProof="0" dirty="0">
+                <a:solidFill>
+                  <a:schemeClr val="accent1"/>
+                </a:solidFill>
+              </a:rPr>
+              <a:t>Because the tester can be a business analyst, we provide an easy-to-use interface, without technical jargon!</a:t>
+            </a:r>
+            <a:br>
+              <a:rPr lang="en-US" i="1" noProof="0" dirty="0">
+                <a:solidFill>
+                  <a:schemeClr val="accent1"/>
+                </a:solidFill>
+              </a:rPr>
+            </a:br>
+            <a:r>
+              <a:rPr lang="en-US" i="1" noProof="0" dirty="0">
+                <a:solidFill>
+                  <a:schemeClr val="accent1"/>
+                </a:solidFill>
+              </a:rPr>
+              <a:t>Tester is responsible for the data and the dummy users.</a:t>
+            </a:r>
+          </a:p>
+        </p:txBody>
+      </p:sp>
+      <p:sp>
+        <p:nvSpPr>
+          <p:cNvPr id="3" name="TextBox 2">
+            <a:extLst>
+              <a:ext uri="{FF2B5EF4-FFF2-40B4-BE49-F238E27FC236}">
+                <a16:creationId xmlns:a16="http://schemas.microsoft.com/office/drawing/2014/main" id="{E3F7943C-F2FD-8CC7-2BC5-D1CAF32FC44C}"/>
+              </a:ext>
+            </a:extLst>
+          </p:cNvPr>
+          <p:cNvSpPr txBox="1"/>
+          <p:nvPr/>
+        </p:nvSpPr>
+        <p:spPr>
+          <a:xfrm>
+            <a:off x="108031" y="3697034"/>
+            <a:ext cx="2204185" cy="369332"/>
+          </a:xfrm>
+          <a:prstGeom prst="rect">
+            <a:avLst/>
+          </a:prstGeom>
+          <a:noFill/>
+        </p:spPr>
+        <p:txBody>
+          <a:bodyPr wrap="square" rtlCol="0">
+            <a:spAutoFit/>
+          </a:bodyPr>
+          <a:lstStyle/>
+          <a:p>
+            <a:r>
+              <a:rPr lang="fr-BE" b="1" dirty="0">
+                <a:solidFill>
+                  <a:schemeClr val="accent1"/>
+                </a:solidFill>
+              </a:rPr>
+              <a:t>TESTER</a:t>
+            </a:r>
+          </a:p>
+        </p:txBody>
+      </p:sp>
+      <p:sp>
+        <p:nvSpPr>
+          <p:cNvPr id="24" name="TextBox 23">
+            <a:extLst>
+              <a:ext uri="{FF2B5EF4-FFF2-40B4-BE49-F238E27FC236}">
+                <a16:creationId xmlns:a16="http://schemas.microsoft.com/office/drawing/2014/main" id="{B7D48057-B0DD-AC03-E403-7398D5F85216}"/>
+              </a:ext>
+            </a:extLst>
+          </p:cNvPr>
+          <p:cNvSpPr txBox="1"/>
+          <p:nvPr/>
+        </p:nvSpPr>
+        <p:spPr>
+          <a:xfrm>
+            <a:off x="108031" y="4060702"/>
+            <a:ext cx="2204185" cy="338554"/>
+          </a:xfrm>
+          <a:prstGeom prst="rect">
+            <a:avLst/>
+          </a:prstGeom>
+          <a:noFill/>
+        </p:spPr>
+        <p:txBody>
+          <a:bodyPr wrap="square" rtlCol="0">
+            <a:spAutoFit/>
+          </a:bodyPr>
+          <a:lstStyle>
+            <a:defPPr>
+              <a:defRPr lang="en-US"/>
+            </a:defPPr>
+            <a:lvl1pPr>
+              <a:defRPr sz="1600" b="1" i="1">
+                <a:solidFill>
+                  <a:schemeClr val="accent1"/>
+                </a:solidFill>
+              </a:defRPr>
+            </a:lvl1pPr>
+          </a:lstStyle>
+          <a:p>
+            <a:r>
+              <a:rPr lang="en-US" noProof="0"/>
+              <a:t>User interface:</a:t>
+            </a:r>
+          </a:p>
+        </p:txBody>
+      </p:sp>
+      <p:sp>
+        <p:nvSpPr>
+          <p:cNvPr id="27" name="TextBox 26">
+            <a:extLst>
+              <a:ext uri="{FF2B5EF4-FFF2-40B4-BE49-F238E27FC236}">
+                <a16:creationId xmlns:a16="http://schemas.microsoft.com/office/drawing/2014/main" id="{55E07CF3-D3B4-0A99-8A5E-CD2649CF9AC1}"/>
+              </a:ext>
+            </a:extLst>
+          </p:cNvPr>
+          <p:cNvSpPr txBox="1"/>
+          <p:nvPr/>
+        </p:nvSpPr>
+        <p:spPr>
+          <a:xfrm>
+            <a:off x="108031" y="7924314"/>
+            <a:ext cx="3183808" cy="338554"/>
+          </a:xfrm>
+          <a:prstGeom prst="rect">
+            <a:avLst/>
+          </a:prstGeom>
+          <a:noFill/>
+        </p:spPr>
+        <p:txBody>
+          <a:bodyPr wrap="square" rtlCol="0">
+            <a:spAutoFit/>
+          </a:bodyPr>
+          <a:lstStyle/>
+          <a:p>
+            <a:r>
+              <a:rPr lang="en-US" sz="1600" b="1" i="1" noProof="0">
+                <a:solidFill>
+                  <a:schemeClr val="accent1"/>
+                </a:solidFill>
+              </a:rPr>
+              <a:t>Dashboard for the execution</a:t>
+            </a:r>
+          </a:p>
+        </p:txBody>
+      </p:sp>
       <p:pic>
         <p:nvPicPr>
-          <p:cNvPr id="12" name="Picture 11" descr="A white robot with black eyes and hands&#10;&#10;Description automatically generated">
+          <p:cNvPr id="9" name="Picture 8">
             <a:extLst>
               <a:ext uri="{FF2B5EF4-FFF2-40B4-BE49-F238E27FC236}">
-                <a16:creationId xmlns:a16="http://schemas.microsoft.com/office/drawing/2014/main" id="{31A30AA1-9B7A-028A-60F2-EF07FD4AA2D6}"/>
+                <a16:creationId xmlns:a16="http://schemas.microsoft.com/office/drawing/2014/main" id="{909B2A82-B787-EAA2-1FDE-05CB920B46E4}"/>
               </a:ext>
             </a:extLst>
           </p:cNvPr>
@@ -4447,166 +5215,27 @@
           <p:nvPr/>
         </p:nvPicPr>
         <p:blipFill>
-          <a:blip r:embed="rId2">
-            <a:extLst>
-              <a:ext uri="{28A0092B-C50C-407E-A947-70E740481C1C}">
-                <a14:useLocalDpi xmlns:a14="http://schemas.microsoft.com/office/drawing/2010/main" val="0"/>
-              </a:ext>
-            </a:extLst>
-          </a:blip>
+          <a:blip r:embed="rId2"/>
           <a:stretch>
             <a:fillRect/>
           </a:stretch>
         </p:blipFill>
         <p:spPr>
           <a:xfrm>
-            <a:off x="451356" y="593710"/>
-            <a:ext cx="2389127" cy="2391252"/>
+            <a:off x="108030" y="8540872"/>
+            <a:ext cx="6619341" cy="2793106"/>
           </a:xfrm>
           <a:prstGeom prst="rect">
             <a:avLst/>
           </a:prstGeom>
         </p:spPr>
       </p:pic>
-      <p:sp>
-        <p:nvSpPr>
-          <p:cNvPr id="13" name="TextBox 12">
+      <p:pic>
+        <p:nvPicPr>
+          <p:cNvPr id="2" name="Picture 1">
             <a:extLst>
               <a:ext uri="{FF2B5EF4-FFF2-40B4-BE49-F238E27FC236}">
-                <a16:creationId xmlns:a16="http://schemas.microsoft.com/office/drawing/2014/main" id="{33A5EFDF-FE52-FD85-9FFA-4C73D6A82F7E}"/>
-              </a:ext>
-            </a:extLst>
-          </p:cNvPr>
-          <p:cNvSpPr txBox="1"/>
-          <p:nvPr/>
-        </p:nvSpPr>
-        <p:spPr>
-          <a:xfrm>
-            <a:off x="3035808" y="593710"/>
-            <a:ext cx="3822192" cy="523220"/>
-          </a:xfrm>
-          <a:prstGeom prst="rect">
-            <a:avLst/>
-          </a:prstGeom>
-          <a:noFill/>
-        </p:spPr>
-        <p:txBody>
-          <a:bodyPr wrap="square" rtlCol="0">
-            <a:spAutoFit/>
-          </a:bodyPr>
-          <a:lstStyle/>
-          <a:p>
-            <a:pPr algn="ctr"/>
-            <a:r>
-              <a:rPr lang="en-US" sz="2800" b="1" noProof="0" dirty="0">
-                <a:solidFill>
-                  <a:schemeClr val="accent1"/>
-                </a:solidFill>
-              </a:rPr>
-              <a:t>Automated Tests Tool</a:t>
-            </a:r>
-          </a:p>
-        </p:txBody>
-      </p:sp>
-      <p:sp>
-        <p:nvSpPr>
-          <p:cNvPr id="15" name="TextBox 14">
-            <a:extLst>
-              <a:ext uri="{FF2B5EF4-FFF2-40B4-BE49-F238E27FC236}">
-                <a16:creationId xmlns:a16="http://schemas.microsoft.com/office/drawing/2014/main" id="{A62BDCC4-629D-2AEF-84D9-76F6BC1E9EE3}"/>
-              </a:ext>
-            </a:extLst>
-          </p:cNvPr>
-          <p:cNvSpPr txBox="1"/>
-          <p:nvPr/>
-        </p:nvSpPr>
-        <p:spPr>
-          <a:xfrm>
-            <a:off x="3291839" y="1197567"/>
-            <a:ext cx="3407343" cy="1754326"/>
-          </a:xfrm>
-          <a:prstGeom prst="rect">
-            <a:avLst/>
-          </a:prstGeom>
-          <a:noFill/>
-        </p:spPr>
-        <p:txBody>
-          <a:bodyPr wrap="square" rtlCol="0">
-            <a:spAutoFit/>
-          </a:bodyPr>
-          <a:lstStyle/>
-          <a:p>
-            <a:r>
-              <a:rPr lang="en-US" i="1" noProof="0" dirty="0">
-                <a:solidFill>
-                  <a:schemeClr val="accent1"/>
-                </a:solidFill>
-              </a:rPr>
-              <a:t>Because the tester can be a business analyst, we provide an easy-to-use interface, without technical jargon!</a:t>
-            </a:r>
-            <a:br>
-              <a:rPr lang="en-US" i="1" noProof="0" dirty="0">
-                <a:solidFill>
-                  <a:schemeClr val="accent1"/>
-                </a:solidFill>
-              </a:rPr>
-            </a:br>
-            <a:r>
-              <a:rPr lang="en-US" i="1" noProof="0" dirty="0">
-                <a:solidFill>
-                  <a:schemeClr val="accent1"/>
-                </a:solidFill>
-              </a:rPr>
-              <a:t>Tester is responsible for the data and the dummy users.</a:t>
-            </a:r>
-          </a:p>
-        </p:txBody>
-      </p:sp>
-      <p:sp>
-        <p:nvSpPr>
-          <p:cNvPr id="3" name="TextBox 2">
-            <a:extLst>
-              <a:ext uri="{FF2B5EF4-FFF2-40B4-BE49-F238E27FC236}">
-                <a16:creationId xmlns:a16="http://schemas.microsoft.com/office/drawing/2014/main" id="{E3F7943C-F2FD-8CC7-2BC5-D1CAF32FC44C}"/>
-              </a:ext>
-            </a:extLst>
-          </p:cNvPr>
-          <p:cNvSpPr txBox="1"/>
-          <p:nvPr/>
-        </p:nvSpPr>
-        <p:spPr>
-          <a:xfrm>
-            <a:off x="108031" y="3697034"/>
-            <a:ext cx="2204185" cy="369332"/>
-          </a:xfrm>
-          <a:prstGeom prst="rect">
-            <a:avLst/>
-          </a:prstGeom>
-          <a:noFill/>
-        </p:spPr>
-        <p:txBody>
-          <a:bodyPr wrap="square" rtlCol="0">
-            <a:spAutoFit/>
-          </a:bodyPr>
-          <a:lstStyle/>
-          <a:p>
-            <a:r>
-              <a:rPr lang="fr-BE" b="1" dirty="0">
-                <a:solidFill>
-                  <a:schemeClr val="accent1"/>
-                </a:solidFill>
-              </a:rPr>
-              <a:t>TESTER</a:t>
-            </a:r>
-          </a:p>
-        </p:txBody>
-      </p:sp>
-      <p:pic>
-        <p:nvPicPr>
-          <p:cNvPr id="14" name="Picture 13">
-            <a:extLst>
-              <a:ext uri="{FF2B5EF4-FFF2-40B4-BE49-F238E27FC236}">
-                <a16:creationId xmlns:a16="http://schemas.microsoft.com/office/drawing/2014/main" id="{BD11E278-E18F-36C1-2DC9-DBAF2C955CC0}"/>
+                <a16:creationId xmlns:a16="http://schemas.microsoft.com/office/drawing/2014/main" id="{147AE3EC-F516-9931-32EC-710AC3B6F37E}"/>
               </a:ext>
             </a:extLst>
           </p:cNvPr>
@@ -4623,8 +5252,8 @@
         </p:blipFill>
         <p:spPr>
           <a:xfrm>
-            <a:off x="108030" y="8278650"/>
-            <a:ext cx="6658530" cy="3633416"/>
+            <a:off x="123068" y="429792"/>
+            <a:ext cx="2860751" cy="2585323"/>
           </a:xfrm>
           <a:prstGeom prst="rect">
             <a:avLst/>
@@ -4633,10 +5262,10 @@
       </p:pic>
       <p:pic>
         <p:nvPicPr>
-          <p:cNvPr id="19" name="Picture 18">
+          <p:cNvPr id="8" name="Picture 7">
             <a:extLst>
               <a:ext uri="{FF2B5EF4-FFF2-40B4-BE49-F238E27FC236}">
-                <a16:creationId xmlns:a16="http://schemas.microsoft.com/office/drawing/2014/main" id="{9FBE45DF-2D33-5A59-2181-22E62852B3CA}"/>
+                <a16:creationId xmlns:a16="http://schemas.microsoft.com/office/drawing/2014/main" id="{D14D1D6C-6D62-765C-BC83-49306967BE84}"/>
               </a:ext>
             </a:extLst>
           </p:cNvPr>
@@ -4653,99 +5282,14 @@
         </p:blipFill>
         <p:spPr>
           <a:xfrm>
-            <a:off x="108030" y="4349292"/>
-            <a:ext cx="6658529" cy="3347486"/>
+            <a:off x="122970" y="4447572"/>
+            <a:ext cx="6619341" cy="3300486"/>
           </a:xfrm>
           <a:prstGeom prst="rect">
             <a:avLst/>
           </a:prstGeom>
         </p:spPr>
       </p:pic>
-      <p:sp>
-        <p:nvSpPr>
-          <p:cNvPr id="24" name="TextBox 23">
-            <a:extLst>
-              <a:ext uri="{FF2B5EF4-FFF2-40B4-BE49-F238E27FC236}">
-                <a16:creationId xmlns:a16="http://schemas.microsoft.com/office/drawing/2014/main" id="{B7D48057-B0DD-AC03-E403-7398D5F85216}"/>
-              </a:ext>
-            </a:extLst>
-          </p:cNvPr>
-          <p:cNvSpPr txBox="1"/>
-          <p:nvPr/>
-        </p:nvSpPr>
-        <p:spPr>
-          <a:xfrm>
-            <a:off x="108031" y="4060702"/>
-            <a:ext cx="2204185" cy="338554"/>
-          </a:xfrm>
-          <a:prstGeom prst="rect">
-            <a:avLst/>
-          </a:prstGeom>
-          <a:noFill/>
-        </p:spPr>
-        <p:txBody>
-          <a:bodyPr wrap="square" rtlCol="0">
-            <a:spAutoFit/>
-          </a:bodyPr>
-          <a:lstStyle>
-            <a:defPPr>
-              <a:defRPr lang="en-US"/>
-            </a:defPPr>
-            <a:lvl1pPr>
-              <a:defRPr sz="1600" b="1" i="1">
-                <a:solidFill>
-                  <a:schemeClr val="accent1"/>
-                </a:solidFill>
-              </a:defRPr>
-            </a:lvl1pPr>
-          </a:lstStyle>
-          <a:p>
-            <a:r>
-              <a:rPr lang="en-US" noProof="0"/>
-              <a:t>User interface:</a:t>
-            </a:r>
-          </a:p>
-        </p:txBody>
-      </p:sp>
-      <p:sp>
-        <p:nvSpPr>
-          <p:cNvPr id="27" name="TextBox 26">
-            <a:extLst>
-              <a:ext uri="{FF2B5EF4-FFF2-40B4-BE49-F238E27FC236}">
-                <a16:creationId xmlns:a16="http://schemas.microsoft.com/office/drawing/2014/main" id="{55E07CF3-D3B4-0A99-8A5E-CD2649CF9AC1}"/>
-              </a:ext>
-            </a:extLst>
-          </p:cNvPr>
-          <p:cNvSpPr txBox="1"/>
-          <p:nvPr/>
-        </p:nvSpPr>
-        <p:spPr>
-          <a:xfrm>
-            <a:off x="108031" y="7924314"/>
-            <a:ext cx="3183808" cy="338554"/>
-          </a:xfrm>
-          <a:prstGeom prst="rect">
-            <a:avLst/>
-          </a:prstGeom>
-          <a:noFill/>
-        </p:spPr>
-        <p:txBody>
-          <a:bodyPr wrap="square" rtlCol="0">
-            <a:spAutoFit/>
-          </a:bodyPr>
-          <a:lstStyle/>
-          <a:p>
-            <a:r>
-              <a:rPr lang="en-US" sz="1600" b="1" i="1" noProof="0">
-                <a:solidFill>
-                  <a:schemeClr val="accent1"/>
-                </a:solidFill>
-              </a:rPr>
-              <a:t>Dashboard for the execution</a:t>
-            </a:r>
-          </a:p>
-        </p:txBody>
-      </p:sp>
     </p:spTree>
     <p:extLst>
       <p:ext uri="{BB962C8B-B14F-4D97-AF65-F5344CB8AC3E}">
@@ -4759,7 +5303,7 @@
 </p:sld>
 </file>
 
-<file path=ppt/slides/slide3.xml><?xml version="1.0" encoding="utf-8"?>
+<file path=ppt/slides/slide4.xml><?xml version="1.0" encoding="utf-8"?>
 <p:sld xmlns:a="http://schemas.openxmlformats.org/drawingml/2006/main" xmlns:r="http://schemas.openxmlformats.org/officeDocument/2006/relationships" xmlns:p="http://schemas.openxmlformats.org/presentationml/2006/main">
   <p:cSld>
     <p:spTree>
@@ -4888,12 +5432,230 @@
           </a:p>
         </p:txBody>
       </p:sp>
+      <p:sp>
+        <p:nvSpPr>
+          <p:cNvPr id="13" name="TextBox 12">
+            <a:extLst>
+              <a:ext uri="{FF2B5EF4-FFF2-40B4-BE49-F238E27FC236}">
+                <a16:creationId xmlns:a16="http://schemas.microsoft.com/office/drawing/2014/main" id="{224E94C8-5FF2-6A0E-F3A5-1C882D71550B}"/>
+              </a:ext>
+            </a:extLst>
+          </p:cNvPr>
+          <p:cNvSpPr txBox="1"/>
+          <p:nvPr/>
+        </p:nvSpPr>
+        <p:spPr>
+          <a:xfrm>
+            <a:off x="3035808" y="593710"/>
+            <a:ext cx="3822192" cy="523220"/>
+          </a:xfrm>
+          <a:prstGeom prst="rect">
+            <a:avLst/>
+          </a:prstGeom>
+          <a:noFill/>
+        </p:spPr>
+        <p:txBody>
+          <a:bodyPr wrap="square" rtlCol="0">
+            <a:spAutoFit/>
+          </a:bodyPr>
+          <a:lstStyle/>
+          <a:p>
+            <a:pPr algn="ctr"/>
+            <a:r>
+              <a:rPr lang="en-US" sz="2800" b="1" noProof="0" dirty="0">
+                <a:solidFill>
+                  <a:schemeClr val="accent1"/>
+                </a:solidFill>
+              </a:rPr>
+              <a:t>Automated Tests Tool</a:t>
+            </a:r>
+          </a:p>
+        </p:txBody>
+      </p:sp>
+      <p:sp>
+        <p:nvSpPr>
+          <p:cNvPr id="15" name="TextBox 14">
+            <a:extLst>
+              <a:ext uri="{FF2B5EF4-FFF2-40B4-BE49-F238E27FC236}">
+                <a16:creationId xmlns:a16="http://schemas.microsoft.com/office/drawing/2014/main" id="{BED5B73D-8BFD-9073-F780-C272219AA329}"/>
+              </a:ext>
+            </a:extLst>
+          </p:cNvPr>
+          <p:cNvSpPr txBox="1"/>
+          <p:nvPr/>
+        </p:nvSpPr>
+        <p:spPr>
+          <a:xfrm>
+            <a:off x="3291839" y="1197567"/>
+            <a:ext cx="3566161" cy="2031325"/>
+          </a:xfrm>
+          <a:prstGeom prst="rect">
+            <a:avLst/>
+          </a:prstGeom>
+          <a:noFill/>
+        </p:spPr>
+        <p:txBody>
+          <a:bodyPr wrap="square" rtlCol="0">
+            <a:spAutoFit/>
+          </a:bodyPr>
+          <a:lstStyle/>
+          <a:p>
+            <a:r>
+              <a:rPr lang="en-US" i="1" noProof="0" dirty="0">
+                <a:solidFill>
+                  <a:schemeClr val="accent1"/>
+                </a:solidFill>
+              </a:rPr>
+              <a:t>Designer is responsible of the creation of the scenarios, the dictionary, the rules and the references.</a:t>
+            </a:r>
+            <a:br>
+              <a:rPr lang="en-US" i="1" noProof="0" dirty="0">
+                <a:solidFill>
+                  <a:schemeClr val="accent1"/>
+                </a:solidFill>
+              </a:rPr>
+            </a:br>
+            <a:r>
+              <a:rPr lang="en-US" i="1" noProof="0" dirty="0">
+                <a:solidFill>
+                  <a:schemeClr val="accent1"/>
+                </a:solidFill>
+              </a:rPr>
+              <a:t>Interface is designed to be efficient: copy/paste, import/export, natural language…</a:t>
+            </a:r>
+          </a:p>
+        </p:txBody>
+      </p:sp>
+      <p:sp>
+        <p:nvSpPr>
+          <p:cNvPr id="3" name="TextBox 2">
+            <a:extLst>
+              <a:ext uri="{FF2B5EF4-FFF2-40B4-BE49-F238E27FC236}">
+                <a16:creationId xmlns:a16="http://schemas.microsoft.com/office/drawing/2014/main" id="{2DA9C50E-6C5E-7C20-0BE4-7A9984737A1F}"/>
+              </a:ext>
+            </a:extLst>
+          </p:cNvPr>
+          <p:cNvSpPr txBox="1"/>
+          <p:nvPr/>
+        </p:nvSpPr>
+        <p:spPr>
+          <a:xfrm>
+            <a:off x="108031" y="3697034"/>
+            <a:ext cx="2204185" cy="369332"/>
+          </a:xfrm>
+          <a:prstGeom prst="rect">
+            <a:avLst/>
+          </a:prstGeom>
+          <a:noFill/>
+        </p:spPr>
+        <p:txBody>
+          <a:bodyPr wrap="square" rtlCol="0">
+            <a:spAutoFit/>
+          </a:bodyPr>
+          <a:lstStyle/>
+          <a:p>
+            <a:r>
+              <a:rPr lang="fr-BE" b="1" dirty="0">
+                <a:solidFill>
+                  <a:schemeClr val="accent1"/>
+                </a:solidFill>
+              </a:rPr>
+              <a:t>DESIGNER</a:t>
+            </a:r>
+          </a:p>
+        </p:txBody>
+      </p:sp>
+      <p:sp>
+        <p:nvSpPr>
+          <p:cNvPr id="24" name="TextBox 23">
+            <a:extLst>
+              <a:ext uri="{FF2B5EF4-FFF2-40B4-BE49-F238E27FC236}">
+                <a16:creationId xmlns:a16="http://schemas.microsoft.com/office/drawing/2014/main" id="{6B0DA554-D818-D3A2-BFDD-F1704FCE37AD}"/>
+              </a:ext>
+            </a:extLst>
+          </p:cNvPr>
+          <p:cNvSpPr txBox="1"/>
+          <p:nvPr/>
+        </p:nvSpPr>
+        <p:spPr>
+          <a:xfrm>
+            <a:off x="108031" y="4060702"/>
+            <a:ext cx="2204185" cy="338554"/>
+          </a:xfrm>
+          <a:prstGeom prst="rect">
+            <a:avLst/>
+          </a:prstGeom>
+          <a:noFill/>
+        </p:spPr>
+        <p:txBody>
+          <a:bodyPr wrap="square" rtlCol="0">
+            <a:spAutoFit/>
+          </a:bodyPr>
+          <a:lstStyle>
+            <a:defPPr>
+              <a:defRPr lang="en-US"/>
+            </a:defPPr>
+            <a:lvl1pPr>
+              <a:defRPr sz="1600" b="1" i="1">
+                <a:solidFill>
+                  <a:schemeClr val="accent1"/>
+                </a:solidFill>
+              </a:defRPr>
+            </a:lvl1pPr>
+          </a:lstStyle>
+          <a:p>
+            <a:r>
+              <a:rPr lang="en-US" noProof="0"/>
+              <a:t>User interface:</a:t>
+            </a:r>
+          </a:p>
+        </p:txBody>
+      </p:sp>
+      <p:sp>
+        <p:nvSpPr>
+          <p:cNvPr id="27" name="TextBox 26">
+            <a:extLst>
+              <a:ext uri="{FF2B5EF4-FFF2-40B4-BE49-F238E27FC236}">
+                <a16:creationId xmlns:a16="http://schemas.microsoft.com/office/drawing/2014/main" id="{A68C7036-DF21-A4FF-7966-45F77E131BD2}"/>
+              </a:ext>
+            </a:extLst>
+          </p:cNvPr>
+          <p:cNvSpPr txBox="1"/>
+          <p:nvPr/>
+        </p:nvSpPr>
+        <p:spPr>
+          <a:xfrm>
+            <a:off x="108031" y="7924314"/>
+            <a:ext cx="3183808" cy="338554"/>
+          </a:xfrm>
+          <a:prstGeom prst="rect">
+            <a:avLst/>
+          </a:prstGeom>
+          <a:noFill/>
+        </p:spPr>
+        <p:txBody>
+          <a:bodyPr wrap="square" rtlCol="0">
+            <a:spAutoFit/>
+          </a:bodyPr>
+          <a:lstStyle/>
+          <a:p>
+            <a:r>
+              <a:rPr lang="en-US" sz="1600" b="1" i="1" noProof="0" dirty="0">
+                <a:solidFill>
+                  <a:schemeClr val="accent1"/>
+                </a:solidFill>
+              </a:rPr>
+              <a:t>Designing a scenario</a:t>
+            </a:r>
+          </a:p>
+        </p:txBody>
+      </p:sp>
       <p:pic>
         <p:nvPicPr>
-          <p:cNvPr id="12" name="Picture 11" descr="A white robot with black eyes and hands&#10;&#10;Description automatically generated">
+          <p:cNvPr id="16" name="Picture 15">
             <a:extLst>
               <a:ext uri="{FF2B5EF4-FFF2-40B4-BE49-F238E27FC236}">
-                <a16:creationId xmlns:a16="http://schemas.microsoft.com/office/drawing/2014/main" id="{C3EC94EA-F4AE-7097-9E64-308A0309A4B3}"/>
+                <a16:creationId xmlns:a16="http://schemas.microsoft.com/office/drawing/2014/main" id="{BA6855D0-A683-E7C8-61C4-B94FAA6DFBB5}"/>
               </a:ext>
             </a:extLst>
           </p:cNvPr>
@@ -4903,251 +5665,26 @@
           <p:nvPr/>
         </p:nvPicPr>
         <p:blipFill>
-          <a:blip r:embed="rId2">
-            <a:extLst>
-              <a:ext uri="{28A0092B-C50C-407E-A947-70E740481C1C}">
-                <a14:useLocalDpi xmlns:a14="http://schemas.microsoft.com/office/drawing/2010/main" val="0"/>
-              </a:ext>
-            </a:extLst>
-          </a:blip>
-          <a:stretch>
-            <a:fillRect/>
-          </a:stretch>
+          <a:blip r:embed="rId2"/>
+          <a:srcRect b="22415"/>
+          <a:stretch/>
         </p:blipFill>
         <p:spPr>
           <a:xfrm>
-            <a:off x="451356" y="593710"/>
-            <a:ext cx="2389127" cy="2391252"/>
+            <a:off x="108031" y="8413074"/>
+            <a:ext cx="6643007" cy="2931886"/>
           </a:xfrm>
           <a:prstGeom prst="rect">
             <a:avLst/>
           </a:prstGeom>
         </p:spPr>
       </p:pic>
-      <p:sp>
-        <p:nvSpPr>
-          <p:cNvPr id="13" name="TextBox 12">
+      <p:pic>
+        <p:nvPicPr>
+          <p:cNvPr id="5" name="Picture 4">
             <a:extLst>
               <a:ext uri="{FF2B5EF4-FFF2-40B4-BE49-F238E27FC236}">
-                <a16:creationId xmlns:a16="http://schemas.microsoft.com/office/drawing/2014/main" id="{224E94C8-5FF2-6A0E-F3A5-1C882D71550B}"/>
-              </a:ext>
-            </a:extLst>
-          </p:cNvPr>
-          <p:cNvSpPr txBox="1"/>
-          <p:nvPr/>
-        </p:nvSpPr>
-        <p:spPr>
-          <a:xfrm>
-            <a:off x="3035808" y="593710"/>
-            <a:ext cx="3822192" cy="523220"/>
-          </a:xfrm>
-          <a:prstGeom prst="rect">
-            <a:avLst/>
-          </a:prstGeom>
-          <a:noFill/>
-        </p:spPr>
-        <p:txBody>
-          <a:bodyPr wrap="square" rtlCol="0">
-            <a:spAutoFit/>
-          </a:bodyPr>
-          <a:lstStyle/>
-          <a:p>
-            <a:pPr algn="ctr"/>
-            <a:r>
-              <a:rPr lang="en-US" sz="2800" b="1" noProof="0" dirty="0">
-                <a:solidFill>
-                  <a:schemeClr val="accent1"/>
-                </a:solidFill>
-              </a:rPr>
-              <a:t>Automated Tests Tool</a:t>
-            </a:r>
-          </a:p>
-        </p:txBody>
-      </p:sp>
-      <p:sp>
-        <p:nvSpPr>
-          <p:cNvPr id="15" name="TextBox 14">
-            <a:extLst>
-              <a:ext uri="{FF2B5EF4-FFF2-40B4-BE49-F238E27FC236}">
-                <a16:creationId xmlns:a16="http://schemas.microsoft.com/office/drawing/2014/main" id="{BED5B73D-8BFD-9073-F780-C272219AA329}"/>
-              </a:ext>
-            </a:extLst>
-          </p:cNvPr>
-          <p:cNvSpPr txBox="1"/>
-          <p:nvPr/>
-        </p:nvSpPr>
-        <p:spPr>
-          <a:xfrm>
-            <a:off x="3291839" y="1197567"/>
-            <a:ext cx="3566161" cy="2031325"/>
-          </a:xfrm>
-          <a:prstGeom prst="rect">
-            <a:avLst/>
-          </a:prstGeom>
-          <a:noFill/>
-        </p:spPr>
-        <p:txBody>
-          <a:bodyPr wrap="square" rtlCol="0">
-            <a:spAutoFit/>
-          </a:bodyPr>
-          <a:lstStyle/>
-          <a:p>
-            <a:r>
-              <a:rPr lang="en-US" i="1" noProof="0" dirty="0">
-                <a:solidFill>
-                  <a:schemeClr val="accent1"/>
-                </a:solidFill>
-              </a:rPr>
-              <a:t>Designer is responsible of the creation of the scenarios, the dictionary, the rules and the references.</a:t>
-            </a:r>
-            <a:br>
-              <a:rPr lang="en-US" i="1" noProof="0" dirty="0">
-                <a:solidFill>
-                  <a:schemeClr val="accent1"/>
-                </a:solidFill>
-              </a:rPr>
-            </a:br>
-            <a:r>
-              <a:rPr lang="en-US" i="1" noProof="0" dirty="0">
-                <a:solidFill>
-                  <a:schemeClr val="accent1"/>
-                </a:solidFill>
-              </a:rPr>
-              <a:t>Interface is designed to be powerful: copy/paste, import/export, natural language…</a:t>
-            </a:r>
-          </a:p>
-        </p:txBody>
-      </p:sp>
-      <p:sp>
-        <p:nvSpPr>
-          <p:cNvPr id="3" name="TextBox 2">
-            <a:extLst>
-              <a:ext uri="{FF2B5EF4-FFF2-40B4-BE49-F238E27FC236}">
-                <a16:creationId xmlns:a16="http://schemas.microsoft.com/office/drawing/2014/main" id="{2DA9C50E-6C5E-7C20-0BE4-7A9984737A1F}"/>
-              </a:ext>
-            </a:extLst>
-          </p:cNvPr>
-          <p:cNvSpPr txBox="1"/>
-          <p:nvPr/>
-        </p:nvSpPr>
-        <p:spPr>
-          <a:xfrm>
-            <a:off x="108031" y="3697034"/>
-            <a:ext cx="2204185" cy="369332"/>
-          </a:xfrm>
-          <a:prstGeom prst="rect">
-            <a:avLst/>
-          </a:prstGeom>
-          <a:noFill/>
-        </p:spPr>
-        <p:txBody>
-          <a:bodyPr wrap="square" rtlCol="0">
-            <a:spAutoFit/>
-          </a:bodyPr>
-          <a:lstStyle/>
-          <a:p>
-            <a:r>
-              <a:rPr lang="fr-BE" b="1" dirty="0">
-                <a:solidFill>
-                  <a:schemeClr val="accent1"/>
-                </a:solidFill>
-              </a:rPr>
-              <a:t>DESIGNER</a:t>
-            </a:r>
-          </a:p>
-        </p:txBody>
-      </p:sp>
-      <p:sp>
-        <p:nvSpPr>
-          <p:cNvPr id="24" name="TextBox 23">
-            <a:extLst>
-              <a:ext uri="{FF2B5EF4-FFF2-40B4-BE49-F238E27FC236}">
-                <a16:creationId xmlns:a16="http://schemas.microsoft.com/office/drawing/2014/main" id="{6B0DA554-D818-D3A2-BFDD-F1704FCE37AD}"/>
-              </a:ext>
-            </a:extLst>
-          </p:cNvPr>
-          <p:cNvSpPr txBox="1"/>
-          <p:nvPr/>
-        </p:nvSpPr>
-        <p:spPr>
-          <a:xfrm>
-            <a:off x="108031" y="4060702"/>
-            <a:ext cx="2204185" cy="338554"/>
-          </a:xfrm>
-          <a:prstGeom prst="rect">
-            <a:avLst/>
-          </a:prstGeom>
-          <a:noFill/>
-        </p:spPr>
-        <p:txBody>
-          <a:bodyPr wrap="square" rtlCol="0">
-            <a:spAutoFit/>
-          </a:bodyPr>
-          <a:lstStyle>
-            <a:defPPr>
-              <a:defRPr lang="en-US"/>
-            </a:defPPr>
-            <a:lvl1pPr>
-              <a:defRPr sz="1600" b="1" i="1">
-                <a:solidFill>
-                  <a:schemeClr val="accent1"/>
-                </a:solidFill>
-              </a:defRPr>
-            </a:lvl1pPr>
-          </a:lstStyle>
-          <a:p>
-            <a:r>
-              <a:rPr lang="en-US" noProof="0"/>
-              <a:t>User interface:</a:t>
-            </a:r>
-          </a:p>
-        </p:txBody>
-      </p:sp>
-      <p:sp>
-        <p:nvSpPr>
-          <p:cNvPr id="27" name="TextBox 26">
-            <a:extLst>
-              <a:ext uri="{FF2B5EF4-FFF2-40B4-BE49-F238E27FC236}">
-                <a16:creationId xmlns:a16="http://schemas.microsoft.com/office/drawing/2014/main" id="{A68C7036-DF21-A4FF-7966-45F77E131BD2}"/>
-              </a:ext>
-            </a:extLst>
-          </p:cNvPr>
-          <p:cNvSpPr txBox="1"/>
-          <p:nvPr/>
-        </p:nvSpPr>
-        <p:spPr>
-          <a:xfrm>
-            <a:off x="108031" y="7924314"/>
-            <a:ext cx="3183808" cy="338554"/>
-          </a:xfrm>
-          <a:prstGeom prst="rect">
-            <a:avLst/>
-          </a:prstGeom>
-          <a:noFill/>
-        </p:spPr>
-        <p:txBody>
-          <a:bodyPr wrap="square" rtlCol="0">
-            <a:spAutoFit/>
-          </a:bodyPr>
-          <a:lstStyle/>
-          <a:p>
-            <a:r>
-              <a:rPr lang="en-US" sz="1600" b="1" i="1" noProof="0" dirty="0">
-                <a:solidFill>
-                  <a:schemeClr val="accent1"/>
-                </a:solidFill>
-              </a:rPr>
-              <a:t>Designing a scenario</a:t>
-            </a:r>
-          </a:p>
-        </p:txBody>
-      </p:sp>
-      <p:pic>
-        <p:nvPicPr>
-          <p:cNvPr id="9" name="Picture 8">
-            <a:extLst>
-              <a:ext uri="{FF2B5EF4-FFF2-40B4-BE49-F238E27FC236}">
-                <a16:creationId xmlns:a16="http://schemas.microsoft.com/office/drawing/2014/main" id="{46AACFCD-3ED5-CD28-A97A-BBCFD2F7BAE4}"/>
+                <a16:creationId xmlns:a16="http://schemas.microsoft.com/office/drawing/2014/main" id="{A591100F-C531-31D4-A79F-FD24C3A5CF9A}"/>
               </a:ext>
             </a:extLst>
           </p:cNvPr>
@@ -5164,8 +5701,8 @@
         </p:blipFill>
         <p:spPr>
           <a:xfrm>
-            <a:off x="108031" y="4423582"/>
-            <a:ext cx="6639278" cy="3344836"/>
+            <a:off x="123068" y="429792"/>
+            <a:ext cx="2860751" cy="2585323"/>
           </a:xfrm>
           <a:prstGeom prst="rect">
             <a:avLst/>
@@ -5174,10 +5711,10 @@
       </p:pic>
       <p:pic>
         <p:nvPicPr>
-          <p:cNvPr id="5" name="Picture 4">
+          <p:cNvPr id="9" name="Picture 8">
             <a:extLst>
               <a:ext uri="{FF2B5EF4-FFF2-40B4-BE49-F238E27FC236}">
-                <a16:creationId xmlns:a16="http://schemas.microsoft.com/office/drawing/2014/main" id="{A466B367-2FFE-7D68-C8C0-D3EB18D8E9D9}"/>
+                <a16:creationId xmlns:a16="http://schemas.microsoft.com/office/drawing/2014/main" id="{B97ED545-D2BE-E483-ACCA-F9F577F1693C}"/>
               </a:ext>
             </a:extLst>
           </p:cNvPr>
@@ -5194,8 +5731,8 @@
         </p:blipFill>
         <p:spPr>
           <a:xfrm>
-            <a:off x="108031" y="8262868"/>
-            <a:ext cx="6639278" cy="3795386"/>
+            <a:off x="108031" y="4446189"/>
+            <a:ext cx="6643008" cy="3300153"/>
           </a:xfrm>
           <a:prstGeom prst="rect">
             <a:avLst/>
@@ -5215,7 +5752,7 @@
 </p:sld>
 </file>
 
-<file path=ppt/slides/slide4.xml><?xml version="1.0" encoding="utf-8"?>
+<file path=ppt/slides/slide5.xml><?xml version="1.0" encoding="utf-8"?>
 <p:sld xmlns:a="http://schemas.openxmlformats.org/drawingml/2006/main" xmlns:r="http://schemas.openxmlformats.org/officeDocument/2006/relationships" xmlns:p="http://schemas.openxmlformats.org/presentationml/2006/main">
   <p:cSld>
     <p:spTree>
@@ -5344,12 +5881,230 @@
           </a:p>
         </p:txBody>
       </p:sp>
+      <p:sp>
+        <p:nvSpPr>
+          <p:cNvPr id="13" name="TextBox 12">
+            <a:extLst>
+              <a:ext uri="{FF2B5EF4-FFF2-40B4-BE49-F238E27FC236}">
+                <a16:creationId xmlns:a16="http://schemas.microsoft.com/office/drawing/2014/main" id="{BA185FC8-7E42-0F4C-942B-9A89AAA5B6E0}"/>
+              </a:ext>
+            </a:extLst>
+          </p:cNvPr>
+          <p:cNvSpPr txBox="1"/>
+          <p:nvPr/>
+        </p:nvSpPr>
+        <p:spPr>
+          <a:xfrm>
+            <a:off x="3035808" y="593710"/>
+            <a:ext cx="3822192" cy="523220"/>
+          </a:xfrm>
+          <a:prstGeom prst="rect">
+            <a:avLst/>
+          </a:prstGeom>
+          <a:noFill/>
+        </p:spPr>
+        <p:txBody>
+          <a:bodyPr wrap="square" rtlCol="0">
+            <a:spAutoFit/>
+          </a:bodyPr>
+          <a:lstStyle/>
+          <a:p>
+            <a:pPr algn="ctr"/>
+            <a:r>
+              <a:rPr lang="en-US" sz="2800" b="1" noProof="0" dirty="0">
+                <a:solidFill>
+                  <a:schemeClr val="accent1"/>
+                </a:solidFill>
+              </a:rPr>
+              <a:t>Automated Tests Tool</a:t>
+            </a:r>
+          </a:p>
+        </p:txBody>
+      </p:sp>
+      <p:sp>
+        <p:nvSpPr>
+          <p:cNvPr id="15" name="TextBox 14">
+            <a:extLst>
+              <a:ext uri="{FF2B5EF4-FFF2-40B4-BE49-F238E27FC236}">
+                <a16:creationId xmlns:a16="http://schemas.microsoft.com/office/drawing/2014/main" id="{5DED6854-106A-9D46-51C7-E9D98D1DB269}"/>
+              </a:ext>
+            </a:extLst>
+          </p:cNvPr>
+          <p:cNvSpPr txBox="1"/>
+          <p:nvPr/>
+        </p:nvSpPr>
+        <p:spPr>
+          <a:xfrm>
+            <a:off x="3291839" y="1197567"/>
+            <a:ext cx="3566161" cy="2031325"/>
+          </a:xfrm>
+          <a:prstGeom prst="rect">
+            <a:avLst/>
+          </a:prstGeom>
+          <a:noFill/>
+        </p:spPr>
+        <p:txBody>
+          <a:bodyPr wrap="square" rtlCol="0">
+            <a:spAutoFit/>
+          </a:bodyPr>
+          <a:lstStyle/>
+          <a:p>
+            <a:r>
+              <a:rPr lang="en-US" i="1" noProof="0" dirty="0">
+                <a:solidFill>
+                  <a:schemeClr val="accent1"/>
+                </a:solidFill>
+              </a:rPr>
+              <a:t>Administrator is responsible for the management of the projects.</a:t>
+            </a:r>
+            <a:br>
+              <a:rPr lang="en-US" i="1" noProof="0" dirty="0">
+                <a:solidFill>
+                  <a:schemeClr val="accent1"/>
+                </a:solidFill>
+              </a:rPr>
+            </a:br>
+            <a:r>
+              <a:rPr lang="en-US" i="1" noProof="0" dirty="0">
+                <a:solidFill>
+                  <a:schemeClr val="accent1"/>
+                </a:solidFill>
+              </a:rPr>
+              <a:t>He is responsible of the documents and the training of the Robot with AI. (after the training, the Robot can detect an element on the page)</a:t>
+            </a:r>
+          </a:p>
+        </p:txBody>
+      </p:sp>
+      <p:sp>
+        <p:nvSpPr>
+          <p:cNvPr id="3" name="TextBox 2">
+            <a:extLst>
+              <a:ext uri="{FF2B5EF4-FFF2-40B4-BE49-F238E27FC236}">
+                <a16:creationId xmlns:a16="http://schemas.microsoft.com/office/drawing/2014/main" id="{5918F75C-648A-30F2-34E0-74400C74B927}"/>
+              </a:ext>
+            </a:extLst>
+          </p:cNvPr>
+          <p:cNvSpPr txBox="1"/>
+          <p:nvPr/>
+        </p:nvSpPr>
+        <p:spPr>
+          <a:xfrm>
+            <a:off x="108031" y="3697034"/>
+            <a:ext cx="2204185" cy="369332"/>
+          </a:xfrm>
+          <a:prstGeom prst="rect">
+            <a:avLst/>
+          </a:prstGeom>
+          <a:noFill/>
+        </p:spPr>
+        <p:txBody>
+          <a:bodyPr wrap="square" rtlCol="0">
+            <a:spAutoFit/>
+          </a:bodyPr>
+          <a:lstStyle/>
+          <a:p>
+            <a:r>
+              <a:rPr lang="fr-BE" b="1" dirty="0">
+                <a:solidFill>
+                  <a:schemeClr val="accent1"/>
+                </a:solidFill>
+              </a:rPr>
+              <a:t>ADMINISTRATOR</a:t>
+            </a:r>
+          </a:p>
+        </p:txBody>
+      </p:sp>
+      <p:sp>
+        <p:nvSpPr>
+          <p:cNvPr id="24" name="TextBox 23">
+            <a:extLst>
+              <a:ext uri="{FF2B5EF4-FFF2-40B4-BE49-F238E27FC236}">
+                <a16:creationId xmlns:a16="http://schemas.microsoft.com/office/drawing/2014/main" id="{AB9D38EC-D796-6177-87AB-B35563443C8A}"/>
+              </a:ext>
+            </a:extLst>
+          </p:cNvPr>
+          <p:cNvSpPr txBox="1"/>
+          <p:nvPr/>
+        </p:nvSpPr>
+        <p:spPr>
+          <a:xfrm>
+            <a:off x="108031" y="4060702"/>
+            <a:ext cx="2204185" cy="338554"/>
+          </a:xfrm>
+          <a:prstGeom prst="rect">
+            <a:avLst/>
+          </a:prstGeom>
+          <a:noFill/>
+        </p:spPr>
+        <p:txBody>
+          <a:bodyPr wrap="square" rtlCol="0">
+            <a:spAutoFit/>
+          </a:bodyPr>
+          <a:lstStyle>
+            <a:defPPr>
+              <a:defRPr lang="en-US"/>
+            </a:defPPr>
+            <a:lvl1pPr>
+              <a:defRPr sz="1600" b="1" i="1">
+                <a:solidFill>
+                  <a:schemeClr val="accent1"/>
+                </a:solidFill>
+              </a:defRPr>
+            </a:lvl1pPr>
+          </a:lstStyle>
+          <a:p>
+            <a:r>
+              <a:rPr lang="en-US" noProof="0"/>
+              <a:t>User interface:</a:t>
+            </a:r>
+          </a:p>
+        </p:txBody>
+      </p:sp>
+      <p:sp>
+        <p:nvSpPr>
+          <p:cNvPr id="27" name="TextBox 26">
+            <a:extLst>
+              <a:ext uri="{FF2B5EF4-FFF2-40B4-BE49-F238E27FC236}">
+                <a16:creationId xmlns:a16="http://schemas.microsoft.com/office/drawing/2014/main" id="{F3D5D743-515B-80DD-139F-8CFD05B69FA3}"/>
+              </a:ext>
+            </a:extLst>
+          </p:cNvPr>
+          <p:cNvSpPr txBox="1"/>
+          <p:nvPr/>
+        </p:nvSpPr>
+        <p:spPr>
+          <a:xfrm>
+            <a:off x="108031" y="7924314"/>
+            <a:ext cx="3183808" cy="338554"/>
+          </a:xfrm>
+          <a:prstGeom prst="rect">
+            <a:avLst/>
+          </a:prstGeom>
+          <a:noFill/>
+        </p:spPr>
+        <p:txBody>
+          <a:bodyPr wrap="square" rtlCol="0">
+            <a:spAutoFit/>
+          </a:bodyPr>
+          <a:lstStyle/>
+          <a:p>
+            <a:r>
+              <a:rPr lang="en-US" sz="1600" b="1" i="1" noProof="0" dirty="0">
+                <a:solidFill>
+                  <a:schemeClr val="accent1"/>
+                </a:solidFill>
+              </a:rPr>
+              <a:t>Train the Robot with AI</a:t>
+            </a:r>
+          </a:p>
+        </p:txBody>
+      </p:sp>
       <p:pic>
         <p:nvPicPr>
-          <p:cNvPr id="12" name="Picture 11" descr="A white robot with black eyes and hands&#10;&#10;Description automatically generated">
+          <p:cNvPr id="9" name="Picture 8">
             <a:extLst>
               <a:ext uri="{FF2B5EF4-FFF2-40B4-BE49-F238E27FC236}">
-                <a16:creationId xmlns:a16="http://schemas.microsoft.com/office/drawing/2014/main" id="{A9360716-E9FB-D5F1-34BD-B6D0039BC41B}"/>
+                <a16:creationId xmlns:a16="http://schemas.microsoft.com/office/drawing/2014/main" id="{1759A5CB-FCE0-DCC2-6435-7080BC44258F}"/>
               </a:ext>
             </a:extLst>
           </p:cNvPr>
@@ -5359,251 +6114,27 @@
           <p:nvPr/>
         </p:nvPicPr>
         <p:blipFill>
-          <a:blip r:embed="rId2">
-            <a:extLst>
-              <a:ext uri="{28A0092B-C50C-407E-A947-70E740481C1C}">
-                <a14:useLocalDpi xmlns:a14="http://schemas.microsoft.com/office/drawing/2010/main" val="0"/>
-              </a:ext>
-            </a:extLst>
-          </a:blip>
+          <a:blip r:embed="rId2"/>
           <a:stretch>
             <a:fillRect/>
           </a:stretch>
         </p:blipFill>
         <p:spPr>
           <a:xfrm>
-            <a:off x="451356" y="593710"/>
-            <a:ext cx="2389127" cy="2391252"/>
+            <a:off x="108031" y="8327066"/>
+            <a:ext cx="6658969" cy="3277604"/>
           </a:xfrm>
           <a:prstGeom prst="rect">
             <a:avLst/>
           </a:prstGeom>
         </p:spPr>
       </p:pic>
-      <p:sp>
-        <p:nvSpPr>
-          <p:cNvPr id="13" name="TextBox 12">
-            <a:extLst>
-              <a:ext uri="{FF2B5EF4-FFF2-40B4-BE49-F238E27FC236}">
-                <a16:creationId xmlns:a16="http://schemas.microsoft.com/office/drawing/2014/main" id="{BA185FC8-7E42-0F4C-942B-9A89AAA5B6E0}"/>
-              </a:ext>
-            </a:extLst>
-          </p:cNvPr>
-          <p:cNvSpPr txBox="1"/>
-          <p:nvPr/>
-        </p:nvSpPr>
-        <p:spPr>
-          <a:xfrm>
-            <a:off x="3035808" y="593710"/>
-            <a:ext cx="3822192" cy="523220"/>
-          </a:xfrm>
-          <a:prstGeom prst="rect">
-            <a:avLst/>
-          </a:prstGeom>
-          <a:noFill/>
-        </p:spPr>
-        <p:txBody>
-          <a:bodyPr wrap="square" rtlCol="0">
-            <a:spAutoFit/>
-          </a:bodyPr>
-          <a:lstStyle/>
-          <a:p>
-            <a:pPr algn="ctr"/>
-            <a:r>
-              <a:rPr lang="en-US" sz="2800" b="1" noProof="0" dirty="0">
-                <a:solidFill>
-                  <a:schemeClr val="accent1"/>
-                </a:solidFill>
-              </a:rPr>
-              <a:t>Automated Tests Tool</a:t>
-            </a:r>
-          </a:p>
-        </p:txBody>
-      </p:sp>
-      <p:sp>
-        <p:nvSpPr>
-          <p:cNvPr id="15" name="TextBox 14">
-            <a:extLst>
-              <a:ext uri="{FF2B5EF4-FFF2-40B4-BE49-F238E27FC236}">
-                <a16:creationId xmlns:a16="http://schemas.microsoft.com/office/drawing/2014/main" id="{5DED6854-106A-9D46-51C7-E9D98D1DB269}"/>
-              </a:ext>
-            </a:extLst>
-          </p:cNvPr>
-          <p:cNvSpPr txBox="1"/>
-          <p:nvPr/>
-        </p:nvSpPr>
-        <p:spPr>
-          <a:xfrm>
-            <a:off x="3291839" y="1197567"/>
-            <a:ext cx="3566161" cy="2031325"/>
-          </a:xfrm>
-          <a:prstGeom prst="rect">
-            <a:avLst/>
-          </a:prstGeom>
-          <a:noFill/>
-        </p:spPr>
-        <p:txBody>
-          <a:bodyPr wrap="square" rtlCol="0">
-            <a:spAutoFit/>
-          </a:bodyPr>
-          <a:lstStyle/>
-          <a:p>
-            <a:r>
-              <a:rPr lang="en-US" i="1" noProof="0" dirty="0">
-                <a:solidFill>
-                  <a:schemeClr val="accent1"/>
-                </a:solidFill>
-              </a:rPr>
-              <a:t>Administrator is responsible for the management of the projects.</a:t>
-            </a:r>
-            <a:br>
-              <a:rPr lang="en-US" i="1" noProof="0" dirty="0">
-                <a:solidFill>
-                  <a:schemeClr val="accent1"/>
-                </a:solidFill>
-              </a:rPr>
-            </a:br>
-            <a:r>
-              <a:rPr lang="en-US" i="1" noProof="0" dirty="0">
-                <a:solidFill>
-                  <a:schemeClr val="accent1"/>
-                </a:solidFill>
-              </a:rPr>
-              <a:t>He is responsible of the documents and the training of the Robot with AI. (after the training, the Robot can detect an element on the page)</a:t>
-            </a:r>
-          </a:p>
-        </p:txBody>
-      </p:sp>
-      <p:sp>
-        <p:nvSpPr>
-          <p:cNvPr id="3" name="TextBox 2">
-            <a:extLst>
-              <a:ext uri="{FF2B5EF4-FFF2-40B4-BE49-F238E27FC236}">
-                <a16:creationId xmlns:a16="http://schemas.microsoft.com/office/drawing/2014/main" id="{5918F75C-648A-30F2-34E0-74400C74B927}"/>
-              </a:ext>
-            </a:extLst>
-          </p:cNvPr>
-          <p:cNvSpPr txBox="1"/>
-          <p:nvPr/>
-        </p:nvSpPr>
-        <p:spPr>
-          <a:xfrm>
-            <a:off x="108031" y="3697034"/>
-            <a:ext cx="2204185" cy="369332"/>
-          </a:xfrm>
-          <a:prstGeom prst="rect">
-            <a:avLst/>
-          </a:prstGeom>
-          <a:noFill/>
-        </p:spPr>
-        <p:txBody>
-          <a:bodyPr wrap="square" rtlCol="0">
-            <a:spAutoFit/>
-          </a:bodyPr>
-          <a:lstStyle/>
-          <a:p>
-            <a:r>
-              <a:rPr lang="fr-BE" b="1" dirty="0">
-                <a:solidFill>
-                  <a:schemeClr val="accent1"/>
-                </a:solidFill>
-              </a:rPr>
-              <a:t>ADMINISTRATOR</a:t>
-            </a:r>
-          </a:p>
-        </p:txBody>
-      </p:sp>
-      <p:sp>
-        <p:nvSpPr>
-          <p:cNvPr id="24" name="TextBox 23">
-            <a:extLst>
-              <a:ext uri="{FF2B5EF4-FFF2-40B4-BE49-F238E27FC236}">
-                <a16:creationId xmlns:a16="http://schemas.microsoft.com/office/drawing/2014/main" id="{AB9D38EC-D796-6177-87AB-B35563443C8A}"/>
-              </a:ext>
-            </a:extLst>
-          </p:cNvPr>
-          <p:cNvSpPr txBox="1"/>
-          <p:nvPr/>
-        </p:nvSpPr>
-        <p:spPr>
-          <a:xfrm>
-            <a:off x="108031" y="4060702"/>
-            <a:ext cx="2204185" cy="338554"/>
-          </a:xfrm>
-          <a:prstGeom prst="rect">
-            <a:avLst/>
-          </a:prstGeom>
-          <a:noFill/>
-        </p:spPr>
-        <p:txBody>
-          <a:bodyPr wrap="square" rtlCol="0">
-            <a:spAutoFit/>
-          </a:bodyPr>
-          <a:lstStyle>
-            <a:defPPr>
-              <a:defRPr lang="en-US"/>
-            </a:defPPr>
-            <a:lvl1pPr>
-              <a:defRPr sz="1600" b="1" i="1">
-                <a:solidFill>
-                  <a:schemeClr val="accent1"/>
-                </a:solidFill>
-              </a:defRPr>
-            </a:lvl1pPr>
-          </a:lstStyle>
-          <a:p>
-            <a:r>
-              <a:rPr lang="en-US" noProof="0"/>
-              <a:t>User interface:</a:t>
-            </a:r>
-          </a:p>
-        </p:txBody>
-      </p:sp>
-      <p:sp>
-        <p:nvSpPr>
-          <p:cNvPr id="27" name="TextBox 26">
-            <a:extLst>
-              <a:ext uri="{FF2B5EF4-FFF2-40B4-BE49-F238E27FC236}">
-                <a16:creationId xmlns:a16="http://schemas.microsoft.com/office/drawing/2014/main" id="{F3D5D743-515B-80DD-139F-8CFD05B69FA3}"/>
-              </a:ext>
-            </a:extLst>
-          </p:cNvPr>
-          <p:cNvSpPr txBox="1"/>
-          <p:nvPr/>
-        </p:nvSpPr>
-        <p:spPr>
-          <a:xfrm>
-            <a:off x="108031" y="7924314"/>
-            <a:ext cx="3183808" cy="338554"/>
-          </a:xfrm>
-          <a:prstGeom prst="rect">
-            <a:avLst/>
-          </a:prstGeom>
-          <a:noFill/>
-        </p:spPr>
-        <p:txBody>
-          <a:bodyPr wrap="square" rtlCol="0">
-            <a:spAutoFit/>
-          </a:bodyPr>
-          <a:lstStyle/>
-          <a:p>
-            <a:r>
-              <a:rPr lang="en-US" sz="1600" b="1" i="1" noProof="0" dirty="0">
-                <a:solidFill>
-                  <a:schemeClr val="accent1"/>
-                </a:solidFill>
-              </a:rPr>
-              <a:t>Train the Robot with AI</a:t>
-            </a:r>
-          </a:p>
-        </p:txBody>
-      </p:sp>
       <p:pic>
         <p:nvPicPr>
           <p:cNvPr id="2" name="Picture 1">
             <a:extLst>
               <a:ext uri="{FF2B5EF4-FFF2-40B4-BE49-F238E27FC236}">
-                <a16:creationId xmlns:a16="http://schemas.microsoft.com/office/drawing/2014/main" id="{22BF2145-26AB-FE05-BA70-D93009F5F938}"/>
+                <a16:creationId xmlns:a16="http://schemas.microsoft.com/office/drawing/2014/main" id="{2663664F-9F23-F2D5-3421-558E07698B25}"/>
               </a:ext>
             </a:extLst>
           </p:cNvPr>
@@ -5620,8 +6151,8 @@
         </p:blipFill>
         <p:spPr>
           <a:xfrm>
-            <a:off x="108030" y="4409938"/>
-            <a:ext cx="6610403" cy="3396549"/>
+            <a:off x="123068" y="429792"/>
+            <a:ext cx="2860751" cy="2585323"/>
           </a:xfrm>
           <a:prstGeom prst="rect">
             <a:avLst/>
@@ -5630,10 +6161,10 @@
       </p:pic>
       <p:pic>
         <p:nvPicPr>
-          <p:cNvPr id="7" name="Picture 6">
+          <p:cNvPr id="6" name="Picture 5">
             <a:extLst>
               <a:ext uri="{FF2B5EF4-FFF2-40B4-BE49-F238E27FC236}">
-                <a16:creationId xmlns:a16="http://schemas.microsoft.com/office/drawing/2014/main" id="{B9D93902-D825-9ABF-4078-1FBAFA76BAB6}"/>
+                <a16:creationId xmlns:a16="http://schemas.microsoft.com/office/drawing/2014/main" id="{A0805332-00D2-A954-2BC2-4C46E8B27777}"/>
               </a:ext>
             </a:extLst>
           </p:cNvPr>
@@ -5650,8 +6181,8 @@
         </p:blipFill>
         <p:spPr>
           <a:xfrm>
-            <a:off x="108030" y="8262868"/>
-            <a:ext cx="6610404" cy="3344836"/>
+            <a:off x="167760" y="4498291"/>
+            <a:ext cx="6599240" cy="3233022"/>
           </a:xfrm>
           <a:prstGeom prst="rect">
             <a:avLst/>
@@ -5671,7 +6202,7 @@
 </p:sld>
 </file>
 
-<file path=ppt/slides/slide5.xml><?xml version="1.0" encoding="utf-8"?>
+<file path=ppt/slides/slide6.xml><?xml version="1.0" encoding="utf-8"?>
 <p:sld xmlns:a="http://schemas.openxmlformats.org/drawingml/2006/main" xmlns:r="http://schemas.openxmlformats.org/officeDocument/2006/relationships" xmlns:p="http://schemas.openxmlformats.org/presentationml/2006/main">
   <p:cSld>
     <p:spTree>
@@ -5800,12 +6331,223 @@
           </a:p>
         </p:txBody>
       </p:sp>
+      <p:sp>
+        <p:nvSpPr>
+          <p:cNvPr id="13" name="TextBox 12">
+            <a:extLst>
+              <a:ext uri="{FF2B5EF4-FFF2-40B4-BE49-F238E27FC236}">
+                <a16:creationId xmlns:a16="http://schemas.microsoft.com/office/drawing/2014/main" id="{5B01912B-1A37-E953-B26A-1D1229C59F67}"/>
+              </a:ext>
+            </a:extLst>
+          </p:cNvPr>
+          <p:cNvSpPr txBox="1"/>
+          <p:nvPr/>
+        </p:nvSpPr>
+        <p:spPr>
+          <a:xfrm>
+            <a:off x="3035808" y="593710"/>
+            <a:ext cx="3822192" cy="523220"/>
+          </a:xfrm>
+          <a:prstGeom prst="rect">
+            <a:avLst/>
+          </a:prstGeom>
+          <a:noFill/>
+        </p:spPr>
+        <p:txBody>
+          <a:bodyPr wrap="square" rtlCol="0">
+            <a:spAutoFit/>
+          </a:bodyPr>
+          <a:lstStyle/>
+          <a:p>
+            <a:pPr algn="ctr"/>
+            <a:r>
+              <a:rPr lang="en-US" sz="2800" b="1" noProof="0" dirty="0">
+                <a:solidFill>
+                  <a:schemeClr val="accent1"/>
+                </a:solidFill>
+              </a:rPr>
+              <a:t>Automated Tests Tool</a:t>
+            </a:r>
+          </a:p>
+        </p:txBody>
+      </p:sp>
+      <p:sp>
+        <p:nvSpPr>
+          <p:cNvPr id="15" name="TextBox 14">
+            <a:extLst>
+              <a:ext uri="{FF2B5EF4-FFF2-40B4-BE49-F238E27FC236}">
+                <a16:creationId xmlns:a16="http://schemas.microsoft.com/office/drawing/2014/main" id="{5FC26538-E8D9-B52B-5978-4EF9661633D3}"/>
+              </a:ext>
+            </a:extLst>
+          </p:cNvPr>
+          <p:cNvSpPr txBox="1"/>
+          <p:nvPr/>
+        </p:nvSpPr>
+        <p:spPr>
+          <a:xfrm>
+            <a:off x="3291839" y="1197567"/>
+            <a:ext cx="3566161" cy="923330"/>
+          </a:xfrm>
+          <a:prstGeom prst="rect">
+            <a:avLst/>
+          </a:prstGeom>
+          <a:noFill/>
+        </p:spPr>
+        <p:txBody>
+          <a:bodyPr wrap="square" rtlCol="0">
+            <a:spAutoFit/>
+          </a:bodyPr>
+          <a:lstStyle/>
+          <a:p>
+            <a:r>
+              <a:rPr lang="en-US" i="1" noProof="0" dirty="0">
+                <a:solidFill>
+                  <a:schemeClr val="accent1"/>
+                </a:solidFill>
+              </a:rPr>
+              <a:t>Documentation is very important!</a:t>
+            </a:r>
+          </a:p>
+          <a:p>
+            <a:r>
+              <a:rPr lang="en-US" i="1" dirty="0">
+                <a:solidFill>
+                  <a:schemeClr val="accent1"/>
+                </a:solidFill>
+              </a:rPr>
+              <a:t>For each role, we have dedicated books to help the people</a:t>
+            </a:r>
+            <a:endParaRPr lang="en-US" i="1" noProof="0" dirty="0">
+              <a:solidFill>
+                <a:schemeClr val="accent1"/>
+              </a:solidFill>
+            </a:endParaRPr>
+          </a:p>
+        </p:txBody>
+      </p:sp>
+      <p:sp>
+        <p:nvSpPr>
+          <p:cNvPr id="3" name="TextBox 2">
+            <a:extLst>
+              <a:ext uri="{FF2B5EF4-FFF2-40B4-BE49-F238E27FC236}">
+                <a16:creationId xmlns:a16="http://schemas.microsoft.com/office/drawing/2014/main" id="{419B63AE-3777-19B7-9B7C-4066876794D5}"/>
+              </a:ext>
+            </a:extLst>
+          </p:cNvPr>
+          <p:cNvSpPr txBox="1"/>
+          <p:nvPr/>
+        </p:nvSpPr>
+        <p:spPr>
+          <a:xfrm>
+            <a:off x="98405" y="3398650"/>
+            <a:ext cx="2204185" cy="369332"/>
+          </a:xfrm>
+          <a:prstGeom prst="rect">
+            <a:avLst/>
+          </a:prstGeom>
+          <a:noFill/>
+        </p:spPr>
+        <p:txBody>
+          <a:bodyPr wrap="square" rtlCol="0">
+            <a:spAutoFit/>
+          </a:bodyPr>
+          <a:lstStyle/>
+          <a:p>
+            <a:r>
+              <a:rPr lang="fr-BE" b="1" dirty="0">
+                <a:solidFill>
+                  <a:schemeClr val="accent1"/>
+                </a:solidFill>
+              </a:rPr>
+              <a:t>TESTER</a:t>
+            </a:r>
+          </a:p>
+        </p:txBody>
+      </p:sp>
+      <p:sp>
+        <p:nvSpPr>
+          <p:cNvPr id="18" name="TextBox 17">
+            <a:extLst>
+              <a:ext uri="{FF2B5EF4-FFF2-40B4-BE49-F238E27FC236}">
+                <a16:creationId xmlns:a16="http://schemas.microsoft.com/office/drawing/2014/main" id="{64B2F24F-1768-9218-A0AE-14D97720DF64}"/>
+              </a:ext>
+            </a:extLst>
+          </p:cNvPr>
+          <p:cNvSpPr txBox="1"/>
+          <p:nvPr/>
+        </p:nvSpPr>
+        <p:spPr>
+          <a:xfrm>
+            <a:off x="98405" y="6392399"/>
+            <a:ext cx="2204185" cy="369332"/>
+          </a:xfrm>
+          <a:prstGeom prst="rect">
+            <a:avLst/>
+          </a:prstGeom>
+          <a:noFill/>
+        </p:spPr>
+        <p:txBody>
+          <a:bodyPr wrap="square" rtlCol="0">
+            <a:spAutoFit/>
+          </a:bodyPr>
+          <a:lstStyle/>
+          <a:p>
+            <a:r>
+              <a:rPr lang="fr-BE" b="1" dirty="0">
+                <a:solidFill>
+                  <a:schemeClr val="accent1"/>
+                </a:solidFill>
+              </a:rPr>
+              <a:t>DESIGNER</a:t>
+            </a:r>
+          </a:p>
+        </p:txBody>
+      </p:sp>
+      <p:sp>
+        <p:nvSpPr>
+          <p:cNvPr id="19" name="TextBox 18">
+            <a:extLst>
+              <a:ext uri="{FF2B5EF4-FFF2-40B4-BE49-F238E27FC236}">
+                <a16:creationId xmlns:a16="http://schemas.microsoft.com/office/drawing/2014/main" id="{F6A72389-F84E-7DB5-2701-A8B8266BF47C}"/>
+              </a:ext>
+            </a:extLst>
+          </p:cNvPr>
+          <p:cNvSpPr txBox="1"/>
+          <p:nvPr/>
+        </p:nvSpPr>
+        <p:spPr>
+          <a:xfrm>
+            <a:off x="98404" y="9415440"/>
+            <a:ext cx="2204185" cy="369332"/>
+          </a:xfrm>
+          <a:prstGeom prst="rect">
+            <a:avLst/>
+          </a:prstGeom>
+          <a:noFill/>
+        </p:spPr>
+        <p:txBody>
+          <a:bodyPr wrap="square" rtlCol="0">
+            <a:spAutoFit/>
+          </a:bodyPr>
+          <a:lstStyle/>
+          <a:p>
+            <a:r>
+              <a:rPr lang="fr-BE" b="1" dirty="0">
+                <a:solidFill>
+                  <a:schemeClr val="accent1"/>
+                </a:solidFill>
+              </a:rPr>
+              <a:t>ADMINISTRATOR</a:t>
+            </a:r>
+          </a:p>
+        </p:txBody>
+      </p:sp>
       <p:pic>
         <p:nvPicPr>
-          <p:cNvPr id="12" name="Picture 11" descr="A white robot with black eyes and hands&#10;&#10;Description automatically generated">
+          <p:cNvPr id="25" name="Picture 24">
             <a:extLst>
               <a:ext uri="{FF2B5EF4-FFF2-40B4-BE49-F238E27FC236}">
-                <a16:creationId xmlns:a16="http://schemas.microsoft.com/office/drawing/2014/main" id="{0486C183-B73B-846D-B73C-3DA6317FC28B}"/>
+                <a16:creationId xmlns:a16="http://schemas.microsoft.com/office/drawing/2014/main" id="{2E4ED6B6-208B-13E5-FDC5-327D7E350DAC}"/>
               </a:ext>
             </a:extLst>
           </p:cNvPr>
@@ -5815,166 +6557,27 @@
           <p:nvPr/>
         </p:nvPicPr>
         <p:blipFill>
-          <a:blip r:embed="rId2">
-            <a:extLst>
-              <a:ext uri="{28A0092B-C50C-407E-A947-70E740481C1C}">
-                <a14:useLocalDpi xmlns:a14="http://schemas.microsoft.com/office/drawing/2010/main" val="0"/>
-              </a:ext>
-            </a:extLst>
-          </a:blip>
+          <a:blip r:embed="rId2"/>
           <a:stretch>
             <a:fillRect/>
           </a:stretch>
         </p:blipFill>
         <p:spPr>
           <a:xfrm>
-            <a:off x="451356" y="593710"/>
-            <a:ext cx="2389127" cy="2391252"/>
+            <a:off x="91164" y="6773091"/>
+            <a:ext cx="6668431" cy="2388829"/>
           </a:xfrm>
           <a:prstGeom prst="rect">
             <a:avLst/>
           </a:prstGeom>
         </p:spPr>
       </p:pic>
-      <p:sp>
-        <p:nvSpPr>
-          <p:cNvPr id="13" name="TextBox 12">
+      <p:pic>
+        <p:nvPicPr>
+          <p:cNvPr id="27" name="Picture 26">
             <a:extLst>
               <a:ext uri="{FF2B5EF4-FFF2-40B4-BE49-F238E27FC236}">
-                <a16:creationId xmlns:a16="http://schemas.microsoft.com/office/drawing/2014/main" id="{5B01912B-1A37-E953-B26A-1D1229C59F67}"/>
-              </a:ext>
-            </a:extLst>
-          </p:cNvPr>
-          <p:cNvSpPr txBox="1"/>
-          <p:nvPr/>
-        </p:nvSpPr>
-        <p:spPr>
-          <a:xfrm>
-            <a:off x="3035808" y="593710"/>
-            <a:ext cx="3822192" cy="523220"/>
-          </a:xfrm>
-          <a:prstGeom prst="rect">
-            <a:avLst/>
-          </a:prstGeom>
-          <a:noFill/>
-        </p:spPr>
-        <p:txBody>
-          <a:bodyPr wrap="square" rtlCol="0">
-            <a:spAutoFit/>
-          </a:bodyPr>
-          <a:lstStyle/>
-          <a:p>
-            <a:pPr algn="ctr"/>
-            <a:r>
-              <a:rPr lang="en-US" sz="2800" b="1" noProof="0" dirty="0">
-                <a:solidFill>
-                  <a:schemeClr val="accent1"/>
-                </a:solidFill>
-              </a:rPr>
-              <a:t>Automated Tests Tool</a:t>
-            </a:r>
-          </a:p>
-        </p:txBody>
-      </p:sp>
-      <p:sp>
-        <p:nvSpPr>
-          <p:cNvPr id="15" name="TextBox 14">
-            <a:extLst>
-              <a:ext uri="{FF2B5EF4-FFF2-40B4-BE49-F238E27FC236}">
-                <a16:creationId xmlns:a16="http://schemas.microsoft.com/office/drawing/2014/main" id="{5FC26538-E8D9-B52B-5978-4EF9661633D3}"/>
-              </a:ext>
-            </a:extLst>
-          </p:cNvPr>
-          <p:cNvSpPr txBox="1"/>
-          <p:nvPr/>
-        </p:nvSpPr>
-        <p:spPr>
-          <a:xfrm>
-            <a:off x="3291839" y="1197567"/>
-            <a:ext cx="3566161" cy="923330"/>
-          </a:xfrm>
-          <a:prstGeom prst="rect">
-            <a:avLst/>
-          </a:prstGeom>
-          <a:noFill/>
-        </p:spPr>
-        <p:txBody>
-          <a:bodyPr wrap="square" rtlCol="0">
-            <a:spAutoFit/>
-          </a:bodyPr>
-          <a:lstStyle/>
-          <a:p>
-            <a:r>
-              <a:rPr lang="en-US" i="1" noProof="0" dirty="0">
-                <a:solidFill>
-                  <a:schemeClr val="accent1"/>
-                </a:solidFill>
-              </a:rPr>
-              <a:t>Documentation is very important!</a:t>
-            </a:r>
-          </a:p>
-          <a:p>
-            <a:r>
-              <a:rPr lang="en-US" i="1" dirty="0">
-                <a:solidFill>
-                  <a:schemeClr val="accent1"/>
-                </a:solidFill>
-              </a:rPr>
-              <a:t>For each role, we have dedicated books to help the people</a:t>
-            </a:r>
-            <a:endParaRPr lang="en-US" i="1" noProof="0" dirty="0">
-              <a:solidFill>
-                <a:schemeClr val="accent1"/>
-              </a:solidFill>
-            </a:endParaRPr>
-          </a:p>
-        </p:txBody>
-      </p:sp>
-      <p:sp>
-        <p:nvSpPr>
-          <p:cNvPr id="3" name="TextBox 2">
-            <a:extLst>
-              <a:ext uri="{FF2B5EF4-FFF2-40B4-BE49-F238E27FC236}">
-                <a16:creationId xmlns:a16="http://schemas.microsoft.com/office/drawing/2014/main" id="{419B63AE-3777-19B7-9B7C-4066876794D5}"/>
-              </a:ext>
-            </a:extLst>
-          </p:cNvPr>
-          <p:cNvSpPr txBox="1"/>
-          <p:nvPr/>
-        </p:nvSpPr>
-        <p:spPr>
-          <a:xfrm>
-            <a:off x="98405" y="3398650"/>
-            <a:ext cx="2204185" cy="369332"/>
-          </a:xfrm>
-          <a:prstGeom prst="rect">
-            <a:avLst/>
-          </a:prstGeom>
-          <a:noFill/>
-        </p:spPr>
-        <p:txBody>
-          <a:bodyPr wrap="square" rtlCol="0">
-            <a:spAutoFit/>
-          </a:bodyPr>
-          <a:lstStyle/>
-          <a:p>
-            <a:r>
-              <a:rPr lang="fr-BE" b="1" dirty="0">
-                <a:solidFill>
-                  <a:schemeClr val="accent1"/>
-                </a:solidFill>
-              </a:rPr>
-              <a:t>TESTER</a:t>
-            </a:r>
-          </a:p>
-        </p:txBody>
-      </p:sp>
-      <p:pic>
-        <p:nvPicPr>
-          <p:cNvPr id="9" name="Picture 8">
-            <a:extLst>
-              <a:ext uri="{FF2B5EF4-FFF2-40B4-BE49-F238E27FC236}">
-                <a16:creationId xmlns:a16="http://schemas.microsoft.com/office/drawing/2014/main" id="{8C976056-2A2D-7FFA-11B9-853E300F2733}"/>
+                <a16:creationId xmlns:a16="http://schemas.microsoft.com/office/drawing/2014/main" id="{B16D490F-CEA5-A18B-FF99-D5FEC904AA24}"/>
               </a:ext>
             </a:extLst>
           </p:cNvPr>
@@ -5991,8 +6594,8 @@
         </p:blipFill>
         <p:spPr>
           <a:xfrm>
-            <a:off x="98404" y="3771520"/>
-            <a:ext cx="6595004" cy="2495898"/>
+            <a:off x="98404" y="9798456"/>
+            <a:ext cx="6661191" cy="2162368"/>
           </a:xfrm>
           <a:prstGeom prst="rect">
             <a:avLst/>
@@ -6001,10 +6604,10 @@
       </p:pic>
       <p:pic>
         <p:nvPicPr>
-          <p:cNvPr id="14" name="Picture 13">
+          <p:cNvPr id="6" name="Picture 5">
             <a:extLst>
               <a:ext uri="{FF2B5EF4-FFF2-40B4-BE49-F238E27FC236}">
-                <a16:creationId xmlns:a16="http://schemas.microsoft.com/office/drawing/2014/main" id="{B4A8757B-94F0-798D-12AA-58E799136554}"/>
+                <a16:creationId xmlns:a16="http://schemas.microsoft.com/office/drawing/2014/main" id="{F11D0A8B-0B9D-CD79-9EE0-F1C3E46A389E}"/>
               </a:ext>
             </a:extLst>
           </p:cNvPr>
@@ -6021,8 +6624,8 @@
         </p:blipFill>
         <p:spPr>
           <a:xfrm>
-            <a:off x="98404" y="6856029"/>
-            <a:ext cx="6595004" cy="2252427"/>
+            <a:off x="98404" y="3866222"/>
+            <a:ext cx="6661191" cy="2079023"/>
           </a:xfrm>
           <a:prstGeom prst="rect">
             <a:avLst/>
@@ -6031,10 +6634,10 @@
       </p:pic>
       <p:pic>
         <p:nvPicPr>
-          <p:cNvPr id="17" name="Picture 16">
+          <p:cNvPr id="5" name="Picture 4">
             <a:extLst>
               <a:ext uri="{FF2B5EF4-FFF2-40B4-BE49-F238E27FC236}">
-                <a16:creationId xmlns:a16="http://schemas.microsoft.com/office/drawing/2014/main" id="{873C43CE-DD7C-EA10-6BFD-F350839919FB}"/>
+                <a16:creationId xmlns:a16="http://schemas.microsoft.com/office/drawing/2014/main" id="{341E6DFE-6420-21E3-9E43-802A2123ECB5}"/>
               </a:ext>
             </a:extLst>
           </p:cNvPr>
@@ -6051,92 +6654,14 @@
         </p:blipFill>
         <p:spPr>
           <a:xfrm>
-            <a:off x="98404" y="9697067"/>
-            <a:ext cx="6595004" cy="2136710"/>
+            <a:off x="123068" y="429792"/>
+            <a:ext cx="2860751" cy="2585323"/>
           </a:xfrm>
           <a:prstGeom prst="rect">
             <a:avLst/>
           </a:prstGeom>
         </p:spPr>
       </p:pic>
-      <p:sp>
-        <p:nvSpPr>
-          <p:cNvPr id="18" name="TextBox 17">
-            <a:extLst>
-              <a:ext uri="{FF2B5EF4-FFF2-40B4-BE49-F238E27FC236}">
-                <a16:creationId xmlns:a16="http://schemas.microsoft.com/office/drawing/2014/main" id="{64B2F24F-1768-9218-A0AE-14D97720DF64}"/>
-              </a:ext>
-            </a:extLst>
-          </p:cNvPr>
-          <p:cNvSpPr txBox="1"/>
-          <p:nvPr/>
-        </p:nvSpPr>
-        <p:spPr>
-          <a:xfrm>
-            <a:off x="98405" y="6474042"/>
-            <a:ext cx="2204185" cy="369332"/>
-          </a:xfrm>
-          <a:prstGeom prst="rect">
-            <a:avLst/>
-          </a:prstGeom>
-          <a:noFill/>
-        </p:spPr>
-        <p:txBody>
-          <a:bodyPr wrap="square" rtlCol="0">
-            <a:spAutoFit/>
-          </a:bodyPr>
-          <a:lstStyle/>
-          <a:p>
-            <a:r>
-              <a:rPr lang="fr-BE" b="1" dirty="0">
-                <a:solidFill>
-                  <a:schemeClr val="accent1"/>
-                </a:solidFill>
-              </a:rPr>
-              <a:t>DESIGNER</a:t>
-            </a:r>
-          </a:p>
-        </p:txBody>
-      </p:sp>
-      <p:sp>
-        <p:nvSpPr>
-          <p:cNvPr id="19" name="TextBox 18">
-            <a:extLst>
-              <a:ext uri="{FF2B5EF4-FFF2-40B4-BE49-F238E27FC236}">
-                <a16:creationId xmlns:a16="http://schemas.microsoft.com/office/drawing/2014/main" id="{F6A72389-F84E-7DB5-2701-A8B8266BF47C}"/>
-              </a:ext>
-            </a:extLst>
-          </p:cNvPr>
-          <p:cNvSpPr txBox="1"/>
-          <p:nvPr/>
-        </p:nvSpPr>
-        <p:spPr>
-          <a:xfrm>
-            <a:off x="98404" y="9333795"/>
-            <a:ext cx="2204185" cy="369332"/>
-          </a:xfrm>
-          <a:prstGeom prst="rect">
-            <a:avLst/>
-          </a:prstGeom>
-          <a:noFill/>
-        </p:spPr>
-        <p:txBody>
-          <a:bodyPr wrap="square" rtlCol="0">
-            <a:spAutoFit/>
-          </a:bodyPr>
-          <a:lstStyle/>
-          <a:p>
-            <a:r>
-              <a:rPr lang="fr-BE" b="1" dirty="0">
-                <a:solidFill>
-                  <a:schemeClr val="accent1"/>
-                </a:solidFill>
-              </a:rPr>
-              <a:t>ADMINISTRATOR</a:t>
-            </a:r>
-          </a:p>
-        </p:txBody>
-      </p:sp>
     </p:spTree>
     <p:extLst>
       <p:ext uri="{BB962C8B-B14F-4D97-AF65-F5344CB8AC3E}">

--- a/frontend/public/documentation/Flyer.pptx
+++ b/frontend/public/documentation/Flyer.pptx
@@ -248,7 +248,7 @@
           <a:p>
             <a:fld id="{D4B1C55F-B20C-4CFD-8E60-86901ABAE181}" type="datetimeFigureOut">
               <a:rPr lang="fr-BE" smtClean="0"/>
-              <a:t>02-06-25</a:t>
+              <a:t>04-06-25</a:t>
             </a:fld>
             <a:endParaRPr lang="fr-BE"/>
           </a:p>
@@ -418,7 +418,7 @@
           <a:p>
             <a:fld id="{D4B1C55F-B20C-4CFD-8E60-86901ABAE181}" type="datetimeFigureOut">
               <a:rPr lang="fr-BE" smtClean="0"/>
-              <a:t>02-06-25</a:t>
+              <a:t>04-06-25</a:t>
             </a:fld>
             <a:endParaRPr lang="fr-BE"/>
           </a:p>
@@ -598,7 +598,7 @@
           <a:p>
             <a:fld id="{D4B1C55F-B20C-4CFD-8E60-86901ABAE181}" type="datetimeFigureOut">
               <a:rPr lang="fr-BE" smtClean="0"/>
-              <a:t>02-06-25</a:t>
+              <a:t>04-06-25</a:t>
             </a:fld>
             <a:endParaRPr lang="fr-BE"/>
           </a:p>
@@ -768,7 +768,7 @@
           <a:p>
             <a:fld id="{D4B1C55F-B20C-4CFD-8E60-86901ABAE181}" type="datetimeFigureOut">
               <a:rPr lang="fr-BE" smtClean="0"/>
-              <a:t>02-06-25</a:t>
+              <a:t>04-06-25</a:t>
             </a:fld>
             <a:endParaRPr lang="fr-BE"/>
           </a:p>
@@ -1014,7 +1014,7 @@
           <a:p>
             <a:fld id="{D4B1C55F-B20C-4CFD-8E60-86901ABAE181}" type="datetimeFigureOut">
               <a:rPr lang="fr-BE" smtClean="0"/>
-              <a:t>02-06-25</a:t>
+              <a:t>04-06-25</a:t>
             </a:fld>
             <a:endParaRPr lang="fr-BE"/>
           </a:p>
@@ -1246,7 +1246,7 @@
           <a:p>
             <a:fld id="{D4B1C55F-B20C-4CFD-8E60-86901ABAE181}" type="datetimeFigureOut">
               <a:rPr lang="fr-BE" smtClean="0"/>
-              <a:t>02-06-25</a:t>
+              <a:t>04-06-25</a:t>
             </a:fld>
             <a:endParaRPr lang="fr-BE"/>
           </a:p>
@@ -1613,7 +1613,7 @@
           <a:p>
             <a:fld id="{D4B1C55F-B20C-4CFD-8E60-86901ABAE181}" type="datetimeFigureOut">
               <a:rPr lang="fr-BE" smtClean="0"/>
-              <a:t>02-06-25</a:t>
+              <a:t>04-06-25</a:t>
             </a:fld>
             <a:endParaRPr lang="fr-BE"/>
           </a:p>
@@ -1731,7 +1731,7 @@
           <a:p>
             <a:fld id="{D4B1C55F-B20C-4CFD-8E60-86901ABAE181}" type="datetimeFigureOut">
               <a:rPr lang="fr-BE" smtClean="0"/>
-              <a:t>02-06-25</a:t>
+              <a:t>04-06-25</a:t>
             </a:fld>
             <a:endParaRPr lang="fr-BE"/>
           </a:p>
@@ -1826,7 +1826,7 @@
           <a:p>
             <a:fld id="{D4B1C55F-B20C-4CFD-8E60-86901ABAE181}" type="datetimeFigureOut">
               <a:rPr lang="fr-BE" smtClean="0"/>
-              <a:t>02-06-25</a:t>
+              <a:t>04-06-25</a:t>
             </a:fld>
             <a:endParaRPr lang="fr-BE"/>
           </a:p>
@@ -2103,7 +2103,7 @@
           <a:p>
             <a:fld id="{D4B1C55F-B20C-4CFD-8E60-86901ABAE181}" type="datetimeFigureOut">
               <a:rPr lang="fr-BE" smtClean="0"/>
-              <a:t>02-06-25</a:t>
+              <a:t>04-06-25</a:t>
             </a:fld>
             <a:endParaRPr lang="fr-BE"/>
           </a:p>
@@ -2360,7 +2360,7 @@
           <a:p>
             <a:fld id="{D4B1C55F-B20C-4CFD-8E60-86901ABAE181}" type="datetimeFigureOut">
               <a:rPr lang="fr-BE" smtClean="0"/>
-              <a:t>02-06-25</a:t>
+              <a:t>04-06-25</a:t>
             </a:fld>
             <a:endParaRPr lang="fr-BE"/>
           </a:p>
@@ -2573,7 +2573,7 @@
           <a:p>
             <a:fld id="{D4B1C55F-B20C-4CFD-8E60-86901ABAE181}" type="datetimeFigureOut">
               <a:rPr lang="fr-BE" smtClean="0"/>
-              <a:t>02-06-25</a:t>
+              <a:t>04-06-25</a:t>
             </a:fld>
             <a:endParaRPr lang="fr-BE"/>
           </a:p>
@@ -4804,7 +4804,34 @@
                 </a:solidFill>
                 <a:latin typeface="Google Sans Text"/>
               </a:rPr>
-              <a:t>Only the back-end has been migrated, the powerful behaviors are still there: rules engine, dataset, dictionary, able to process very complex scenarios….</a:t>
+              <a:t>Only the back-end has been migrated, the powerful behaviors are still there: rules engine, dataset, dictionary, able to process very complex scenarios, frame and </a:t>
+            </a:r>
+            <a:r>
+              <a:rPr lang="en-US" dirty="0" err="1">
+                <a:solidFill>
+                  <a:srgbClr val="1A1C1E"/>
+                </a:solidFill>
+                <a:latin typeface="Google Sans Text"/>
+              </a:rPr>
+              <a:t>iFrame</a:t>
+            </a:r>
+            <a:r>
+              <a:rPr lang="en-US" dirty="0">
+                <a:solidFill>
+                  <a:srgbClr val="1A1C1E"/>
+                </a:solidFill>
+                <a:latin typeface="Google Sans Text"/>
+              </a:rPr>
+              <a:t> managed </a:t>
+            </a:r>
+            <a:r>
+              <a:rPr lang="en-US">
+                <a:solidFill>
+                  <a:srgbClr val="1A1C1E"/>
+                </a:solidFill>
+                <a:latin typeface="Google Sans Text"/>
+              </a:rPr>
+              <a:t>by the tool….</a:t>
             </a:r>
             <a:endParaRPr lang="en-BE" dirty="0"/>
           </a:p>
